--- a/C++资料包/递推与递归.pptx
+++ b/C++资料包/递推与递归.pptx
@@ -1,20 +1,25 @@
 
 <file path=ppt/presentation.xml><?xml version="1.0" encoding="utf-8"?>
-<p:presentation xmlns:a="http://schemas.openxmlformats.org/drawingml/2006/main" xmlns:r="http://schemas.openxmlformats.org/officeDocument/2006/relationships" xmlns:p="http://schemas.openxmlformats.org/presentationml/2006/main" saveSubsetFonts="1">
+<p:presentation xmlns:a="http://schemas.openxmlformats.org/drawingml/2006/main" xmlns:r="http://schemas.openxmlformats.org/officeDocument/2006/relationships" xmlns:p="http://schemas.openxmlformats.org/presentationml/2006/main">
   <p:sldMasterIdLst>
     <p:sldMasterId id="2147483648" r:id="rId1"/>
+    <p:sldMasterId id="2147483661" r:id="rId3"/>
   </p:sldMasterIdLst>
   <p:notesMasterIdLst>
-    <p:notesMasterId r:id="rId9"/>
+    <p:notesMasterId r:id="rId6"/>
   </p:notesMasterIdLst>
   <p:sldIdLst>
-    <p:sldId id="256" r:id="rId2"/>
-    <p:sldId id="285" r:id="rId3"/>
-    <p:sldId id="286" r:id="rId4"/>
-    <p:sldId id="287" r:id="rId5"/>
-    <p:sldId id="289" r:id="rId6"/>
-    <p:sldId id="257" r:id="rId7"/>
-    <p:sldId id="258" r:id="rId8"/>
+    <p:sldId id="256" r:id="rId4"/>
+    <p:sldId id="285" r:id="rId5"/>
+    <p:sldId id="286" r:id="rId7"/>
+    <p:sldId id="287" r:id="rId8"/>
+    <p:sldId id="289" r:id="rId9"/>
+    <p:sldId id="257" r:id="rId10"/>
+    <p:sldId id="258" r:id="rId11"/>
+    <p:sldId id="292" r:id="rId12"/>
+    <p:sldId id="293" r:id="rId13"/>
+    <p:sldId id="295" r:id="rId14"/>
+    <p:sldId id="294" r:id="rId15"/>
   </p:sldIdLst>
   <p:sldSz cx="12192000" cy="6858000"/>
   <p:notesSz cx="6858000" cy="9144000"/>
@@ -198,7 +203,6 @@
           <a:p>
             <a:fld id="{8F29A539-6B71-417C-8DA0-1AA8665569CB}" type="datetimeFigureOut">
               <a:rPr lang="zh-CN" altLang="en-US" smtClean="0"/>
-              <a:t>2020/2/22</a:t>
             </a:fld>
             <a:endParaRPr lang="zh-CN" altLang="en-US"/>
           </a:p>
@@ -265,6 +269,7 @@
               <a:rPr lang="zh-CN" altLang="en-US"/>
               <a:t>编辑母版文本样式</a:t>
             </a:r>
+            <a:endParaRPr lang="zh-CN" altLang="en-US"/>
           </a:p>
           <a:p>
             <a:pPr lvl="1"/>
@@ -272,6 +277,7 @@
               <a:rPr lang="zh-CN" altLang="en-US"/>
               <a:t>第二级</a:t>
             </a:r>
+            <a:endParaRPr lang="zh-CN" altLang="en-US"/>
           </a:p>
           <a:p>
             <a:pPr lvl="2"/>
@@ -279,6 +285,7 @@
               <a:rPr lang="zh-CN" altLang="en-US"/>
               <a:t>第三级</a:t>
             </a:r>
+            <a:endParaRPr lang="zh-CN" altLang="en-US"/>
           </a:p>
           <a:p>
             <a:pPr lvl="3"/>
@@ -286,6 +293,7 @@
               <a:rPr lang="zh-CN" altLang="en-US"/>
               <a:t>第四级</a:t>
             </a:r>
+            <a:endParaRPr lang="zh-CN" altLang="en-US"/>
           </a:p>
           <a:p>
             <a:pPr lvl="4"/>
@@ -293,6 +301,7 @@
               <a:rPr lang="zh-CN" altLang="en-US"/>
               <a:t>第五级</a:t>
             </a:r>
+            <a:endParaRPr lang="zh-CN" altLang="en-US"/>
           </a:p>
         </p:txBody>
       </p:sp>
@@ -356,18 +365,12 @@
           <a:p>
             <a:fld id="{B764A3FC-68D9-41B8-9DF3-B9DAAB6E6694}" type="slidenum">
               <a:rPr lang="zh-CN" altLang="en-US" smtClean="0"/>
-              <a:t>‹#›</a:t>
             </a:fld>
             <a:endParaRPr lang="zh-CN" altLang="en-US"/>
           </a:p>
         </p:txBody>
       </p:sp>
     </p:spTree>
-    <p:extLst>
-      <p:ext uri="{BB962C8B-B14F-4D97-AF65-F5344CB8AC3E}">
-        <p14:creationId xmlns:p14="http://schemas.microsoft.com/office/powerpoint/2010/main" val="3780788693"/>
-      </p:ext>
-    </p:extLst>
   </p:cSld>
   <p:clrMap bg1="lt1" tx1="dk1" bg2="lt2" tx2="dk2" accent1="accent1" accent2="accent2" accent3="accent3" accent4="accent4" accent5="accent5" accent6="accent6" hlink="hlink" folHlink="folHlink"/>
   <p:notesStyle>
@@ -513,6 +516,7 @@
               <a:rPr lang="zh-CN" altLang="en-US"/>
               <a:t>每一步上几层台阶，都是一个决策问题！</a:t>
             </a:r>
+            <a:endParaRPr lang="zh-CN" altLang="en-US"/>
           </a:p>
           <a:p>
             <a:r>
@@ -559,6 +563,7 @@
               <a:rPr lang="zh-CN" altLang="en-US"/>
               <a:t>步上来。</a:t>
             </a:r>
+            <a:endParaRPr lang="zh-CN" altLang="en-US"/>
           </a:p>
           <a:p>
             <a:r>
@@ -589,6 +594,7 @@
               <a:rPr lang="zh-CN" altLang="en-US"/>
               <a:t>层台阶的办法总和。</a:t>
             </a:r>
+            <a:endParaRPr lang="zh-CN" altLang="en-US"/>
           </a:p>
         </p:txBody>
       </p:sp>
@@ -648,12 +654,14 @@
               <a:rPr lang="zh-CN" altLang="en-US"/>
               <a:t>将求F（10）这个问题，完美的分解成了F（9）和F（8），找到了局部的最优解，与贪心算法有点像呀。</a:t>
             </a:r>
+            <a:endParaRPr lang="zh-CN" altLang="en-US"/>
           </a:p>
           <a:p>
             <a:r>
               <a:rPr lang="zh-CN" altLang="en-US"/>
               <a:t>既然F（10）=F（9）+F（8），那么F（9）=F（8）+F（7），依此类推，最终问题被逐渐降低了规模，越来越简单，这也是分治算法的思想。</a:t>
             </a:r>
+            <a:endParaRPr lang="zh-CN" altLang="en-US"/>
           </a:p>
           <a:p>
             <a:endParaRPr lang="zh-CN" altLang="en-US"/>
@@ -716,12 +724,14 @@
               <a:rPr lang="zh-CN" altLang="en-US"/>
               <a:t>将求F（10）这个问题，完美的分解成了F（9）和F（8），找到了局部的最优解，与贪心算法有点像呀。</a:t>
             </a:r>
+            <a:endParaRPr lang="zh-CN" altLang="en-US"/>
           </a:p>
           <a:p>
             <a:r>
               <a:rPr lang="zh-CN" altLang="en-US"/>
               <a:t>既然F（10）=F（9）+F（8），那么F（9）=F（8）+F（7），依此类推，最终问题被逐渐降低了规模，越来越简单，这也是分治算法的思想。</a:t>
             </a:r>
+            <a:endParaRPr lang="zh-CN" altLang="en-US"/>
           </a:p>
           <a:p>
             <a:endParaRPr lang="zh-CN" altLang="en-US"/>
@@ -784,12 +794,14 @@
               <a:rPr lang="zh-CN" altLang="en-US" dirty="0"/>
               <a:t>相同颜色代表相同的结果，如何解决上面所提到的时间复杂度的问题？</a:t>
             </a:r>
+            <a:endParaRPr lang="zh-CN" altLang="en-US" dirty="0"/>
           </a:p>
           <a:p>
             <a:r>
               <a:rPr lang="zh-CN" altLang="en-US" dirty="0"/>
               <a:t>可以采用备忘录的方法，也就是把计算过的中间结果保存下来，如果遇到计算过的问题，就直接查询备忘录。</a:t>
             </a:r>
+            <a:endParaRPr lang="zh-CN" altLang="en-US" dirty="0"/>
           </a:p>
           <a:p>
             <a:r>
@@ -800,6 +812,7 @@
               <a:rPr lang="zh-CN" altLang="en-US" dirty="0"/>
               <a:t>？真正的动态规划就是把上面的思路再倒过来！</a:t>
             </a:r>
+            <a:endParaRPr lang="zh-CN" altLang="en-US" dirty="0"/>
           </a:p>
           <a:p>
             <a:r>
@@ -838,6 +851,7 @@
               <a:rPr lang="zh-CN" altLang="en-US" dirty="0"/>
               <a:t>）开始，使用状态转移方程，就是快速地推到。</a:t>
             </a:r>
+            <a:endParaRPr lang="zh-CN" altLang="en-US" dirty="0"/>
           </a:p>
         </p:txBody>
       </p:sp>
@@ -868,13 +882,7 @@
       </p:grpSpPr>
       <p:sp>
         <p:nvSpPr>
-          <p:cNvPr id="2" name="标题 1">
-            <a:extLst>
-              <a:ext uri="{FF2B5EF4-FFF2-40B4-BE49-F238E27FC236}">
-                <a16:creationId xmlns:a16="http://schemas.microsoft.com/office/drawing/2014/main" id="{9856F998-852E-4BF0-8D09-327B8FE6EA05}"/>
-              </a:ext>
-            </a:extLst>
-          </p:cNvPr>
+          <p:cNvPr id="2" name="标题 1"/>
           <p:cNvSpPr>
             <a:spLocks noGrp="1"/>
           </p:cNvSpPr>
@@ -900,18 +908,13 @@
               <a:rPr lang="zh-CN" altLang="en-US"/>
               <a:t>单击此处编辑母版标题样式</a:t>
             </a:r>
-          </a:p>
-        </p:txBody>
-      </p:sp>
-      <p:sp>
-        <p:nvSpPr>
-          <p:cNvPr id="3" name="副标题 2">
-            <a:extLst>
-              <a:ext uri="{FF2B5EF4-FFF2-40B4-BE49-F238E27FC236}">
-                <a16:creationId xmlns:a16="http://schemas.microsoft.com/office/drawing/2014/main" id="{35E08AAC-3F90-4249-A1C5-72F7B777983C}"/>
-              </a:ext>
-            </a:extLst>
-          </p:cNvPr>
+            <a:endParaRPr lang="zh-CN" altLang="en-US"/>
+          </a:p>
+        </p:txBody>
+      </p:sp>
+      <p:sp>
+        <p:nvSpPr>
+          <p:cNvPr id="3" name="副标题 2"/>
           <p:cNvSpPr>
             <a:spLocks noGrp="1"/>
           </p:cNvSpPr>
@@ -970,18 +973,13 @@
               <a:rPr lang="zh-CN" altLang="en-US"/>
               <a:t>单击此处编辑母版副标题样式</a:t>
             </a:r>
-          </a:p>
-        </p:txBody>
-      </p:sp>
-      <p:sp>
-        <p:nvSpPr>
-          <p:cNvPr id="4" name="日期占位符 3">
-            <a:extLst>
-              <a:ext uri="{FF2B5EF4-FFF2-40B4-BE49-F238E27FC236}">
-                <a16:creationId xmlns:a16="http://schemas.microsoft.com/office/drawing/2014/main" id="{5DE77212-7D65-40EB-9C29-0A15EE748CD7}"/>
-              </a:ext>
-            </a:extLst>
-          </p:cNvPr>
+            <a:endParaRPr lang="zh-CN" altLang="en-US"/>
+          </a:p>
+        </p:txBody>
+      </p:sp>
+      <p:sp>
+        <p:nvSpPr>
+          <p:cNvPr id="4" name="日期占位符 3"/>
           <p:cNvSpPr>
             <a:spLocks noGrp="1"/>
           </p:cNvSpPr>
@@ -996,7 +994,6 @@
           <a:p>
             <a:fld id="{65DC1CC6-952B-4CA3-8B79-8125ECD3A0B7}" type="datetimeFigureOut">
               <a:rPr lang="zh-CN" altLang="en-US" smtClean="0"/>
-              <a:t>2020/2/22</a:t>
             </a:fld>
             <a:endParaRPr lang="zh-CN" altLang="en-US"/>
           </a:p>
@@ -1004,13 +1001,7 @@
       </p:sp>
       <p:sp>
         <p:nvSpPr>
-          <p:cNvPr id="5" name="页脚占位符 4">
-            <a:extLst>
-              <a:ext uri="{FF2B5EF4-FFF2-40B4-BE49-F238E27FC236}">
-                <a16:creationId xmlns:a16="http://schemas.microsoft.com/office/drawing/2014/main" id="{2393C6A6-96AA-4153-B9F8-D25E4225FF16}"/>
-              </a:ext>
-            </a:extLst>
-          </p:cNvPr>
+          <p:cNvPr id="5" name="页脚占位符 4"/>
           <p:cNvSpPr>
             <a:spLocks noGrp="1"/>
           </p:cNvSpPr>
@@ -1029,13 +1020,7 @@
       </p:sp>
       <p:sp>
         <p:nvSpPr>
-          <p:cNvPr id="6" name="灯片编号占位符 5">
-            <a:extLst>
-              <a:ext uri="{FF2B5EF4-FFF2-40B4-BE49-F238E27FC236}">
-                <a16:creationId xmlns:a16="http://schemas.microsoft.com/office/drawing/2014/main" id="{A25C462F-EB5D-49CF-A978-D56EA34967EC}"/>
-              </a:ext>
-            </a:extLst>
-          </p:cNvPr>
+          <p:cNvPr id="6" name="灯片编号占位符 5"/>
           <p:cNvSpPr>
             <a:spLocks noGrp="1"/>
           </p:cNvSpPr>
@@ -1050,18 +1035,12 @@
           <a:p>
             <a:fld id="{BA2359F1-67E5-4253-9210-F672F38C961E}" type="slidenum">
               <a:rPr lang="zh-CN" altLang="en-US" smtClean="0"/>
-              <a:t>‹#›</a:t>
             </a:fld>
             <a:endParaRPr lang="zh-CN" altLang="en-US"/>
           </a:p>
         </p:txBody>
       </p:sp>
     </p:spTree>
-    <p:extLst>
-      <p:ext uri="{BB962C8B-B14F-4D97-AF65-F5344CB8AC3E}">
-        <p14:creationId xmlns:p14="http://schemas.microsoft.com/office/powerpoint/2010/main" val="79283183"/>
-      </p:ext>
-    </p:extLst>
   </p:cSld>
   <p:clrMapOvr>
     <a:masterClrMapping/>
@@ -1088,13 +1067,7 @@
       </p:grpSpPr>
       <p:sp>
         <p:nvSpPr>
-          <p:cNvPr id="2" name="标题 1">
-            <a:extLst>
-              <a:ext uri="{FF2B5EF4-FFF2-40B4-BE49-F238E27FC236}">
-                <a16:creationId xmlns:a16="http://schemas.microsoft.com/office/drawing/2014/main" id="{AD702199-3894-4BDB-8158-7E78BE88E992}"/>
-              </a:ext>
-            </a:extLst>
-          </p:cNvPr>
+          <p:cNvPr id="2" name="标题 1"/>
           <p:cNvSpPr>
             <a:spLocks noGrp="1"/>
           </p:cNvSpPr>
@@ -1111,23 +1084,18 @@
               <a:rPr lang="zh-CN" altLang="en-US"/>
               <a:t>单击此处编辑母版标题样式</a:t>
             </a:r>
-          </a:p>
-        </p:txBody>
-      </p:sp>
-      <p:sp>
-        <p:nvSpPr>
-          <p:cNvPr id="3" name="竖排文字占位符 2">
-            <a:extLst>
-              <a:ext uri="{FF2B5EF4-FFF2-40B4-BE49-F238E27FC236}">
-                <a16:creationId xmlns:a16="http://schemas.microsoft.com/office/drawing/2014/main" id="{916191DD-C302-44C9-BEEF-78A7349C37A4}"/>
-              </a:ext>
-            </a:extLst>
-          </p:cNvPr>
-          <p:cNvSpPr>
-            <a:spLocks noGrp="1"/>
-          </p:cNvSpPr>
-          <p:nvPr>
-            <p:ph type="body" orient="vert" idx="1"/>
+            <a:endParaRPr lang="zh-CN" altLang="en-US"/>
+          </a:p>
+        </p:txBody>
+      </p:sp>
+      <p:sp>
+        <p:nvSpPr>
+          <p:cNvPr id="3" name="竖排文字占位符 2"/>
+          <p:cNvSpPr>
+            <a:spLocks noGrp="1"/>
+          </p:cNvSpPr>
+          <p:nvPr>
+            <p:ph type="body" orient="vert" idx="1" hasCustomPrompt="1"/>
           </p:nvPr>
         </p:nvSpPr>
         <p:spPr/>
@@ -1140,6 +1108,7 @@
               <a:rPr lang="zh-CN" altLang="en-US"/>
               <a:t>编辑母版文本样式</a:t>
             </a:r>
+            <a:endParaRPr lang="zh-CN" altLang="en-US"/>
           </a:p>
           <a:p>
             <a:pPr lvl="1"/>
@@ -1147,6 +1116,7 @@
               <a:rPr lang="zh-CN" altLang="en-US"/>
               <a:t>第二级</a:t>
             </a:r>
+            <a:endParaRPr lang="zh-CN" altLang="en-US"/>
           </a:p>
           <a:p>
             <a:pPr lvl="2"/>
@@ -1154,6 +1124,7 @@
               <a:rPr lang="zh-CN" altLang="en-US"/>
               <a:t>第三级</a:t>
             </a:r>
+            <a:endParaRPr lang="zh-CN" altLang="en-US"/>
           </a:p>
           <a:p>
             <a:pPr lvl="3"/>
@@ -1161,6 +1132,7 @@
               <a:rPr lang="zh-CN" altLang="en-US"/>
               <a:t>第四级</a:t>
             </a:r>
+            <a:endParaRPr lang="zh-CN" altLang="en-US"/>
           </a:p>
           <a:p>
             <a:pPr lvl="4"/>
@@ -1168,18 +1140,13 @@
               <a:rPr lang="zh-CN" altLang="en-US"/>
               <a:t>第五级</a:t>
             </a:r>
-          </a:p>
-        </p:txBody>
-      </p:sp>
-      <p:sp>
-        <p:nvSpPr>
-          <p:cNvPr id="4" name="日期占位符 3">
-            <a:extLst>
-              <a:ext uri="{FF2B5EF4-FFF2-40B4-BE49-F238E27FC236}">
-                <a16:creationId xmlns:a16="http://schemas.microsoft.com/office/drawing/2014/main" id="{405E19D0-21AB-4C74-8C9A-AE2659BDE133}"/>
-              </a:ext>
-            </a:extLst>
-          </p:cNvPr>
+            <a:endParaRPr lang="zh-CN" altLang="en-US"/>
+          </a:p>
+        </p:txBody>
+      </p:sp>
+      <p:sp>
+        <p:nvSpPr>
+          <p:cNvPr id="4" name="日期占位符 3"/>
           <p:cNvSpPr>
             <a:spLocks noGrp="1"/>
           </p:cNvSpPr>
@@ -1194,7 +1161,6 @@
           <a:p>
             <a:fld id="{65DC1CC6-952B-4CA3-8B79-8125ECD3A0B7}" type="datetimeFigureOut">
               <a:rPr lang="zh-CN" altLang="en-US" smtClean="0"/>
-              <a:t>2020/2/22</a:t>
             </a:fld>
             <a:endParaRPr lang="zh-CN" altLang="en-US"/>
           </a:p>
@@ -1202,13 +1168,7 @@
       </p:sp>
       <p:sp>
         <p:nvSpPr>
-          <p:cNvPr id="5" name="页脚占位符 4">
-            <a:extLst>
-              <a:ext uri="{FF2B5EF4-FFF2-40B4-BE49-F238E27FC236}">
-                <a16:creationId xmlns:a16="http://schemas.microsoft.com/office/drawing/2014/main" id="{CE7442C7-57DB-4AC2-A531-EE830648179A}"/>
-              </a:ext>
-            </a:extLst>
-          </p:cNvPr>
+          <p:cNvPr id="5" name="页脚占位符 4"/>
           <p:cNvSpPr>
             <a:spLocks noGrp="1"/>
           </p:cNvSpPr>
@@ -1227,13 +1187,7 @@
       </p:sp>
       <p:sp>
         <p:nvSpPr>
-          <p:cNvPr id="6" name="灯片编号占位符 5">
-            <a:extLst>
-              <a:ext uri="{FF2B5EF4-FFF2-40B4-BE49-F238E27FC236}">
-                <a16:creationId xmlns:a16="http://schemas.microsoft.com/office/drawing/2014/main" id="{815BE527-DA16-4BD3-9985-AF86089A414C}"/>
-              </a:ext>
-            </a:extLst>
-          </p:cNvPr>
+          <p:cNvPr id="6" name="灯片编号占位符 5"/>
           <p:cNvSpPr>
             <a:spLocks noGrp="1"/>
           </p:cNvSpPr>
@@ -1248,18 +1202,12 @@
           <a:p>
             <a:fld id="{BA2359F1-67E5-4253-9210-F672F38C961E}" type="slidenum">
               <a:rPr lang="zh-CN" altLang="en-US" smtClean="0"/>
-              <a:t>‹#›</a:t>
             </a:fld>
             <a:endParaRPr lang="zh-CN" altLang="en-US"/>
           </a:p>
         </p:txBody>
       </p:sp>
     </p:spTree>
-    <p:extLst>
-      <p:ext uri="{BB962C8B-B14F-4D97-AF65-F5344CB8AC3E}">
-        <p14:creationId xmlns:p14="http://schemas.microsoft.com/office/powerpoint/2010/main" val="1320864411"/>
-      </p:ext>
-    </p:extLst>
   </p:cSld>
   <p:clrMapOvr>
     <a:masterClrMapping/>
@@ -1286,13 +1234,7 @@
       </p:grpSpPr>
       <p:sp>
         <p:nvSpPr>
-          <p:cNvPr id="2" name="竖排标题 1">
-            <a:extLst>
-              <a:ext uri="{FF2B5EF4-FFF2-40B4-BE49-F238E27FC236}">
-                <a16:creationId xmlns:a16="http://schemas.microsoft.com/office/drawing/2014/main" id="{E5500C92-BF21-4121-9DB0-8D94BE255257}"/>
-              </a:ext>
-            </a:extLst>
-          </p:cNvPr>
+          <p:cNvPr id="2" name="竖排标题 1"/>
           <p:cNvSpPr>
             <a:spLocks noGrp="1"/>
           </p:cNvSpPr>
@@ -1314,23 +1256,18 @@
               <a:rPr lang="zh-CN" altLang="en-US"/>
               <a:t>单击此处编辑母版标题样式</a:t>
             </a:r>
-          </a:p>
-        </p:txBody>
-      </p:sp>
-      <p:sp>
-        <p:nvSpPr>
-          <p:cNvPr id="3" name="竖排文字占位符 2">
-            <a:extLst>
-              <a:ext uri="{FF2B5EF4-FFF2-40B4-BE49-F238E27FC236}">
-                <a16:creationId xmlns:a16="http://schemas.microsoft.com/office/drawing/2014/main" id="{A4A7CD5B-AC2E-4BA7-961B-6E9537C84E95}"/>
-              </a:ext>
-            </a:extLst>
-          </p:cNvPr>
-          <p:cNvSpPr>
-            <a:spLocks noGrp="1"/>
-          </p:cNvSpPr>
-          <p:nvPr>
-            <p:ph type="body" orient="vert" idx="1"/>
+            <a:endParaRPr lang="zh-CN" altLang="en-US"/>
+          </a:p>
+        </p:txBody>
+      </p:sp>
+      <p:sp>
+        <p:nvSpPr>
+          <p:cNvPr id="3" name="竖排文字占位符 2"/>
+          <p:cNvSpPr>
+            <a:spLocks noGrp="1"/>
+          </p:cNvSpPr>
+          <p:nvPr>
+            <p:ph type="body" orient="vert" idx="1" hasCustomPrompt="1"/>
           </p:nvPr>
         </p:nvSpPr>
         <p:spPr>
@@ -1348,6 +1285,7 @@
               <a:rPr lang="zh-CN" altLang="en-US"/>
               <a:t>编辑母版文本样式</a:t>
             </a:r>
+            <a:endParaRPr lang="zh-CN" altLang="en-US"/>
           </a:p>
           <a:p>
             <a:pPr lvl="1"/>
@@ -1355,6 +1293,7 @@
               <a:rPr lang="zh-CN" altLang="en-US"/>
               <a:t>第二级</a:t>
             </a:r>
+            <a:endParaRPr lang="zh-CN" altLang="en-US"/>
           </a:p>
           <a:p>
             <a:pPr lvl="2"/>
@@ -1362,6 +1301,7 @@
               <a:rPr lang="zh-CN" altLang="en-US"/>
               <a:t>第三级</a:t>
             </a:r>
+            <a:endParaRPr lang="zh-CN" altLang="en-US"/>
           </a:p>
           <a:p>
             <a:pPr lvl="3"/>
@@ -1369,6 +1309,7 @@
               <a:rPr lang="zh-CN" altLang="en-US"/>
               <a:t>第四级</a:t>
             </a:r>
+            <a:endParaRPr lang="zh-CN" altLang="en-US"/>
           </a:p>
           <a:p>
             <a:pPr lvl="4"/>
@@ -1376,18 +1317,13 @@
               <a:rPr lang="zh-CN" altLang="en-US"/>
               <a:t>第五级</a:t>
             </a:r>
-          </a:p>
-        </p:txBody>
-      </p:sp>
-      <p:sp>
-        <p:nvSpPr>
-          <p:cNvPr id="4" name="日期占位符 3">
-            <a:extLst>
-              <a:ext uri="{FF2B5EF4-FFF2-40B4-BE49-F238E27FC236}">
-                <a16:creationId xmlns:a16="http://schemas.microsoft.com/office/drawing/2014/main" id="{132C4972-1AAB-4349-8246-D70EBF2397B4}"/>
-              </a:ext>
-            </a:extLst>
-          </p:cNvPr>
+            <a:endParaRPr lang="zh-CN" altLang="en-US"/>
+          </a:p>
+        </p:txBody>
+      </p:sp>
+      <p:sp>
+        <p:nvSpPr>
+          <p:cNvPr id="4" name="日期占位符 3"/>
           <p:cNvSpPr>
             <a:spLocks noGrp="1"/>
           </p:cNvSpPr>
@@ -1402,7 +1338,6 @@
           <a:p>
             <a:fld id="{65DC1CC6-952B-4CA3-8B79-8125ECD3A0B7}" type="datetimeFigureOut">
               <a:rPr lang="zh-CN" altLang="en-US" smtClean="0"/>
-              <a:t>2020/2/22</a:t>
             </a:fld>
             <a:endParaRPr lang="zh-CN" altLang="en-US"/>
           </a:p>
@@ -1410,13 +1345,7 @@
       </p:sp>
       <p:sp>
         <p:nvSpPr>
-          <p:cNvPr id="5" name="页脚占位符 4">
-            <a:extLst>
-              <a:ext uri="{FF2B5EF4-FFF2-40B4-BE49-F238E27FC236}">
-                <a16:creationId xmlns:a16="http://schemas.microsoft.com/office/drawing/2014/main" id="{E66046BA-E670-4CB9-B1B5-A519C8CFD862}"/>
-              </a:ext>
-            </a:extLst>
-          </p:cNvPr>
+          <p:cNvPr id="5" name="页脚占位符 4"/>
           <p:cNvSpPr>
             <a:spLocks noGrp="1"/>
           </p:cNvSpPr>
@@ -1435,13 +1364,7 @@
       </p:sp>
       <p:sp>
         <p:nvSpPr>
-          <p:cNvPr id="6" name="灯片编号占位符 5">
-            <a:extLst>
-              <a:ext uri="{FF2B5EF4-FFF2-40B4-BE49-F238E27FC236}">
-                <a16:creationId xmlns:a16="http://schemas.microsoft.com/office/drawing/2014/main" id="{16DA2E57-575C-444A-BE31-F2B94EEA263F}"/>
-              </a:ext>
-            </a:extLst>
-          </p:cNvPr>
+          <p:cNvPr id="6" name="灯片编号占位符 5"/>
           <p:cNvSpPr>
             <a:spLocks noGrp="1"/>
           </p:cNvSpPr>
@@ -1456,18 +1379,12 @@
           <a:p>
             <a:fld id="{BA2359F1-67E5-4253-9210-F672F38C961E}" type="slidenum">
               <a:rPr lang="zh-CN" altLang="en-US" smtClean="0"/>
-              <a:t>‹#›</a:t>
             </a:fld>
             <a:endParaRPr lang="zh-CN" altLang="en-US"/>
           </a:p>
         </p:txBody>
       </p:sp>
     </p:spTree>
-    <p:extLst>
-      <p:ext uri="{BB962C8B-B14F-4D97-AF65-F5344CB8AC3E}">
-        <p14:creationId xmlns:p14="http://schemas.microsoft.com/office/powerpoint/2010/main" val="2488702217"/>
-      </p:ext>
-    </p:extLst>
   </p:cSld>
   <p:clrMapOvr>
     <a:masterClrMapping/>
@@ -1522,7 +1439,7 @@
             <a:spLocks noGrp="1"/>
           </p:cNvSpPr>
           <p:nvPr>
-            <p:ph sz="quarter" idx="13"/>
+            <p:ph sz="quarter" idx="13" hasCustomPrompt="1"/>
           </p:nvPr>
         </p:nvSpPr>
         <p:spPr>
@@ -1540,6 +1457,7 @@
               <a:rPr lang="zh-CN" altLang="en-US"/>
               <a:t>编辑母版文本样式</a:t>
             </a:r>
+            <a:endParaRPr lang="zh-CN" altLang="en-US"/>
           </a:p>
           <a:p>
             <a:pPr lvl="1"/>
@@ -1547,6 +1465,7 @@
               <a:rPr lang="zh-CN" altLang="en-US"/>
               <a:t>第二级</a:t>
             </a:r>
+            <a:endParaRPr lang="zh-CN" altLang="en-US"/>
           </a:p>
           <a:p>
             <a:pPr lvl="2"/>
@@ -1554,6 +1473,7 @@
               <a:rPr lang="zh-CN" altLang="en-US"/>
               <a:t>第三级</a:t>
             </a:r>
+            <a:endParaRPr lang="zh-CN" altLang="en-US"/>
           </a:p>
           <a:p>
             <a:pPr lvl="3"/>
@@ -1561,6 +1481,7 @@
               <a:rPr lang="zh-CN" altLang="en-US"/>
               <a:t>第四级</a:t>
             </a:r>
+            <a:endParaRPr lang="zh-CN" altLang="en-US"/>
           </a:p>
           <a:p>
             <a:pPr lvl="4"/>
@@ -1589,7 +1510,6 @@
           <a:p>
             <a:fld id="{B2F6F192-370A-4D37-9AD9-321C39A6B65E}" type="datetimeFigureOut">
               <a:rPr lang="zh-CN" altLang="en-US" smtClean="0"/>
-              <a:t>2020/2/22</a:t>
             </a:fld>
             <a:endParaRPr lang="zh-CN" altLang="en-US"/>
           </a:p>
@@ -1631,18 +1551,1406 @@
           <a:p>
             <a:fld id="{E16CDB55-A21E-4331-9552-336F94895D9C}" type="slidenum">
               <a:rPr lang="zh-CN" altLang="en-US" smtClean="0"/>
-              <a:t>‹#›</a:t>
             </a:fld>
             <a:endParaRPr lang="zh-CN" altLang="en-US"/>
           </a:p>
         </p:txBody>
       </p:sp>
     </p:spTree>
-    <p:extLst>
-      <p:ext uri="{BB962C8B-B14F-4D97-AF65-F5344CB8AC3E}">
-        <p14:creationId xmlns:p14="http://schemas.microsoft.com/office/powerpoint/2010/main" val="3037177827"/>
-      </p:ext>
-    </p:extLst>
+  </p:cSld>
+  <p:clrMapOvr>
+    <a:masterClrMapping/>
+  </p:clrMapOvr>
+</p:sldLayout>
+</file>
+
+<file path=ppt/slideLayouts/slideLayout13.xml><?xml version="1.0" encoding="utf-8"?>
+<p:sldLayout xmlns:a="http://schemas.openxmlformats.org/drawingml/2006/main" xmlns:r="http://schemas.openxmlformats.org/officeDocument/2006/relationships" xmlns:p="http://schemas.openxmlformats.org/presentationml/2006/main" type="title" preserve="1">
+  <p:cSld name="标题幻灯片">
+    <p:spTree>
+      <p:nvGrpSpPr>
+        <p:cNvPr id="1" name=""/>
+        <p:cNvGrpSpPr/>
+        <p:nvPr/>
+      </p:nvGrpSpPr>
+      <p:grpSpPr>
+        <a:xfrm>
+          <a:off x="0" y="0"/>
+          <a:ext cx="0" cy="0"/>
+          <a:chOff x="0" y="0"/>
+          <a:chExt cx="0" cy="0"/>
+        </a:xfrm>
+      </p:grpSpPr>
+      <p:sp>
+        <p:nvSpPr>
+          <p:cNvPr id="2" name="标题 1"/>
+          <p:cNvSpPr>
+            <a:spLocks noGrp="1"/>
+          </p:cNvSpPr>
+          <p:nvPr>
+            <p:ph type="ctrTitle"/>
+          </p:nvPr>
+        </p:nvSpPr>
+        <p:spPr>
+          <a:xfrm>
+            <a:off x="1524000" y="1122363"/>
+            <a:ext cx="9144000" cy="2387600"/>
+          </a:xfrm>
+        </p:spPr>
+        <p:txBody>
+          <a:bodyPr anchor="b"/>
+          <a:lstStyle>
+            <a:lvl1pPr algn="ctr">
+              <a:defRPr sz="6000"/>
+            </a:lvl1pPr>
+          </a:lstStyle>
+          <a:p>
+            <a:r>
+              <a:rPr lang="zh-CN" altLang="en-US"/>
+              <a:t>单击此处编辑母版标题样式</a:t>
+            </a:r>
+            <a:endParaRPr lang="zh-CN" altLang="en-US"/>
+          </a:p>
+        </p:txBody>
+      </p:sp>
+      <p:sp>
+        <p:nvSpPr>
+          <p:cNvPr id="3" name="副标题 2"/>
+          <p:cNvSpPr>
+            <a:spLocks noGrp="1"/>
+          </p:cNvSpPr>
+          <p:nvPr>
+            <p:ph type="subTitle" idx="1"/>
+          </p:nvPr>
+        </p:nvSpPr>
+        <p:spPr>
+          <a:xfrm>
+            <a:off x="1524000" y="3602038"/>
+            <a:ext cx="9144000" cy="1655762"/>
+          </a:xfrm>
+        </p:spPr>
+        <p:txBody>
+          <a:bodyPr/>
+          <a:lstStyle>
+            <a:lvl1pPr marL="0" indent="0" algn="ctr">
+              <a:buNone/>
+              <a:defRPr sz="2400"/>
+            </a:lvl1pPr>
+            <a:lvl2pPr marL="457200" indent="0" algn="ctr">
+              <a:buNone/>
+              <a:defRPr sz="2000"/>
+            </a:lvl2pPr>
+            <a:lvl3pPr marL="914400" indent="0" algn="ctr">
+              <a:buNone/>
+              <a:defRPr sz="1800"/>
+            </a:lvl3pPr>
+            <a:lvl4pPr marL="1371600" indent="0" algn="ctr">
+              <a:buNone/>
+              <a:defRPr sz="1600"/>
+            </a:lvl4pPr>
+            <a:lvl5pPr marL="1828800" indent="0" algn="ctr">
+              <a:buNone/>
+              <a:defRPr sz="1600"/>
+            </a:lvl5pPr>
+            <a:lvl6pPr marL="2286000" indent="0" algn="ctr">
+              <a:buNone/>
+              <a:defRPr sz="1600"/>
+            </a:lvl6pPr>
+            <a:lvl7pPr marL="2743200" indent="0" algn="ctr">
+              <a:buNone/>
+              <a:defRPr sz="1600"/>
+            </a:lvl7pPr>
+            <a:lvl8pPr marL="3200400" indent="0" algn="ctr">
+              <a:buNone/>
+              <a:defRPr sz="1600"/>
+            </a:lvl8pPr>
+            <a:lvl9pPr marL="3657600" indent="0" algn="ctr">
+              <a:buNone/>
+              <a:defRPr sz="1600"/>
+            </a:lvl9pPr>
+          </a:lstStyle>
+          <a:p>
+            <a:r>
+              <a:rPr lang="zh-CN" altLang="en-US"/>
+              <a:t>单击此处编辑母版副标题样式</a:t>
+            </a:r>
+            <a:endParaRPr lang="zh-CN" altLang="en-US"/>
+          </a:p>
+        </p:txBody>
+      </p:sp>
+      <p:sp>
+        <p:nvSpPr>
+          <p:cNvPr id="4" name="日期占位符 3"/>
+          <p:cNvSpPr>
+            <a:spLocks noGrp="1"/>
+          </p:cNvSpPr>
+          <p:nvPr>
+            <p:ph type="dt" sz="half" idx="10"/>
+          </p:nvPr>
+        </p:nvSpPr>
+        <p:spPr/>
+        <p:txBody>
+          <a:bodyPr/>
+          <a:lstStyle/>
+          <a:p>
+            <a:fld id="{65DC1CC6-952B-4CA3-8B79-8125ECD3A0B7}" type="datetimeFigureOut">
+              <a:rPr lang="zh-CN" altLang="en-US" smtClean="0"/>
+            </a:fld>
+            <a:endParaRPr lang="zh-CN" altLang="en-US"/>
+          </a:p>
+        </p:txBody>
+      </p:sp>
+      <p:sp>
+        <p:nvSpPr>
+          <p:cNvPr id="5" name="页脚占位符 4"/>
+          <p:cNvSpPr>
+            <a:spLocks noGrp="1"/>
+          </p:cNvSpPr>
+          <p:nvPr>
+            <p:ph type="ftr" sz="quarter" idx="11"/>
+          </p:nvPr>
+        </p:nvSpPr>
+        <p:spPr/>
+        <p:txBody>
+          <a:bodyPr/>
+          <a:lstStyle/>
+          <a:p>
+            <a:endParaRPr lang="zh-CN" altLang="en-US"/>
+          </a:p>
+        </p:txBody>
+      </p:sp>
+      <p:sp>
+        <p:nvSpPr>
+          <p:cNvPr id="6" name="灯片编号占位符 5"/>
+          <p:cNvSpPr>
+            <a:spLocks noGrp="1"/>
+          </p:cNvSpPr>
+          <p:nvPr>
+            <p:ph type="sldNum" sz="quarter" idx="12"/>
+          </p:nvPr>
+        </p:nvSpPr>
+        <p:spPr/>
+        <p:txBody>
+          <a:bodyPr/>
+          <a:lstStyle/>
+          <a:p>
+            <a:fld id="{BA2359F1-67E5-4253-9210-F672F38C961E}" type="slidenum">
+              <a:rPr lang="zh-CN" altLang="en-US" smtClean="0"/>
+            </a:fld>
+            <a:endParaRPr lang="zh-CN" altLang="en-US"/>
+          </a:p>
+        </p:txBody>
+      </p:sp>
+    </p:spTree>
+  </p:cSld>
+  <p:clrMapOvr>
+    <a:masterClrMapping/>
+  </p:clrMapOvr>
+</p:sldLayout>
+</file>
+
+<file path=ppt/slideLayouts/slideLayout14.xml><?xml version="1.0" encoding="utf-8"?>
+<p:sldLayout xmlns:a="http://schemas.openxmlformats.org/drawingml/2006/main" xmlns:r="http://schemas.openxmlformats.org/officeDocument/2006/relationships" xmlns:p="http://schemas.openxmlformats.org/presentationml/2006/main" type="obj" preserve="1">
+  <p:cSld name="标题和内容">
+    <p:spTree>
+      <p:nvGrpSpPr>
+        <p:cNvPr id="1" name=""/>
+        <p:cNvGrpSpPr/>
+        <p:nvPr/>
+      </p:nvGrpSpPr>
+      <p:grpSpPr>
+        <a:xfrm>
+          <a:off x="0" y="0"/>
+          <a:ext cx="0" cy="0"/>
+          <a:chOff x="0" y="0"/>
+          <a:chExt cx="0" cy="0"/>
+        </a:xfrm>
+      </p:grpSpPr>
+      <p:sp>
+        <p:nvSpPr>
+          <p:cNvPr id="2" name="标题 1"/>
+          <p:cNvSpPr>
+            <a:spLocks noGrp="1"/>
+          </p:cNvSpPr>
+          <p:nvPr>
+            <p:ph type="title"/>
+          </p:nvPr>
+        </p:nvSpPr>
+        <p:spPr/>
+        <p:txBody>
+          <a:bodyPr/>
+          <a:lstStyle/>
+          <a:p>
+            <a:r>
+              <a:rPr lang="zh-CN" altLang="en-US"/>
+              <a:t>单击此处编辑母版标题样式</a:t>
+            </a:r>
+            <a:endParaRPr lang="zh-CN" altLang="en-US"/>
+          </a:p>
+        </p:txBody>
+      </p:sp>
+      <p:sp>
+        <p:nvSpPr>
+          <p:cNvPr id="3" name="内容占位符 2"/>
+          <p:cNvSpPr>
+            <a:spLocks noGrp="1"/>
+          </p:cNvSpPr>
+          <p:nvPr>
+            <p:ph idx="1" hasCustomPrompt="1"/>
+          </p:nvPr>
+        </p:nvSpPr>
+        <p:spPr/>
+        <p:txBody>
+          <a:bodyPr/>
+          <a:lstStyle/>
+          <a:p>
+            <a:pPr lvl="0"/>
+            <a:r>
+              <a:rPr lang="zh-CN" altLang="en-US"/>
+              <a:t>编辑母版文本样式</a:t>
+            </a:r>
+            <a:endParaRPr lang="zh-CN" altLang="en-US"/>
+          </a:p>
+          <a:p>
+            <a:pPr lvl="1"/>
+            <a:r>
+              <a:rPr lang="zh-CN" altLang="en-US"/>
+              <a:t>第二级</a:t>
+            </a:r>
+            <a:endParaRPr lang="zh-CN" altLang="en-US"/>
+          </a:p>
+          <a:p>
+            <a:pPr lvl="2"/>
+            <a:r>
+              <a:rPr lang="zh-CN" altLang="en-US"/>
+              <a:t>第三级</a:t>
+            </a:r>
+            <a:endParaRPr lang="zh-CN" altLang="en-US"/>
+          </a:p>
+          <a:p>
+            <a:pPr lvl="3"/>
+            <a:r>
+              <a:rPr lang="zh-CN" altLang="en-US"/>
+              <a:t>第四级</a:t>
+            </a:r>
+            <a:endParaRPr lang="zh-CN" altLang="en-US"/>
+          </a:p>
+          <a:p>
+            <a:pPr lvl="4"/>
+            <a:r>
+              <a:rPr lang="zh-CN" altLang="en-US"/>
+              <a:t>第五级</a:t>
+            </a:r>
+            <a:endParaRPr lang="zh-CN" altLang="en-US"/>
+          </a:p>
+        </p:txBody>
+      </p:sp>
+      <p:sp>
+        <p:nvSpPr>
+          <p:cNvPr id="4" name="日期占位符 3"/>
+          <p:cNvSpPr>
+            <a:spLocks noGrp="1"/>
+          </p:cNvSpPr>
+          <p:nvPr>
+            <p:ph type="dt" sz="half" idx="10"/>
+          </p:nvPr>
+        </p:nvSpPr>
+        <p:spPr/>
+        <p:txBody>
+          <a:bodyPr/>
+          <a:lstStyle/>
+          <a:p>
+            <a:fld id="{65DC1CC6-952B-4CA3-8B79-8125ECD3A0B7}" type="datetimeFigureOut">
+              <a:rPr lang="zh-CN" altLang="en-US" smtClean="0"/>
+            </a:fld>
+            <a:endParaRPr lang="zh-CN" altLang="en-US"/>
+          </a:p>
+        </p:txBody>
+      </p:sp>
+      <p:sp>
+        <p:nvSpPr>
+          <p:cNvPr id="5" name="页脚占位符 4"/>
+          <p:cNvSpPr>
+            <a:spLocks noGrp="1"/>
+          </p:cNvSpPr>
+          <p:nvPr>
+            <p:ph type="ftr" sz="quarter" idx="11"/>
+          </p:nvPr>
+        </p:nvSpPr>
+        <p:spPr/>
+        <p:txBody>
+          <a:bodyPr/>
+          <a:lstStyle/>
+          <a:p>
+            <a:endParaRPr lang="zh-CN" altLang="en-US"/>
+          </a:p>
+        </p:txBody>
+      </p:sp>
+      <p:sp>
+        <p:nvSpPr>
+          <p:cNvPr id="6" name="灯片编号占位符 5"/>
+          <p:cNvSpPr>
+            <a:spLocks noGrp="1"/>
+          </p:cNvSpPr>
+          <p:nvPr>
+            <p:ph type="sldNum" sz="quarter" idx="12"/>
+          </p:nvPr>
+        </p:nvSpPr>
+        <p:spPr/>
+        <p:txBody>
+          <a:bodyPr/>
+          <a:lstStyle/>
+          <a:p>
+            <a:fld id="{BA2359F1-67E5-4253-9210-F672F38C961E}" type="slidenum">
+              <a:rPr lang="zh-CN" altLang="en-US" smtClean="0"/>
+            </a:fld>
+            <a:endParaRPr lang="zh-CN" altLang="en-US"/>
+          </a:p>
+        </p:txBody>
+      </p:sp>
+    </p:spTree>
+  </p:cSld>
+  <p:clrMapOvr>
+    <a:masterClrMapping/>
+  </p:clrMapOvr>
+</p:sldLayout>
+</file>
+
+<file path=ppt/slideLayouts/slideLayout15.xml><?xml version="1.0" encoding="utf-8"?>
+<p:sldLayout xmlns:a="http://schemas.openxmlformats.org/drawingml/2006/main" xmlns:r="http://schemas.openxmlformats.org/officeDocument/2006/relationships" xmlns:p="http://schemas.openxmlformats.org/presentationml/2006/main" type="secHead" preserve="1">
+  <p:cSld name="节标题">
+    <p:spTree>
+      <p:nvGrpSpPr>
+        <p:cNvPr id="1" name=""/>
+        <p:cNvGrpSpPr/>
+        <p:nvPr/>
+      </p:nvGrpSpPr>
+      <p:grpSpPr>
+        <a:xfrm>
+          <a:off x="0" y="0"/>
+          <a:ext cx="0" cy="0"/>
+          <a:chOff x="0" y="0"/>
+          <a:chExt cx="0" cy="0"/>
+        </a:xfrm>
+      </p:grpSpPr>
+      <p:sp>
+        <p:nvSpPr>
+          <p:cNvPr id="2" name="标题 1"/>
+          <p:cNvSpPr>
+            <a:spLocks noGrp="1"/>
+          </p:cNvSpPr>
+          <p:nvPr>
+            <p:ph type="title"/>
+          </p:nvPr>
+        </p:nvSpPr>
+        <p:spPr>
+          <a:xfrm>
+            <a:off x="831850" y="1709738"/>
+            <a:ext cx="10515600" cy="2852737"/>
+          </a:xfrm>
+        </p:spPr>
+        <p:txBody>
+          <a:bodyPr anchor="b"/>
+          <a:lstStyle>
+            <a:lvl1pPr>
+              <a:defRPr sz="6000"/>
+            </a:lvl1pPr>
+          </a:lstStyle>
+          <a:p>
+            <a:r>
+              <a:rPr lang="zh-CN" altLang="en-US"/>
+              <a:t>单击此处编辑母版标题样式</a:t>
+            </a:r>
+            <a:endParaRPr lang="zh-CN" altLang="en-US"/>
+          </a:p>
+        </p:txBody>
+      </p:sp>
+      <p:sp>
+        <p:nvSpPr>
+          <p:cNvPr id="3" name="文本占位符 2"/>
+          <p:cNvSpPr>
+            <a:spLocks noGrp="1"/>
+          </p:cNvSpPr>
+          <p:nvPr>
+            <p:ph type="body" idx="1" hasCustomPrompt="1"/>
+          </p:nvPr>
+        </p:nvSpPr>
+        <p:spPr>
+          <a:xfrm>
+            <a:off x="831850" y="4589463"/>
+            <a:ext cx="10515600" cy="1500187"/>
+          </a:xfrm>
+        </p:spPr>
+        <p:txBody>
+          <a:bodyPr/>
+          <a:lstStyle>
+            <a:lvl1pPr marL="0" indent="0">
+              <a:buNone/>
+              <a:defRPr sz="2400">
+                <a:solidFill>
+                  <a:schemeClr val="tx1">
+                    <a:tint val="75000"/>
+                  </a:schemeClr>
+                </a:solidFill>
+              </a:defRPr>
+            </a:lvl1pPr>
+            <a:lvl2pPr marL="457200" indent="0">
+              <a:buNone/>
+              <a:defRPr sz="2000">
+                <a:solidFill>
+                  <a:schemeClr val="tx1">
+                    <a:tint val="75000"/>
+                  </a:schemeClr>
+                </a:solidFill>
+              </a:defRPr>
+            </a:lvl2pPr>
+            <a:lvl3pPr marL="914400" indent="0">
+              <a:buNone/>
+              <a:defRPr sz="1800">
+                <a:solidFill>
+                  <a:schemeClr val="tx1">
+                    <a:tint val="75000"/>
+                  </a:schemeClr>
+                </a:solidFill>
+              </a:defRPr>
+            </a:lvl3pPr>
+            <a:lvl4pPr marL="1371600" indent="0">
+              <a:buNone/>
+              <a:defRPr sz="1600">
+                <a:solidFill>
+                  <a:schemeClr val="tx1">
+                    <a:tint val="75000"/>
+                  </a:schemeClr>
+                </a:solidFill>
+              </a:defRPr>
+            </a:lvl4pPr>
+            <a:lvl5pPr marL="1828800" indent="0">
+              <a:buNone/>
+              <a:defRPr sz="1600">
+                <a:solidFill>
+                  <a:schemeClr val="tx1">
+                    <a:tint val="75000"/>
+                  </a:schemeClr>
+                </a:solidFill>
+              </a:defRPr>
+            </a:lvl5pPr>
+            <a:lvl6pPr marL="2286000" indent="0">
+              <a:buNone/>
+              <a:defRPr sz="1600">
+                <a:solidFill>
+                  <a:schemeClr val="tx1">
+                    <a:tint val="75000"/>
+                  </a:schemeClr>
+                </a:solidFill>
+              </a:defRPr>
+            </a:lvl6pPr>
+            <a:lvl7pPr marL="2743200" indent="0">
+              <a:buNone/>
+              <a:defRPr sz="1600">
+                <a:solidFill>
+                  <a:schemeClr val="tx1">
+                    <a:tint val="75000"/>
+                  </a:schemeClr>
+                </a:solidFill>
+              </a:defRPr>
+            </a:lvl7pPr>
+            <a:lvl8pPr marL="3200400" indent="0">
+              <a:buNone/>
+              <a:defRPr sz="1600">
+                <a:solidFill>
+                  <a:schemeClr val="tx1">
+                    <a:tint val="75000"/>
+                  </a:schemeClr>
+                </a:solidFill>
+              </a:defRPr>
+            </a:lvl8pPr>
+            <a:lvl9pPr marL="3657600" indent="0">
+              <a:buNone/>
+              <a:defRPr sz="1600">
+                <a:solidFill>
+                  <a:schemeClr val="tx1">
+                    <a:tint val="75000"/>
+                  </a:schemeClr>
+                </a:solidFill>
+              </a:defRPr>
+            </a:lvl9pPr>
+          </a:lstStyle>
+          <a:p>
+            <a:pPr lvl="0"/>
+            <a:r>
+              <a:rPr lang="zh-CN" altLang="en-US"/>
+              <a:t>编辑母版文本样式</a:t>
+            </a:r>
+            <a:endParaRPr lang="zh-CN" altLang="en-US"/>
+          </a:p>
+        </p:txBody>
+      </p:sp>
+      <p:sp>
+        <p:nvSpPr>
+          <p:cNvPr id="4" name="日期占位符 3"/>
+          <p:cNvSpPr>
+            <a:spLocks noGrp="1"/>
+          </p:cNvSpPr>
+          <p:nvPr>
+            <p:ph type="dt" sz="half" idx="10"/>
+          </p:nvPr>
+        </p:nvSpPr>
+        <p:spPr/>
+        <p:txBody>
+          <a:bodyPr/>
+          <a:lstStyle/>
+          <a:p>
+            <a:fld id="{65DC1CC6-952B-4CA3-8B79-8125ECD3A0B7}" type="datetimeFigureOut">
+              <a:rPr lang="zh-CN" altLang="en-US" smtClean="0"/>
+            </a:fld>
+            <a:endParaRPr lang="zh-CN" altLang="en-US"/>
+          </a:p>
+        </p:txBody>
+      </p:sp>
+      <p:sp>
+        <p:nvSpPr>
+          <p:cNvPr id="5" name="页脚占位符 4"/>
+          <p:cNvSpPr>
+            <a:spLocks noGrp="1"/>
+          </p:cNvSpPr>
+          <p:nvPr>
+            <p:ph type="ftr" sz="quarter" idx="11"/>
+          </p:nvPr>
+        </p:nvSpPr>
+        <p:spPr/>
+        <p:txBody>
+          <a:bodyPr/>
+          <a:lstStyle/>
+          <a:p>
+            <a:endParaRPr lang="zh-CN" altLang="en-US"/>
+          </a:p>
+        </p:txBody>
+      </p:sp>
+      <p:sp>
+        <p:nvSpPr>
+          <p:cNvPr id="6" name="灯片编号占位符 5"/>
+          <p:cNvSpPr>
+            <a:spLocks noGrp="1"/>
+          </p:cNvSpPr>
+          <p:nvPr>
+            <p:ph type="sldNum" sz="quarter" idx="12"/>
+          </p:nvPr>
+        </p:nvSpPr>
+        <p:spPr/>
+        <p:txBody>
+          <a:bodyPr/>
+          <a:lstStyle/>
+          <a:p>
+            <a:fld id="{BA2359F1-67E5-4253-9210-F672F38C961E}" type="slidenum">
+              <a:rPr lang="zh-CN" altLang="en-US" smtClean="0"/>
+            </a:fld>
+            <a:endParaRPr lang="zh-CN" altLang="en-US"/>
+          </a:p>
+        </p:txBody>
+      </p:sp>
+    </p:spTree>
+  </p:cSld>
+  <p:clrMapOvr>
+    <a:masterClrMapping/>
+  </p:clrMapOvr>
+</p:sldLayout>
+</file>
+
+<file path=ppt/slideLayouts/slideLayout16.xml><?xml version="1.0" encoding="utf-8"?>
+<p:sldLayout xmlns:a="http://schemas.openxmlformats.org/drawingml/2006/main" xmlns:r="http://schemas.openxmlformats.org/officeDocument/2006/relationships" xmlns:p="http://schemas.openxmlformats.org/presentationml/2006/main" type="twoObj" preserve="1">
+  <p:cSld name="两栏内容">
+    <p:spTree>
+      <p:nvGrpSpPr>
+        <p:cNvPr id="1" name=""/>
+        <p:cNvGrpSpPr/>
+        <p:nvPr/>
+      </p:nvGrpSpPr>
+      <p:grpSpPr>
+        <a:xfrm>
+          <a:off x="0" y="0"/>
+          <a:ext cx="0" cy="0"/>
+          <a:chOff x="0" y="0"/>
+          <a:chExt cx="0" cy="0"/>
+        </a:xfrm>
+      </p:grpSpPr>
+      <p:sp>
+        <p:nvSpPr>
+          <p:cNvPr id="2" name="标题 1"/>
+          <p:cNvSpPr>
+            <a:spLocks noGrp="1"/>
+          </p:cNvSpPr>
+          <p:nvPr>
+            <p:ph type="title"/>
+          </p:nvPr>
+        </p:nvSpPr>
+        <p:spPr/>
+        <p:txBody>
+          <a:bodyPr/>
+          <a:lstStyle/>
+          <a:p>
+            <a:r>
+              <a:rPr lang="zh-CN" altLang="en-US"/>
+              <a:t>单击此处编辑母版标题样式</a:t>
+            </a:r>
+            <a:endParaRPr lang="zh-CN" altLang="en-US"/>
+          </a:p>
+        </p:txBody>
+      </p:sp>
+      <p:sp>
+        <p:nvSpPr>
+          <p:cNvPr id="3" name="内容占位符 2"/>
+          <p:cNvSpPr>
+            <a:spLocks noGrp="1"/>
+          </p:cNvSpPr>
+          <p:nvPr>
+            <p:ph sz="half" idx="1" hasCustomPrompt="1"/>
+          </p:nvPr>
+        </p:nvSpPr>
+        <p:spPr>
+          <a:xfrm>
+            <a:off x="838200" y="1825625"/>
+            <a:ext cx="5181600" cy="4351338"/>
+          </a:xfrm>
+        </p:spPr>
+        <p:txBody>
+          <a:bodyPr/>
+          <a:lstStyle/>
+          <a:p>
+            <a:pPr lvl="0"/>
+            <a:r>
+              <a:rPr lang="zh-CN" altLang="en-US"/>
+              <a:t>编辑母版文本样式</a:t>
+            </a:r>
+            <a:endParaRPr lang="zh-CN" altLang="en-US"/>
+          </a:p>
+          <a:p>
+            <a:pPr lvl="1"/>
+            <a:r>
+              <a:rPr lang="zh-CN" altLang="en-US"/>
+              <a:t>第二级</a:t>
+            </a:r>
+            <a:endParaRPr lang="zh-CN" altLang="en-US"/>
+          </a:p>
+          <a:p>
+            <a:pPr lvl="2"/>
+            <a:r>
+              <a:rPr lang="zh-CN" altLang="en-US"/>
+              <a:t>第三级</a:t>
+            </a:r>
+            <a:endParaRPr lang="zh-CN" altLang="en-US"/>
+          </a:p>
+          <a:p>
+            <a:pPr lvl="3"/>
+            <a:r>
+              <a:rPr lang="zh-CN" altLang="en-US"/>
+              <a:t>第四级</a:t>
+            </a:r>
+            <a:endParaRPr lang="zh-CN" altLang="en-US"/>
+          </a:p>
+          <a:p>
+            <a:pPr lvl="4"/>
+            <a:r>
+              <a:rPr lang="zh-CN" altLang="en-US"/>
+              <a:t>第五级</a:t>
+            </a:r>
+            <a:endParaRPr lang="zh-CN" altLang="en-US"/>
+          </a:p>
+        </p:txBody>
+      </p:sp>
+      <p:sp>
+        <p:nvSpPr>
+          <p:cNvPr id="4" name="内容占位符 3"/>
+          <p:cNvSpPr>
+            <a:spLocks noGrp="1"/>
+          </p:cNvSpPr>
+          <p:nvPr>
+            <p:ph sz="half" idx="2" hasCustomPrompt="1"/>
+          </p:nvPr>
+        </p:nvSpPr>
+        <p:spPr>
+          <a:xfrm>
+            <a:off x="6172200" y="1825625"/>
+            <a:ext cx="5181600" cy="4351338"/>
+          </a:xfrm>
+        </p:spPr>
+        <p:txBody>
+          <a:bodyPr/>
+          <a:lstStyle/>
+          <a:p>
+            <a:pPr lvl="0"/>
+            <a:r>
+              <a:rPr lang="zh-CN" altLang="en-US"/>
+              <a:t>编辑母版文本样式</a:t>
+            </a:r>
+            <a:endParaRPr lang="zh-CN" altLang="en-US"/>
+          </a:p>
+          <a:p>
+            <a:pPr lvl="1"/>
+            <a:r>
+              <a:rPr lang="zh-CN" altLang="en-US"/>
+              <a:t>第二级</a:t>
+            </a:r>
+            <a:endParaRPr lang="zh-CN" altLang="en-US"/>
+          </a:p>
+          <a:p>
+            <a:pPr lvl="2"/>
+            <a:r>
+              <a:rPr lang="zh-CN" altLang="en-US"/>
+              <a:t>第三级</a:t>
+            </a:r>
+            <a:endParaRPr lang="zh-CN" altLang="en-US"/>
+          </a:p>
+          <a:p>
+            <a:pPr lvl="3"/>
+            <a:r>
+              <a:rPr lang="zh-CN" altLang="en-US"/>
+              <a:t>第四级</a:t>
+            </a:r>
+            <a:endParaRPr lang="zh-CN" altLang="en-US"/>
+          </a:p>
+          <a:p>
+            <a:pPr lvl="4"/>
+            <a:r>
+              <a:rPr lang="zh-CN" altLang="en-US"/>
+              <a:t>第五级</a:t>
+            </a:r>
+            <a:endParaRPr lang="zh-CN" altLang="en-US"/>
+          </a:p>
+        </p:txBody>
+      </p:sp>
+      <p:sp>
+        <p:nvSpPr>
+          <p:cNvPr id="5" name="日期占位符 4"/>
+          <p:cNvSpPr>
+            <a:spLocks noGrp="1"/>
+          </p:cNvSpPr>
+          <p:nvPr>
+            <p:ph type="dt" sz="half" idx="10"/>
+          </p:nvPr>
+        </p:nvSpPr>
+        <p:spPr/>
+        <p:txBody>
+          <a:bodyPr/>
+          <a:lstStyle/>
+          <a:p>
+            <a:fld id="{65DC1CC6-952B-4CA3-8B79-8125ECD3A0B7}" type="datetimeFigureOut">
+              <a:rPr lang="zh-CN" altLang="en-US" smtClean="0"/>
+            </a:fld>
+            <a:endParaRPr lang="zh-CN" altLang="en-US"/>
+          </a:p>
+        </p:txBody>
+      </p:sp>
+      <p:sp>
+        <p:nvSpPr>
+          <p:cNvPr id="6" name="页脚占位符 5"/>
+          <p:cNvSpPr>
+            <a:spLocks noGrp="1"/>
+          </p:cNvSpPr>
+          <p:nvPr>
+            <p:ph type="ftr" sz="quarter" idx="11"/>
+          </p:nvPr>
+        </p:nvSpPr>
+        <p:spPr/>
+        <p:txBody>
+          <a:bodyPr/>
+          <a:lstStyle/>
+          <a:p>
+            <a:endParaRPr lang="zh-CN" altLang="en-US"/>
+          </a:p>
+        </p:txBody>
+      </p:sp>
+      <p:sp>
+        <p:nvSpPr>
+          <p:cNvPr id="7" name="灯片编号占位符 6"/>
+          <p:cNvSpPr>
+            <a:spLocks noGrp="1"/>
+          </p:cNvSpPr>
+          <p:nvPr>
+            <p:ph type="sldNum" sz="quarter" idx="12"/>
+          </p:nvPr>
+        </p:nvSpPr>
+        <p:spPr/>
+        <p:txBody>
+          <a:bodyPr/>
+          <a:lstStyle/>
+          <a:p>
+            <a:fld id="{BA2359F1-67E5-4253-9210-F672F38C961E}" type="slidenum">
+              <a:rPr lang="zh-CN" altLang="en-US" smtClean="0"/>
+            </a:fld>
+            <a:endParaRPr lang="zh-CN" altLang="en-US"/>
+          </a:p>
+        </p:txBody>
+      </p:sp>
+    </p:spTree>
+  </p:cSld>
+  <p:clrMapOvr>
+    <a:masterClrMapping/>
+  </p:clrMapOvr>
+</p:sldLayout>
+</file>
+
+<file path=ppt/slideLayouts/slideLayout17.xml><?xml version="1.0" encoding="utf-8"?>
+<p:sldLayout xmlns:a="http://schemas.openxmlformats.org/drawingml/2006/main" xmlns:r="http://schemas.openxmlformats.org/officeDocument/2006/relationships" xmlns:p="http://schemas.openxmlformats.org/presentationml/2006/main" type="twoTxTwoObj" preserve="1">
+  <p:cSld name="比较">
+    <p:spTree>
+      <p:nvGrpSpPr>
+        <p:cNvPr id="1" name=""/>
+        <p:cNvGrpSpPr/>
+        <p:nvPr/>
+      </p:nvGrpSpPr>
+      <p:grpSpPr>
+        <a:xfrm>
+          <a:off x="0" y="0"/>
+          <a:ext cx="0" cy="0"/>
+          <a:chOff x="0" y="0"/>
+          <a:chExt cx="0" cy="0"/>
+        </a:xfrm>
+      </p:grpSpPr>
+      <p:sp>
+        <p:nvSpPr>
+          <p:cNvPr id="2" name="标题 1"/>
+          <p:cNvSpPr>
+            <a:spLocks noGrp="1"/>
+          </p:cNvSpPr>
+          <p:nvPr>
+            <p:ph type="title"/>
+          </p:nvPr>
+        </p:nvSpPr>
+        <p:spPr>
+          <a:xfrm>
+            <a:off x="839788" y="365125"/>
+            <a:ext cx="10515600" cy="1325563"/>
+          </a:xfrm>
+        </p:spPr>
+        <p:txBody>
+          <a:bodyPr/>
+          <a:lstStyle/>
+          <a:p>
+            <a:r>
+              <a:rPr lang="zh-CN" altLang="en-US"/>
+              <a:t>单击此处编辑母版标题样式</a:t>
+            </a:r>
+            <a:endParaRPr lang="zh-CN" altLang="en-US"/>
+          </a:p>
+        </p:txBody>
+      </p:sp>
+      <p:sp>
+        <p:nvSpPr>
+          <p:cNvPr id="3" name="文本占位符 2"/>
+          <p:cNvSpPr>
+            <a:spLocks noGrp="1"/>
+          </p:cNvSpPr>
+          <p:nvPr>
+            <p:ph type="body" idx="1" hasCustomPrompt="1"/>
+          </p:nvPr>
+        </p:nvSpPr>
+        <p:spPr>
+          <a:xfrm>
+            <a:off x="839788" y="1681163"/>
+            <a:ext cx="5157787" cy="823912"/>
+          </a:xfrm>
+        </p:spPr>
+        <p:txBody>
+          <a:bodyPr anchor="b"/>
+          <a:lstStyle>
+            <a:lvl1pPr marL="0" indent="0">
+              <a:buNone/>
+              <a:defRPr sz="2400" b="1"/>
+            </a:lvl1pPr>
+            <a:lvl2pPr marL="457200" indent="0">
+              <a:buNone/>
+              <a:defRPr sz="2000" b="1"/>
+            </a:lvl2pPr>
+            <a:lvl3pPr marL="914400" indent="0">
+              <a:buNone/>
+              <a:defRPr sz="1800" b="1"/>
+            </a:lvl3pPr>
+            <a:lvl4pPr marL="1371600" indent="0">
+              <a:buNone/>
+              <a:defRPr sz="1600" b="1"/>
+            </a:lvl4pPr>
+            <a:lvl5pPr marL="1828800" indent="0">
+              <a:buNone/>
+              <a:defRPr sz="1600" b="1"/>
+            </a:lvl5pPr>
+            <a:lvl6pPr marL="2286000" indent="0">
+              <a:buNone/>
+              <a:defRPr sz="1600" b="1"/>
+            </a:lvl6pPr>
+            <a:lvl7pPr marL="2743200" indent="0">
+              <a:buNone/>
+              <a:defRPr sz="1600" b="1"/>
+            </a:lvl7pPr>
+            <a:lvl8pPr marL="3200400" indent="0">
+              <a:buNone/>
+              <a:defRPr sz="1600" b="1"/>
+            </a:lvl8pPr>
+            <a:lvl9pPr marL="3657600" indent="0">
+              <a:buNone/>
+              <a:defRPr sz="1600" b="1"/>
+            </a:lvl9pPr>
+          </a:lstStyle>
+          <a:p>
+            <a:pPr lvl="0"/>
+            <a:r>
+              <a:rPr lang="zh-CN" altLang="en-US"/>
+              <a:t>编辑母版文本样式</a:t>
+            </a:r>
+            <a:endParaRPr lang="zh-CN" altLang="en-US"/>
+          </a:p>
+        </p:txBody>
+      </p:sp>
+      <p:sp>
+        <p:nvSpPr>
+          <p:cNvPr id="4" name="内容占位符 3"/>
+          <p:cNvSpPr>
+            <a:spLocks noGrp="1"/>
+          </p:cNvSpPr>
+          <p:nvPr>
+            <p:ph sz="half" idx="2" hasCustomPrompt="1"/>
+          </p:nvPr>
+        </p:nvSpPr>
+        <p:spPr>
+          <a:xfrm>
+            <a:off x="839788" y="2505075"/>
+            <a:ext cx="5157787" cy="3684588"/>
+          </a:xfrm>
+        </p:spPr>
+        <p:txBody>
+          <a:bodyPr/>
+          <a:lstStyle/>
+          <a:p>
+            <a:pPr lvl="0"/>
+            <a:r>
+              <a:rPr lang="zh-CN" altLang="en-US"/>
+              <a:t>编辑母版文本样式</a:t>
+            </a:r>
+            <a:endParaRPr lang="zh-CN" altLang="en-US"/>
+          </a:p>
+          <a:p>
+            <a:pPr lvl="1"/>
+            <a:r>
+              <a:rPr lang="zh-CN" altLang="en-US"/>
+              <a:t>第二级</a:t>
+            </a:r>
+            <a:endParaRPr lang="zh-CN" altLang="en-US"/>
+          </a:p>
+          <a:p>
+            <a:pPr lvl="2"/>
+            <a:r>
+              <a:rPr lang="zh-CN" altLang="en-US"/>
+              <a:t>第三级</a:t>
+            </a:r>
+            <a:endParaRPr lang="zh-CN" altLang="en-US"/>
+          </a:p>
+          <a:p>
+            <a:pPr lvl="3"/>
+            <a:r>
+              <a:rPr lang="zh-CN" altLang="en-US"/>
+              <a:t>第四级</a:t>
+            </a:r>
+            <a:endParaRPr lang="zh-CN" altLang="en-US"/>
+          </a:p>
+          <a:p>
+            <a:pPr lvl="4"/>
+            <a:r>
+              <a:rPr lang="zh-CN" altLang="en-US"/>
+              <a:t>第五级</a:t>
+            </a:r>
+            <a:endParaRPr lang="zh-CN" altLang="en-US"/>
+          </a:p>
+        </p:txBody>
+      </p:sp>
+      <p:sp>
+        <p:nvSpPr>
+          <p:cNvPr id="5" name="文本占位符 4"/>
+          <p:cNvSpPr>
+            <a:spLocks noGrp="1"/>
+          </p:cNvSpPr>
+          <p:nvPr>
+            <p:ph type="body" sz="quarter" idx="3" hasCustomPrompt="1"/>
+          </p:nvPr>
+        </p:nvSpPr>
+        <p:spPr>
+          <a:xfrm>
+            <a:off x="6172200" y="1681163"/>
+            <a:ext cx="5183188" cy="823912"/>
+          </a:xfrm>
+        </p:spPr>
+        <p:txBody>
+          <a:bodyPr anchor="b"/>
+          <a:lstStyle>
+            <a:lvl1pPr marL="0" indent="0">
+              <a:buNone/>
+              <a:defRPr sz="2400" b="1"/>
+            </a:lvl1pPr>
+            <a:lvl2pPr marL="457200" indent="0">
+              <a:buNone/>
+              <a:defRPr sz="2000" b="1"/>
+            </a:lvl2pPr>
+            <a:lvl3pPr marL="914400" indent="0">
+              <a:buNone/>
+              <a:defRPr sz="1800" b="1"/>
+            </a:lvl3pPr>
+            <a:lvl4pPr marL="1371600" indent="0">
+              <a:buNone/>
+              <a:defRPr sz="1600" b="1"/>
+            </a:lvl4pPr>
+            <a:lvl5pPr marL="1828800" indent="0">
+              <a:buNone/>
+              <a:defRPr sz="1600" b="1"/>
+            </a:lvl5pPr>
+            <a:lvl6pPr marL="2286000" indent="0">
+              <a:buNone/>
+              <a:defRPr sz="1600" b="1"/>
+            </a:lvl6pPr>
+            <a:lvl7pPr marL="2743200" indent="0">
+              <a:buNone/>
+              <a:defRPr sz="1600" b="1"/>
+            </a:lvl7pPr>
+            <a:lvl8pPr marL="3200400" indent="0">
+              <a:buNone/>
+              <a:defRPr sz="1600" b="1"/>
+            </a:lvl8pPr>
+            <a:lvl9pPr marL="3657600" indent="0">
+              <a:buNone/>
+              <a:defRPr sz="1600" b="1"/>
+            </a:lvl9pPr>
+          </a:lstStyle>
+          <a:p>
+            <a:pPr lvl="0"/>
+            <a:r>
+              <a:rPr lang="zh-CN" altLang="en-US"/>
+              <a:t>编辑母版文本样式</a:t>
+            </a:r>
+            <a:endParaRPr lang="zh-CN" altLang="en-US"/>
+          </a:p>
+        </p:txBody>
+      </p:sp>
+      <p:sp>
+        <p:nvSpPr>
+          <p:cNvPr id="6" name="内容占位符 5"/>
+          <p:cNvSpPr>
+            <a:spLocks noGrp="1"/>
+          </p:cNvSpPr>
+          <p:nvPr>
+            <p:ph sz="quarter" idx="4" hasCustomPrompt="1"/>
+          </p:nvPr>
+        </p:nvSpPr>
+        <p:spPr>
+          <a:xfrm>
+            <a:off x="6172200" y="2505075"/>
+            <a:ext cx="5183188" cy="3684588"/>
+          </a:xfrm>
+        </p:spPr>
+        <p:txBody>
+          <a:bodyPr/>
+          <a:lstStyle/>
+          <a:p>
+            <a:pPr lvl="0"/>
+            <a:r>
+              <a:rPr lang="zh-CN" altLang="en-US"/>
+              <a:t>编辑母版文本样式</a:t>
+            </a:r>
+            <a:endParaRPr lang="zh-CN" altLang="en-US"/>
+          </a:p>
+          <a:p>
+            <a:pPr lvl="1"/>
+            <a:r>
+              <a:rPr lang="zh-CN" altLang="en-US"/>
+              <a:t>第二级</a:t>
+            </a:r>
+            <a:endParaRPr lang="zh-CN" altLang="en-US"/>
+          </a:p>
+          <a:p>
+            <a:pPr lvl="2"/>
+            <a:r>
+              <a:rPr lang="zh-CN" altLang="en-US"/>
+              <a:t>第三级</a:t>
+            </a:r>
+            <a:endParaRPr lang="zh-CN" altLang="en-US"/>
+          </a:p>
+          <a:p>
+            <a:pPr lvl="3"/>
+            <a:r>
+              <a:rPr lang="zh-CN" altLang="en-US"/>
+              <a:t>第四级</a:t>
+            </a:r>
+            <a:endParaRPr lang="zh-CN" altLang="en-US"/>
+          </a:p>
+          <a:p>
+            <a:pPr lvl="4"/>
+            <a:r>
+              <a:rPr lang="zh-CN" altLang="en-US"/>
+              <a:t>第五级</a:t>
+            </a:r>
+            <a:endParaRPr lang="zh-CN" altLang="en-US"/>
+          </a:p>
+        </p:txBody>
+      </p:sp>
+      <p:sp>
+        <p:nvSpPr>
+          <p:cNvPr id="7" name="日期占位符 6"/>
+          <p:cNvSpPr>
+            <a:spLocks noGrp="1"/>
+          </p:cNvSpPr>
+          <p:nvPr>
+            <p:ph type="dt" sz="half" idx="10"/>
+          </p:nvPr>
+        </p:nvSpPr>
+        <p:spPr/>
+        <p:txBody>
+          <a:bodyPr/>
+          <a:lstStyle/>
+          <a:p>
+            <a:fld id="{65DC1CC6-952B-4CA3-8B79-8125ECD3A0B7}" type="datetimeFigureOut">
+              <a:rPr lang="zh-CN" altLang="en-US" smtClean="0"/>
+            </a:fld>
+            <a:endParaRPr lang="zh-CN" altLang="en-US"/>
+          </a:p>
+        </p:txBody>
+      </p:sp>
+      <p:sp>
+        <p:nvSpPr>
+          <p:cNvPr id="8" name="页脚占位符 7"/>
+          <p:cNvSpPr>
+            <a:spLocks noGrp="1"/>
+          </p:cNvSpPr>
+          <p:nvPr>
+            <p:ph type="ftr" sz="quarter" idx="11"/>
+          </p:nvPr>
+        </p:nvSpPr>
+        <p:spPr/>
+        <p:txBody>
+          <a:bodyPr/>
+          <a:lstStyle/>
+          <a:p>
+            <a:endParaRPr lang="zh-CN" altLang="en-US"/>
+          </a:p>
+        </p:txBody>
+      </p:sp>
+      <p:sp>
+        <p:nvSpPr>
+          <p:cNvPr id="9" name="灯片编号占位符 8"/>
+          <p:cNvSpPr>
+            <a:spLocks noGrp="1"/>
+          </p:cNvSpPr>
+          <p:nvPr>
+            <p:ph type="sldNum" sz="quarter" idx="12"/>
+          </p:nvPr>
+        </p:nvSpPr>
+        <p:spPr/>
+        <p:txBody>
+          <a:bodyPr/>
+          <a:lstStyle/>
+          <a:p>
+            <a:fld id="{BA2359F1-67E5-4253-9210-F672F38C961E}" type="slidenum">
+              <a:rPr lang="zh-CN" altLang="en-US" smtClean="0"/>
+            </a:fld>
+            <a:endParaRPr lang="zh-CN" altLang="en-US"/>
+          </a:p>
+        </p:txBody>
+      </p:sp>
+    </p:spTree>
+  </p:cSld>
+  <p:clrMapOvr>
+    <a:masterClrMapping/>
+  </p:clrMapOvr>
+</p:sldLayout>
+</file>
+
+<file path=ppt/slideLayouts/slideLayout18.xml><?xml version="1.0" encoding="utf-8"?>
+<p:sldLayout xmlns:a="http://schemas.openxmlformats.org/drawingml/2006/main" xmlns:r="http://schemas.openxmlformats.org/officeDocument/2006/relationships" xmlns:p="http://schemas.openxmlformats.org/presentationml/2006/main" type="titleOnly" preserve="1">
+  <p:cSld name="仅标题">
+    <p:spTree>
+      <p:nvGrpSpPr>
+        <p:cNvPr id="1" name=""/>
+        <p:cNvGrpSpPr/>
+        <p:nvPr/>
+      </p:nvGrpSpPr>
+      <p:grpSpPr>
+        <a:xfrm>
+          <a:off x="0" y="0"/>
+          <a:ext cx="0" cy="0"/>
+          <a:chOff x="0" y="0"/>
+          <a:chExt cx="0" cy="0"/>
+        </a:xfrm>
+      </p:grpSpPr>
+      <p:sp>
+        <p:nvSpPr>
+          <p:cNvPr id="2" name="标题 1"/>
+          <p:cNvSpPr>
+            <a:spLocks noGrp="1"/>
+          </p:cNvSpPr>
+          <p:nvPr>
+            <p:ph type="title"/>
+          </p:nvPr>
+        </p:nvSpPr>
+        <p:spPr/>
+        <p:txBody>
+          <a:bodyPr/>
+          <a:lstStyle/>
+          <a:p>
+            <a:r>
+              <a:rPr lang="zh-CN" altLang="en-US"/>
+              <a:t>单击此处编辑母版标题样式</a:t>
+            </a:r>
+            <a:endParaRPr lang="zh-CN" altLang="en-US"/>
+          </a:p>
+        </p:txBody>
+      </p:sp>
+      <p:sp>
+        <p:nvSpPr>
+          <p:cNvPr id="3" name="日期占位符 2"/>
+          <p:cNvSpPr>
+            <a:spLocks noGrp="1"/>
+          </p:cNvSpPr>
+          <p:nvPr>
+            <p:ph type="dt" sz="half" idx="10"/>
+          </p:nvPr>
+        </p:nvSpPr>
+        <p:spPr/>
+        <p:txBody>
+          <a:bodyPr/>
+          <a:lstStyle/>
+          <a:p>
+            <a:fld id="{65DC1CC6-952B-4CA3-8B79-8125ECD3A0B7}" type="datetimeFigureOut">
+              <a:rPr lang="zh-CN" altLang="en-US" smtClean="0"/>
+            </a:fld>
+            <a:endParaRPr lang="zh-CN" altLang="en-US"/>
+          </a:p>
+        </p:txBody>
+      </p:sp>
+      <p:sp>
+        <p:nvSpPr>
+          <p:cNvPr id="4" name="页脚占位符 3"/>
+          <p:cNvSpPr>
+            <a:spLocks noGrp="1"/>
+          </p:cNvSpPr>
+          <p:nvPr>
+            <p:ph type="ftr" sz="quarter" idx="11"/>
+          </p:nvPr>
+        </p:nvSpPr>
+        <p:spPr/>
+        <p:txBody>
+          <a:bodyPr/>
+          <a:lstStyle/>
+          <a:p>
+            <a:endParaRPr lang="zh-CN" altLang="en-US"/>
+          </a:p>
+        </p:txBody>
+      </p:sp>
+      <p:sp>
+        <p:nvSpPr>
+          <p:cNvPr id="5" name="灯片编号占位符 4"/>
+          <p:cNvSpPr>
+            <a:spLocks noGrp="1"/>
+          </p:cNvSpPr>
+          <p:nvPr>
+            <p:ph type="sldNum" sz="quarter" idx="12"/>
+          </p:nvPr>
+        </p:nvSpPr>
+        <p:spPr/>
+        <p:txBody>
+          <a:bodyPr/>
+          <a:lstStyle/>
+          <a:p>
+            <a:fld id="{BA2359F1-67E5-4253-9210-F672F38C961E}" type="slidenum">
+              <a:rPr lang="zh-CN" altLang="en-US" smtClean="0"/>
+            </a:fld>
+            <a:endParaRPr lang="zh-CN" altLang="en-US"/>
+          </a:p>
+        </p:txBody>
+      </p:sp>
+    </p:spTree>
+  </p:cSld>
+  <p:clrMapOvr>
+    <a:masterClrMapping/>
+  </p:clrMapOvr>
+</p:sldLayout>
+</file>
+
+<file path=ppt/slideLayouts/slideLayout19.xml><?xml version="1.0" encoding="utf-8"?>
+<p:sldLayout xmlns:a="http://schemas.openxmlformats.org/drawingml/2006/main" xmlns:r="http://schemas.openxmlformats.org/officeDocument/2006/relationships" xmlns:p="http://schemas.openxmlformats.org/presentationml/2006/main" type="blank" preserve="1">
+  <p:cSld name="空白">
+    <p:spTree>
+      <p:nvGrpSpPr>
+        <p:cNvPr id="1" name=""/>
+        <p:cNvGrpSpPr/>
+        <p:nvPr/>
+      </p:nvGrpSpPr>
+      <p:grpSpPr>
+        <a:xfrm>
+          <a:off x="0" y="0"/>
+          <a:ext cx="0" cy="0"/>
+          <a:chOff x="0" y="0"/>
+          <a:chExt cx="0" cy="0"/>
+        </a:xfrm>
+      </p:grpSpPr>
+      <p:sp>
+        <p:nvSpPr>
+          <p:cNvPr id="2" name="日期占位符 1"/>
+          <p:cNvSpPr>
+            <a:spLocks noGrp="1"/>
+          </p:cNvSpPr>
+          <p:nvPr>
+            <p:ph type="dt" sz="half" idx="10"/>
+          </p:nvPr>
+        </p:nvSpPr>
+        <p:spPr/>
+        <p:txBody>
+          <a:bodyPr/>
+          <a:lstStyle/>
+          <a:p>
+            <a:fld id="{65DC1CC6-952B-4CA3-8B79-8125ECD3A0B7}" type="datetimeFigureOut">
+              <a:rPr lang="zh-CN" altLang="en-US" smtClean="0"/>
+            </a:fld>
+            <a:endParaRPr lang="zh-CN" altLang="en-US"/>
+          </a:p>
+        </p:txBody>
+      </p:sp>
+      <p:sp>
+        <p:nvSpPr>
+          <p:cNvPr id="3" name="页脚占位符 2"/>
+          <p:cNvSpPr>
+            <a:spLocks noGrp="1"/>
+          </p:cNvSpPr>
+          <p:nvPr>
+            <p:ph type="ftr" sz="quarter" idx="11"/>
+          </p:nvPr>
+        </p:nvSpPr>
+        <p:spPr/>
+        <p:txBody>
+          <a:bodyPr/>
+          <a:lstStyle/>
+          <a:p>
+            <a:endParaRPr lang="zh-CN" altLang="en-US"/>
+          </a:p>
+        </p:txBody>
+      </p:sp>
+      <p:sp>
+        <p:nvSpPr>
+          <p:cNvPr id="4" name="灯片编号占位符 3"/>
+          <p:cNvSpPr>
+            <a:spLocks noGrp="1"/>
+          </p:cNvSpPr>
+          <p:nvPr>
+            <p:ph type="sldNum" sz="quarter" idx="12"/>
+          </p:nvPr>
+        </p:nvSpPr>
+        <p:spPr/>
+        <p:txBody>
+          <a:bodyPr/>
+          <a:lstStyle/>
+          <a:p>
+            <a:fld id="{BA2359F1-67E5-4253-9210-F672F38C961E}" type="slidenum">
+              <a:rPr lang="zh-CN" altLang="en-US" smtClean="0"/>
+            </a:fld>
+            <a:endParaRPr lang="zh-CN" altLang="en-US"/>
+          </a:p>
+        </p:txBody>
+      </p:sp>
+    </p:spTree>
   </p:cSld>
   <p:clrMapOvr>
     <a:masterClrMapping/>
@@ -1669,13 +2977,7 @@
       </p:grpSpPr>
       <p:sp>
         <p:nvSpPr>
-          <p:cNvPr id="2" name="标题 1">
-            <a:extLst>
-              <a:ext uri="{FF2B5EF4-FFF2-40B4-BE49-F238E27FC236}">
-                <a16:creationId xmlns:a16="http://schemas.microsoft.com/office/drawing/2014/main" id="{177C8641-5056-4D7C-B194-AC791805DE49}"/>
-              </a:ext>
-            </a:extLst>
-          </p:cNvPr>
+          <p:cNvPr id="2" name="标题 1"/>
           <p:cNvSpPr>
             <a:spLocks noGrp="1"/>
           </p:cNvSpPr>
@@ -1692,23 +2994,18 @@
               <a:rPr lang="zh-CN" altLang="en-US"/>
               <a:t>单击此处编辑母版标题样式</a:t>
             </a:r>
-          </a:p>
-        </p:txBody>
-      </p:sp>
-      <p:sp>
-        <p:nvSpPr>
-          <p:cNvPr id="3" name="内容占位符 2">
-            <a:extLst>
-              <a:ext uri="{FF2B5EF4-FFF2-40B4-BE49-F238E27FC236}">
-                <a16:creationId xmlns:a16="http://schemas.microsoft.com/office/drawing/2014/main" id="{777D9CFC-F9E9-45FC-941E-43528189048C}"/>
-              </a:ext>
-            </a:extLst>
-          </p:cNvPr>
-          <p:cNvSpPr>
-            <a:spLocks noGrp="1"/>
-          </p:cNvSpPr>
-          <p:nvPr>
-            <p:ph idx="1"/>
+            <a:endParaRPr lang="zh-CN" altLang="en-US"/>
+          </a:p>
+        </p:txBody>
+      </p:sp>
+      <p:sp>
+        <p:nvSpPr>
+          <p:cNvPr id="3" name="内容占位符 2"/>
+          <p:cNvSpPr>
+            <a:spLocks noGrp="1"/>
+          </p:cNvSpPr>
+          <p:nvPr>
+            <p:ph idx="1" hasCustomPrompt="1"/>
           </p:nvPr>
         </p:nvSpPr>
         <p:spPr/>
@@ -1721,6 +3018,7 @@
               <a:rPr lang="zh-CN" altLang="en-US"/>
               <a:t>编辑母版文本样式</a:t>
             </a:r>
+            <a:endParaRPr lang="zh-CN" altLang="en-US"/>
           </a:p>
           <a:p>
             <a:pPr lvl="1"/>
@@ -1728,6 +3026,7 @@
               <a:rPr lang="zh-CN" altLang="en-US"/>
               <a:t>第二级</a:t>
             </a:r>
+            <a:endParaRPr lang="zh-CN" altLang="en-US"/>
           </a:p>
           <a:p>
             <a:pPr lvl="2"/>
@@ -1735,6 +3034,7 @@
               <a:rPr lang="zh-CN" altLang="en-US"/>
               <a:t>第三级</a:t>
             </a:r>
+            <a:endParaRPr lang="zh-CN" altLang="en-US"/>
           </a:p>
           <a:p>
             <a:pPr lvl="3"/>
@@ -1742,6 +3042,7 @@
               <a:rPr lang="zh-CN" altLang="en-US"/>
               <a:t>第四级</a:t>
             </a:r>
+            <a:endParaRPr lang="zh-CN" altLang="en-US"/>
           </a:p>
           <a:p>
             <a:pPr lvl="4"/>
@@ -1749,18 +3050,13 @@
               <a:rPr lang="zh-CN" altLang="en-US"/>
               <a:t>第五级</a:t>
             </a:r>
-          </a:p>
-        </p:txBody>
-      </p:sp>
-      <p:sp>
-        <p:nvSpPr>
-          <p:cNvPr id="4" name="日期占位符 3">
-            <a:extLst>
-              <a:ext uri="{FF2B5EF4-FFF2-40B4-BE49-F238E27FC236}">
-                <a16:creationId xmlns:a16="http://schemas.microsoft.com/office/drawing/2014/main" id="{F0259F80-5C2A-4449-B6C0-C97F944EB33C}"/>
-              </a:ext>
-            </a:extLst>
-          </p:cNvPr>
+            <a:endParaRPr lang="zh-CN" altLang="en-US"/>
+          </a:p>
+        </p:txBody>
+      </p:sp>
+      <p:sp>
+        <p:nvSpPr>
+          <p:cNvPr id="4" name="日期占位符 3"/>
           <p:cNvSpPr>
             <a:spLocks noGrp="1"/>
           </p:cNvSpPr>
@@ -1775,7 +3071,6 @@
           <a:p>
             <a:fld id="{65DC1CC6-952B-4CA3-8B79-8125ECD3A0B7}" type="datetimeFigureOut">
               <a:rPr lang="zh-CN" altLang="en-US" smtClean="0"/>
-              <a:t>2020/2/22</a:t>
             </a:fld>
             <a:endParaRPr lang="zh-CN" altLang="en-US"/>
           </a:p>
@@ -1783,13 +3078,7 @@
       </p:sp>
       <p:sp>
         <p:nvSpPr>
-          <p:cNvPr id="5" name="页脚占位符 4">
-            <a:extLst>
-              <a:ext uri="{FF2B5EF4-FFF2-40B4-BE49-F238E27FC236}">
-                <a16:creationId xmlns:a16="http://schemas.microsoft.com/office/drawing/2014/main" id="{B69FA1A6-BCCB-497D-AEAC-E55C3194CB5D}"/>
-              </a:ext>
-            </a:extLst>
-          </p:cNvPr>
+          <p:cNvPr id="5" name="页脚占位符 4"/>
           <p:cNvSpPr>
             <a:spLocks noGrp="1"/>
           </p:cNvSpPr>
@@ -1808,13 +3097,7 @@
       </p:sp>
       <p:sp>
         <p:nvSpPr>
-          <p:cNvPr id="6" name="灯片编号占位符 5">
-            <a:extLst>
-              <a:ext uri="{FF2B5EF4-FFF2-40B4-BE49-F238E27FC236}">
-                <a16:creationId xmlns:a16="http://schemas.microsoft.com/office/drawing/2014/main" id="{9BB08665-B7E3-49AF-9619-F29FF01A97E8}"/>
-              </a:ext>
-            </a:extLst>
-          </p:cNvPr>
+          <p:cNvPr id="6" name="灯片编号占位符 5"/>
           <p:cNvSpPr>
             <a:spLocks noGrp="1"/>
           </p:cNvSpPr>
@@ -1829,18 +3112,12 @@
           <a:p>
             <a:fld id="{BA2359F1-67E5-4253-9210-F672F38C961E}" type="slidenum">
               <a:rPr lang="zh-CN" altLang="en-US" smtClean="0"/>
-              <a:t>‹#›</a:t>
             </a:fld>
             <a:endParaRPr lang="zh-CN" altLang="en-US"/>
           </a:p>
         </p:txBody>
       </p:sp>
     </p:spTree>
-    <p:extLst>
-      <p:ext uri="{BB962C8B-B14F-4D97-AF65-F5344CB8AC3E}">
-        <p14:creationId xmlns:p14="http://schemas.microsoft.com/office/powerpoint/2010/main" val="140240022"/>
-      </p:ext>
-    </p:extLst>
   </p:cSld>
   <p:clrMapOvr>
     <a:masterClrMapping/>
@@ -1848,1213 +3125,7 @@
 </p:sldLayout>
 </file>
 
-<file path=ppt/slideLayouts/slideLayout3.xml><?xml version="1.0" encoding="utf-8"?>
-<p:sldLayout xmlns:a="http://schemas.openxmlformats.org/drawingml/2006/main" xmlns:r="http://schemas.openxmlformats.org/officeDocument/2006/relationships" xmlns:p="http://schemas.openxmlformats.org/presentationml/2006/main" type="secHead" preserve="1">
-  <p:cSld name="节标题">
-    <p:spTree>
-      <p:nvGrpSpPr>
-        <p:cNvPr id="1" name=""/>
-        <p:cNvGrpSpPr/>
-        <p:nvPr/>
-      </p:nvGrpSpPr>
-      <p:grpSpPr>
-        <a:xfrm>
-          <a:off x="0" y="0"/>
-          <a:ext cx="0" cy="0"/>
-          <a:chOff x="0" y="0"/>
-          <a:chExt cx="0" cy="0"/>
-        </a:xfrm>
-      </p:grpSpPr>
-      <p:sp>
-        <p:nvSpPr>
-          <p:cNvPr id="2" name="标题 1">
-            <a:extLst>
-              <a:ext uri="{FF2B5EF4-FFF2-40B4-BE49-F238E27FC236}">
-                <a16:creationId xmlns:a16="http://schemas.microsoft.com/office/drawing/2014/main" id="{E673469E-4CFB-4118-8E13-1375E03F43D5}"/>
-              </a:ext>
-            </a:extLst>
-          </p:cNvPr>
-          <p:cNvSpPr>
-            <a:spLocks noGrp="1"/>
-          </p:cNvSpPr>
-          <p:nvPr>
-            <p:ph type="title"/>
-          </p:nvPr>
-        </p:nvSpPr>
-        <p:spPr>
-          <a:xfrm>
-            <a:off x="831850" y="1709738"/>
-            <a:ext cx="10515600" cy="2852737"/>
-          </a:xfrm>
-        </p:spPr>
-        <p:txBody>
-          <a:bodyPr anchor="b"/>
-          <a:lstStyle>
-            <a:lvl1pPr>
-              <a:defRPr sz="6000"/>
-            </a:lvl1pPr>
-          </a:lstStyle>
-          <a:p>
-            <a:r>
-              <a:rPr lang="zh-CN" altLang="en-US"/>
-              <a:t>单击此处编辑母版标题样式</a:t>
-            </a:r>
-          </a:p>
-        </p:txBody>
-      </p:sp>
-      <p:sp>
-        <p:nvSpPr>
-          <p:cNvPr id="3" name="文本占位符 2">
-            <a:extLst>
-              <a:ext uri="{FF2B5EF4-FFF2-40B4-BE49-F238E27FC236}">
-                <a16:creationId xmlns:a16="http://schemas.microsoft.com/office/drawing/2014/main" id="{376400AC-C1E1-4405-81FC-D06AB4246045}"/>
-              </a:ext>
-            </a:extLst>
-          </p:cNvPr>
-          <p:cNvSpPr>
-            <a:spLocks noGrp="1"/>
-          </p:cNvSpPr>
-          <p:nvPr>
-            <p:ph type="body" idx="1"/>
-          </p:nvPr>
-        </p:nvSpPr>
-        <p:spPr>
-          <a:xfrm>
-            <a:off x="831850" y="4589463"/>
-            <a:ext cx="10515600" cy="1500187"/>
-          </a:xfrm>
-        </p:spPr>
-        <p:txBody>
-          <a:bodyPr/>
-          <a:lstStyle>
-            <a:lvl1pPr marL="0" indent="0">
-              <a:buNone/>
-              <a:defRPr sz="2400">
-                <a:solidFill>
-                  <a:schemeClr val="tx1">
-                    <a:tint val="75000"/>
-                  </a:schemeClr>
-                </a:solidFill>
-              </a:defRPr>
-            </a:lvl1pPr>
-            <a:lvl2pPr marL="457200" indent="0">
-              <a:buNone/>
-              <a:defRPr sz="2000">
-                <a:solidFill>
-                  <a:schemeClr val="tx1">
-                    <a:tint val="75000"/>
-                  </a:schemeClr>
-                </a:solidFill>
-              </a:defRPr>
-            </a:lvl2pPr>
-            <a:lvl3pPr marL="914400" indent="0">
-              <a:buNone/>
-              <a:defRPr sz="1800">
-                <a:solidFill>
-                  <a:schemeClr val="tx1">
-                    <a:tint val="75000"/>
-                  </a:schemeClr>
-                </a:solidFill>
-              </a:defRPr>
-            </a:lvl3pPr>
-            <a:lvl4pPr marL="1371600" indent="0">
-              <a:buNone/>
-              <a:defRPr sz="1600">
-                <a:solidFill>
-                  <a:schemeClr val="tx1">
-                    <a:tint val="75000"/>
-                  </a:schemeClr>
-                </a:solidFill>
-              </a:defRPr>
-            </a:lvl4pPr>
-            <a:lvl5pPr marL="1828800" indent="0">
-              <a:buNone/>
-              <a:defRPr sz="1600">
-                <a:solidFill>
-                  <a:schemeClr val="tx1">
-                    <a:tint val="75000"/>
-                  </a:schemeClr>
-                </a:solidFill>
-              </a:defRPr>
-            </a:lvl5pPr>
-            <a:lvl6pPr marL="2286000" indent="0">
-              <a:buNone/>
-              <a:defRPr sz="1600">
-                <a:solidFill>
-                  <a:schemeClr val="tx1">
-                    <a:tint val="75000"/>
-                  </a:schemeClr>
-                </a:solidFill>
-              </a:defRPr>
-            </a:lvl6pPr>
-            <a:lvl7pPr marL="2743200" indent="0">
-              <a:buNone/>
-              <a:defRPr sz="1600">
-                <a:solidFill>
-                  <a:schemeClr val="tx1">
-                    <a:tint val="75000"/>
-                  </a:schemeClr>
-                </a:solidFill>
-              </a:defRPr>
-            </a:lvl7pPr>
-            <a:lvl8pPr marL="3200400" indent="0">
-              <a:buNone/>
-              <a:defRPr sz="1600">
-                <a:solidFill>
-                  <a:schemeClr val="tx1">
-                    <a:tint val="75000"/>
-                  </a:schemeClr>
-                </a:solidFill>
-              </a:defRPr>
-            </a:lvl8pPr>
-            <a:lvl9pPr marL="3657600" indent="0">
-              <a:buNone/>
-              <a:defRPr sz="1600">
-                <a:solidFill>
-                  <a:schemeClr val="tx1">
-                    <a:tint val="75000"/>
-                  </a:schemeClr>
-                </a:solidFill>
-              </a:defRPr>
-            </a:lvl9pPr>
-          </a:lstStyle>
-          <a:p>
-            <a:pPr lvl="0"/>
-            <a:r>
-              <a:rPr lang="zh-CN" altLang="en-US"/>
-              <a:t>编辑母版文本样式</a:t>
-            </a:r>
-          </a:p>
-        </p:txBody>
-      </p:sp>
-      <p:sp>
-        <p:nvSpPr>
-          <p:cNvPr id="4" name="日期占位符 3">
-            <a:extLst>
-              <a:ext uri="{FF2B5EF4-FFF2-40B4-BE49-F238E27FC236}">
-                <a16:creationId xmlns:a16="http://schemas.microsoft.com/office/drawing/2014/main" id="{20992CF4-7776-4358-9008-6D532D56732C}"/>
-              </a:ext>
-            </a:extLst>
-          </p:cNvPr>
-          <p:cNvSpPr>
-            <a:spLocks noGrp="1"/>
-          </p:cNvSpPr>
-          <p:nvPr>
-            <p:ph type="dt" sz="half" idx="10"/>
-          </p:nvPr>
-        </p:nvSpPr>
-        <p:spPr/>
-        <p:txBody>
-          <a:bodyPr/>
-          <a:lstStyle/>
-          <a:p>
-            <a:fld id="{65DC1CC6-952B-4CA3-8B79-8125ECD3A0B7}" type="datetimeFigureOut">
-              <a:rPr lang="zh-CN" altLang="en-US" smtClean="0"/>
-              <a:t>2020/2/22</a:t>
-            </a:fld>
-            <a:endParaRPr lang="zh-CN" altLang="en-US"/>
-          </a:p>
-        </p:txBody>
-      </p:sp>
-      <p:sp>
-        <p:nvSpPr>
-          <p:cNvPr id="5" name="页脚占位符 4">
-            <a:extLst>
-              <a:ext uri="{FF2B5EF4-FFF2-40B4-BE49-F238E27FC236}">
-                <a16:creationId xmlns:a16="http://schemas.microsoft.com/office/drawing/2014/main" id="{BD74922F-30E9-42E6-919B-00B99EB4B863}"/>
-              </a:ext>
-            </a:extLst>
-          </p:cNvPr>
-          <p:cNvSpPr>
-            <a:spLocks noGrp="1"/>
-          </p:cNvSpPr>
-          <p:nvPr>
-            <p:ph type="ftr" sz="quarter" idx="11"/>
-          </p:nvPr>
-        </p:nvSpPr>
-        <p:spPr/>
-        <p:txBody>
-          <a:bodyPr/>
-          <a:lstStyle/>
-          <a:p>
-            <a:endParaRPr lang="zh-CN" altLang="en-US"/>
-          </a:p>
-        </p:txBody>
-      </p:sp>
-      <p:sp>
-        <p:nvSpPr>
-          <p:cNvPr id="6" name="灯片编号占位符 5">
-            <a:extLst>
-              <a:ext uri="{FF2B5EF4-FFF2-40B4-BE49-F238E27FC236}">
-                <a16:creationId xmlns:a16="http://schemas.microsoft.com/office/drawing/2014/main" id="{A8CE941E-62FA-4611-ABFD-4F3BC97A514F}"/>
-              </a:ext>
-            </a:extLst>
-          </p:cNvPr>
-          <p:cNvSpPr>
-            <a:spLocks noGrp="1"/>
-          </p:cNvSpPr>
-          <p:nvPr>
-            <p:ph type="sldNum" sz="quarter" idx="12"/>
-          </p:nvPr>
-        </p:nvSpPr>
-        <p:spPr/>
-        <p:txBody>
-          <a:bodyPr/>
-          <a:lstStyle/>
-          <a:p>
-            <a:fld id="{BA2359F1-67E5-4253-9210-F672F38C961E}" type="slidenum">
-              <a:rPr lang="zh-CN" altLang="en-US" smtClean="0"/>
-              <a:t>‹#›</a:t>
-            </a:fld>
-            <a:endParaRPr lang="zh-CN" altLang="en-US"/>
-          </a:p>
-        </p:txBody>
-      </p:sp>
-    </p:spTree>
-    <p:extLst>
-      <p:ext uri="{BB962C8B-B14F-4D97-AF65-F5344CB8AC3E}">
-        <p14:creationId xmlns:p14="http://schemas.microsoft.com/office/powerpoint/2010/main" val="651935833"/>
-      </p:ext>
-    </p:extLst>
-  </p:cSld>
-  <p:clrMapOvr>
-    <a:masterClrMapping/>
-  </p:clrMapOvr>
-</p:sldLayout>
-</file>
-
-<file path=ppt/slideLayouts/slideLayout4.xml><?xml version="1.0" encoding="utf-8"?>
-<p:sldLayout xmlns:a="http://schemas.openxmlformats.org/drawingml/2006/main" xmlns:r="http://schemas.openxmlformats.org/officeDocument/2006/relationships" xmlns:p="http://schemas.openxmlformats.org/presentationml/2006/main" type="twoObj" preserve="1">
-  <p:cSld name="两栏内容">
-    <p:spTree>
-      <p:nvGrpSpPr>
-        <p:cNvPr id="1" name=""/>
-        <p:cNvGrpSpPr/>
-        <p:nvPr/>
-      </p:nvGrpSpPr>
-      <p:grpSpPr>
-        <a:xfrm>
-          <a:off x="0" y="0"/>
-          <a:ext cx="0" cy="0"/>
-          <a:chOff x="0" y="0"/>
-          <a:chExt cx="0" cy="0"/>
-        </a:xfrm>
-      </p:grpSpPr>
-      <p:sp>
-        <p:nvSpPr>
-          <p:cNvPr id="2" name="标题 1">
-            <a:extLst>
-              <a:ext uri="{FF2B5EF4-FFF2-40B4-BE49-F238E27FC236}">
-                <a16:creationId xmlns:a16="http://schemas.microsoft.com/office/drawing/2014/main" id="{73EEE2A7-3012-4EB6-9AB5-42DAAEFE02EF}"/>
-              </a:ext>
-            </a:extLst>
-          </p:cNvPr>
-          <p:cNvSpPr>
-            <a:spLocks noGrp="1"/>
-          </p:cNvSpPr>
-          <p:nvPr>
-            <p:ph type="title"/>
-          </p:nvPr>
-        </p:nvSpPr>
-        <p:spPr/>
-        <p:txBody>
-          <a:bodyPr/>
-          <a:lstStyle/>
-          <a:p>
-            <a:r>
-              <a:rPr lang="zh-CN" altLang="en-US"/>
-              <a:t>单击此处编辑母版标题样式</a:t>
-            </a:r>
-          </a:p>
-        </p:txBody>
-      </p:sp>
-      <p:sp>
-        <p:nvSpPr>
-          <p:cNvPr id="3" name="内容占位符 2">
-            <a:extLst>
-              <a:ext uri="{FF2B5EF4-FFF2-40B4-BE49-F238E27FC236}">
-                <a16:creationId xmlns:a16="http://schemas.microsoft.com/office/drawing/2014/main" id="{B137C3DD-D816-4CEE-9967-A9B5E444083C}"/>
-              </a:ext>
-            </a:extLst>
-          </p:cNvPr>
-          <p:cNvSpPr>
-            <a:spLocks noGrp="1"/>
-          </p:cNvSpPr>
-          <p:nvPr>
-            <p:ph sz="half" idx="1"/>
-          </p:nvPr>
-        </p:nvSpPr>
-        <p:spPr>
-          <a:xfrm>
-            <a:off x="838200" y="1825625"/>
-            <a:ext cx="5181600" cy="4351338"/>
-          </a:xfrm>
-        </p:spPr>
-        <p:txBody>
-          <a:bodyPr/>
-          <a:lstStyle/>
-          <a:p>
-            <a:pPr lvl="0"/>
-            <a:r>
-              <a:rPr lang="zh-CN" altLang="en-US"/>
-              <a:t>编辑母版文本样式</a:t>
-            </a:r>
-          </a:p>
-          <a:p>
-            <a:pPr lvl="1"/>
-            <a:r>
-              <a:rPr lang="zh-CN" altLang="en-US"/>
-              <a:t>第二级</a:t>
-            </a:r>
-          </a:p>
-          <a:p>
-            <a:pPr lvl="2"/>
-            <a:r>
-              <a:rPr lang="zh-CN" altLang="en-US"/>
-              <a:t>第三级</a:t>
-            </a:r>
-          </a:p>
-          <a:p>
-            <a:pPr lvl="3"/>
-            <a:r>
-              <a:rPr lang="zh-CN" altLang="en-US"/>
-              <a:t>第四级</a:t>
-            </a:r>
-          </a:p>
-          <a:p>
-            <a:pPr lvl="4"/>
-            <a:r>
-              <a:rPr lang="zh-CN" altLang="en-US"/>
-              <a:t>第五级</a:t>
-            </a:r>
-          </a:p>
-        </p:txBody>
-      </p:sp>
-      <p:sp>
-        <p:nvSpPr>
-          <p:cNvPr id="4" name="内容占位符 3">
-            <a:extLst>
-              <a:ext uri="{FF2B5EF4-FFF2-40B4-BE49-F238E27FC236}">
-                <a16:creationId xmlns:a16="http://schemas.microsoft.com/office/drawing/2014/main" id="{8A0B32E8-22D7-4E18-AB51-4A17875E3744}"/>
-              </a:ext>
-            </a:extLst>
-          </p:cNvPr>
-          <p:cNvSpPr>
-            <a:spLocks noGrp="1"/>
-          </p:cNvSpPr>
-          <p:nvPr>
-            <p:ph sz="half" idx="2"/>
-          </p:nvPr>
-        </p:nvSpPr>
-        <p:spPr>
-          <a:xfrm>
-            <a:off x="6172200" y="1825625"/>
-            <a:ext cx="5181600" cy="4351338"/>
-          </a:xfrm>
-        </p:spPr>
-        <p:txBody>
-          <a:bodyPr/>
-          <a:lstStyle/>
-          <a:p>
-            <a:pPr lvl="0"/>
-            <a:r>
-              <a:rPr lang="zh-CN" altLang="en-US"/>
-              <a:t>编辑母版文本样式</a:t>
-            </a:r>
-          </a:p>
-          <a:p>
-            <a:pPr lvl="1"/>
-            <a:r>
-              <a:rPr lang="zh-CN" altLang="en-US"/>
-              <a:t>第二级</a:t>
-            </a:r>
-          </a:p>
-          <a:p>
-            <a:pPr lvl="2"/>
-            <a:r>
-              <a:rPr lang="zh-CN" altLang="en-US"/>
-              <a:t>第三级</a:t>
-            </a:r>
-          </a:p>
-          <a:p>
-            <a:pPr lvl="3"/>
-            <a:r>
-              <a:rPr lang="zh-CN" altLang="en-US"/>
-              <a:t>第四级</a:t>
-            </a:r>
-          </a:p>
-          <a:p>
-            <a:pPr lvl="4"/>
-            <a:r>
-              <a:rPr lang="zh-CN" altLang="en-US"/>
-              <a:t>第五级</a:t>
-            </a:r>
-          </a:p>
-        </p:txBody>
-      </p:sp>
-      <p:sp>
-        <p:nvSpPr>
-          <p:cNvPr id="5" name="日期占位符 4">
-            <a:extLst>
-              <a:ext uri="{FF2B5EF4-FFF2-40B4-BE49-F238E27FC236}">
-                <a16:creationId xmlns:a16="http://schemas.microsoft.com/office/drawing/2014/main" id="{BFE6340A-FBD2-4201-B2DB-DB7A5F078EC5}"/>
-              </a:ext>
-            </a:extLst>
-          </p:cNvPr>
-          <p:cNvSpPr>
-            <a:spLocks noGrp="1"/>
-          </p:cNvSpPr>
-          <p:nvPr>
-            <p:ph type="dt" sz="half" idx="10"/>
-          </p:nvPr>
-        </p:nvSpPr>
-        <p:spPr/>
-        <p:txBody>
-          <a:bodyPr/>
-          <a:lstStyle/>
-          <a:p>
-            <a:fld id="{65DC1CC6-952B-4CA3-8B79-8125ECD3A0B7}" type="datetimeFigureOut">
-              <a:rPr lang="zh-CN" altLang="en-US" smtClean="0"/>
-              <a:t>2020/2/22</a:t>
-            </a:fld>
-            <a:endParaRPr lang="zh-CN" altLang="en-US"/>
-          </a:p>
-        </p:txBody>
-      </p:sp>
-      <p:sp>
-        <p:nvSpPr>
-          <p:cNvPr id="6" name="页脚占位符 5">
-            <a:extLst>
-              <a:ext uri="{FF2B5EF4-FFF2-40B4-BE49-F238E27FC236}">
-                <a16:creationId xmlns:a16="http://schemas.microsoft.com/office/drawing/2014/main" id="{D9BE724D-0019-41DC-8D89-C3FCB749FE4B}"/>
-              </a:ext>
-            </a:extLst>
-          </p:cNvPr>
-          <p:cNvSpPr>
-            <a:spLocks noGrp="1"/>
-          </p:cNvSpPr>
-          <p:nvPr>
-            <p:ph type="ftr" sz="quarter" idx="11"/>
-          </p:nvPr>
-        </p:nvSpPr>
-        <p:spPr/>
-        <p:txBody>
-          <a:bodyPr/>
-          <a:lstStyle/>
-          <a:p>
-            <a:endParaRPr lang="zh-CN" altLang="en-US"/>
-          </a:p>
-        </p:txBody>
-      </p:sp>
-      <p:sp>
-        <p:nvSpPr>
-          <p:cNvPr id="7" name="灯片编号占位符 6">
-            <a:extLst>
-              <a:ext uri="{FF2B5EF4-FFF2-40B4-BE49-F238E27FC236}">
-                <a16:creationId xmlns:a16="http://schemas.microsoft.com/office/drawing/2014/main" id="{A06D12FB-1C6C-47BB-893E-63B54C3E2071}"/>
-              </a:ext>
-            </a:extLst>
-          </p:cNvPr>
-          <p:cNvSpPr>
-            <a:spLocks noGrp="1"/>
-          </p:cNvSpPr>
-          <p:nvPr>
-            <p:ph type="sldNum" sz="quarter" idx="12"/>
-          </p:nvPr>
-        </p:nvSpPr>
-        <p:spPr/>
-        <p:txBody>
-          <a:bodyPr/>
-          <a:lstStyle/>
-          <a:p>
-            <a:fld id="{BA2359F1-67E5-4253-9210-F672F38C961E}" type="slidenum">
-              <a:rPr lang="zh-CN" altLang="en-US" smtClean="0"/>
-              <a:t>‹#›</a:t>
-            </a:fld>
-            <a:endParaRPr lang="zh-CN" altLang="en-US"/>
-          </a:p>
-        </p:txBody>
-      </p:sp>
-    </p:spTree>
-    <p:extLst>
-      <p:ext uri="{BB962C8B-B14F-4D97-AF65-F5344CB8AC3E}">
-        <p14:creationId xmlns:p14="http://schemas.microsoft.com/office/powerpoint/2010/main" val="2417733108"/>
-      </p:ext>
-    </p:extLst>
-  </p:cSld>
-  <p:clrMapOvr>
-    <a:masterClrMapping/>
-  </p:clrMapOvr>
-</p:sldLayout>
-</file>
-
-<file path=ppt/slideLayouts/slideLayout5.xml><?xml version="1.0" encoding="utf-8"?>
-<p:sldLayout xmlns:a="http://schemas.openxmlformats.org/drawingml/2006/main" xmlns:r="http://schemas.openxmlformats.org/officeDocument/2006/relationships" xmlns:p="http://schemas.openxmlformats.org/presentationml/2006/main" type="twoTxTwoObj" preserve="1">
-  <p:cSld name="比较">
-    <p:spTree>
-      <p:nvGrpSpPr>
-        <p:cNvPr id="1" name=""/>
-        <p:cNvGrpSpPr/>
-        <p:nvPr/>
-      </p:nvGrpSpPr>
-      <p:grpSpPr>
-        <a:xfrm>
-          <a:off x="0" y="0"/>
-          <a:ext cx="0" cy="0"/>
-          <a:chOff x="0" y="0"/>
-          <a:chExt cx="0" cy="0"/>
-        </a:xfrm>
-      </p:grpSpPr>
-      <p:sp>
-        <p:nvSpPr>
-          <p:cNvPr id="2" name="标题 1">
-            <a:extLst>
-              <a:ext uri="{FF2B5EF4-FFF2-40B4-BE49-F238E27FC236}">
-                <a16:creationId xmlns:a16="http://schemas.microsoft.com/office/drawing/2014/main" id="{807DEC90-1CD7-4259-AB08-2FCD64C6152A}"/>
-              </a:ext>
-            </a:extLst>
-          </p:cNvPr>
-          <p:cNvSpPr>
-            <a:spLocks noGrp="1"/>
-          </p:cNvSpPr>
-          <p:nvPr>
-            <p:ph type="title"/>
-          </p:nvPr>
-        </p:nvSpPr>
-        <p:spPr>
-          <a:xfrm>
-            <a:off x="839788" y="365125"/>
-            <a:ext cx="10515600" cy="1325563"/>
-          </a:xfrm>
-        </p:spPr>
-        <p:txBody>
-          <a:bodyPr/>
-          <a:lstStyle/>
-          <a:p>
-            <a:r>
-              <a:rPr lang="zh-CN" altLang="en-US"/>
-              <a:t>单击此处编辑母版标题样式</a:t>
-            </a:r>
-          </a:p>
-        </p:txBody>
-      </p:sp>
-      <p:sp>
-        <p:nvSpPr>
-          <p:cNvPr id="3" name="文本占位符 2">
-            <a:extLst>
-              <a:ext uri="{FF2B5EF4-FFF2-40B4-BE49-F238E27FC236}">
-                <a16:creationId xmlns:a16="http://schemas.microsoft.com/office/drawing/2014/main" id="{B59D0CFB-37E3-44ED-B44B-4101CA682E69}"/>
-              </a:ext>
-            </a:extLst>
-          </p:cNvPr>
-          <p:cNvSpPr>
-            <a:spLocks noGrp="1"/>
-          </p:cNvSpPr>
-          <p:nvPr>
-            <p:ph type="body" idx="1"/>
-          </p:nvPr>
-        </p:nvSpPr>
-        <p:spPr>
-          <a:xfrm>
-            <a:off x="839788" y="1681163"/>
-            <a:ext cx="5157787" cy="823912"/>
-          </a:xfrm>
-        </p:spPr>
-        <p:txBody>
-          <a:bodyPr anchor="b"/>
-          <a:lstStyle>
-            <a:lvl1pPr marL="0" indent="0">
-              <a:buNone/>
-              <a:defRPr sz="2400" b="1"/>
-            </a:lvl1pPr>
-            <a:lvl2pPr marL="457200" indent="0">
-              <a:buNone/>
-              <a:defRPr sz="2000" b="1"/>
-            </a:lvl2pPr>
-            <a:lvl3pPr marL="914400" indent="0">
-              <a:buNone/>
-              <a:defRPr sz="1800" b="1"/>
-            </a:lvl3pPr>
-            <a:lvl4pPr marL="1371600" indent="0">
-              <a:buNone/>
-              <a:defRPr sz="1600" b="1"/>
-            </a:lvl4pPr>
-            <a:lvl5pPr marL="1828800" indent="0">
-              <a:buNone/>
-              <a:defRPr sz="1600" b="1"/>
-            </a:lvl5pPr>
-            <a:lvl6pPr marL="2286000" indent="0">
-              <a:buNone/>
-              <a:defRPr sz="1600" b="1"/>
-            </a:lvl6pPr>
-            <a:lvl7pPr marL="2743200" indent="0">
-              <a:buNone/>
-              <a:defRPr sz="1600" b="1"/>
-            </a:lvl7pPr>
-            <a:lvl8pPr marL="3200400" indent="0">
-              <a:buNone/>
-              <a:defRPr sz="1600" b="1"/>
-            </a:lvl8pPr>
-            <a:lvl9pPr marL="3657600" indent="0">
-              <a:buNone/>
-              <a:defRPr sz="1600" b="1"/>
-            </a:lvl9pPr>
-          </a:lstStyle>
-          <a:p>
-            <a:pPr lvl="0"/>
-            <a:r>
-              <a:rPr lang="zh-CN" altLang="en-US"/>
-              <a:t>编辑母版文本样式</a:t>
-            </a:r>
-          </a:p>
-        </p:txBody>
-      </p:sp>
-      <p:sp>
-        <p:nvSpPr>
-          <p:cNvPr id="4" name="内容占位符 3">
-            <a:extLst>
-              <a:ext uri="{FF2B5EF4-FFF2-40B4-BE49-F238E27FC236}">
-                <a16:creationId xmlns:a16="http://schemas.microsoft.com/office/drawing/2014/main" id="{0AF5631D-4919-497A-9E21-88B4B5522919}"/>
-              </a:ext>
-            </a:extLst>
-          </p:cNvPr>
-          <p:cNvSpPr>
-            <a:spLocks noGrp="1"/>
-          </p:cNvSpPr>
-          <p:nvPr>
-            <p:ph sz="half" idx="2"/>
-          </p:nvPr>
-        </p:nvSpPr>
-        <p:spPr>
-          <a:xfrm>
-            <a:off x="839788" y="2505075"/>
-            <a:ext cx="5157787" cy="3684588"/>
-          </a:xfrm>
-        </p:spPr>
-        <p:txBody>
-          <a:bodyPr/>
-          <a:lstStyle/>
-          <a:p>
-            <a:pPr lvl="0"/>
-            <a:r>
-              <a:rPr lang="zh-CN" altLang="en-US"/>
-              <a:t>编辑母版文本样式</a:t>
-            </a:r>
-          </a:p>
-          <a:p>
-            <a:pPr lvl="1"/>
-            <a:r>
-              <a:rPr lang="zh-CN" altLang="en-US"/>
-              <a:t>第二级</a:t>
-            </a:r>
-          </a:p>
-          <a:p>
-            <a:pPr lvl="2"/>
-            <a:r>
-              <a:rPr lang="zh-CN" altLang="en-US"/>
-              <a:t>第三级</a:t>
-            </a:r>
-          </a:p>
-          <a:p>
-            <a:pPr lvl="3"/>
-            <a:r>
-              <a:rPr lang="zh-CN" altLang="en-US"/>
-              <a:t>第四级</a:t>
-            </a:r>
-          </a:p>
-          <a:p>
-            <a:pPr lvl="4"/>
-            <a:r>
-              <a:rPr lang="zh-CN" altLang="en-US"/>
-              <a:t>第五级</a:t>
-            </a:r>
-          </a:p>
-        </p:txBody>
-      </p:sp>
-      <p:sp>
-        <p:nvSpPr>
-          <p:cNvPr id="5" name="文本占位符 4">
-            <a:extLst>
-              <a:ext uri="{FF2B5EF4-FFF2-40B4-BE49-F238E27FC236}">
-                <a16:creationId xmlns:a16="http://schemas.microsoft.com/office/drawing/2014/main" id="{8AF6D8BF-B192-4DCB-88F5-2E27FB30A42D}"/>
-              </a:ext>
-            </a:extLst>
-          </p:cNvPr>
-          <p:cNvSpPr>
-            <a:spLocks noGrp="1"/>
-          </p:cNvSpPr>
-          <p:nvPr>
-            <p:ph type="body" sz="quarter" idx="3"/>
-          </p:nvPr>
-        </p:nvSpPr>
-        <p:spPr>
-          <a:xfrm>
-            <a:off x="6172200" y="1681163"/>
-            <a:ext cx="5183188" cy="823912"/>
-          </a:xfrm>
-        </p:spPr>
-        <p:txBody>
-          <a:bodyPr anchor="b"/>
-          <a:lstStyle>
-            <a:lvl1pPr marL="0" indent="0">
-              <a:buNone/>
-              <a:defRPr sz="2400" b="1"/>
-            </a:lvl1pPr>
-            <a:lvl2pPr marL="457200" indent="0">
-              <a:buNone/>
-              <a:defRPr sz="2000" b="1"/>
-            </a:lvl2pPr>
-            <a:lvl3pPr marL="914400" indent="0">
-              <a:buNone/>
-              <a:defRPr sz="1800" b="1"/>
-            </a:lvl3pPr>
-            <a:lvl4pPr marL="1371600" indent="0">
-              <a:buNone/>
-              <a:defRPr sz="1600" b="1"/>
-            </a:lvl4pPr>
-            <a:lvl5pPr marL="1828800" indent="0">
-              <a:buNone/>
-              <a:defRPr sz="1600" b="1"/>
-            </a:lvl5pPr>
-            <a:lvl6pPr marL="2286000" indent="0">
-              <a:buNone/>
-              <a:defRPr sz="1600" b="1"/>
-            </a:lvl6pPr>
-            <a:lvl7pPr marL="2743200" indent="0">
-              <a:buNone/>
-              <a:defRPr sz="1600" b="1"/>
-            </a:lvl7pPr>
-            <a:lvl8pPr marL="3200400" indent="0">
-              <a:buNone/>
-              <a:defRPr sz="1600" b="1"/>
-            </a:lvl8pPr>
-            <a:lvl9pPr marL="3657600" indent="0">
-              <a:buNone/>
-              <a:defRPr sz="1600" b="1"/>
-            </a:lvl9pPr>
-          </a:lstStyle>
-          <a:p>
-            <a:pPr lvl="0"/>
-            <a:r>
-              <a:rPr lang="zh-CN" altLang="en-US"/>
-              <a:t>编辑母版文本样式</a:t>
-            </a:r>
-          </a:p>
-        </p:txBody>
-      </p:sp>
-      <p:sp>
-        <p:nvSpPr>
-          <p:cNvPr id="6" name="内容占位符 5">
-            <a:extLst>
-              <a:ext uri="{FF2B5EF4-FFF2-40B4-BE49-F238E27FC236}">
-                <a16:creationId xmlns:a16="http://schemas.microsoft.com/office/drawing/2014/main" id="{036D7568-A81B-482C-A3A2-F3BC103D34EF}"/>
-              </a:ext>
-            </a:extLst>
-          </p:cNvPr>
-          <p:cNvSpPr>
-            <a:spLocks noGrp="1"/>
-          </p:cNvSpPr>
-          <p:nvPr>
-            <p:ph sz="quarter" idx="4"/>
-          </p:nvPr>
-        </p:nvSpPr>
-        <p:spPr>
-          <a:xfrm>
-            <a:off x="6172200" y="2505075"/>
-            <a:ext cx="5183188" cy="3684588"/>
-          </a:xfrm>
-        </p:spPr>
-        <p:txBody>
-          <a:bodyPr/>
-          <a:lstStyle/>
-          <a:p>
-            <a:pPr lvl="0"/>
-            <a:r>
-              <a:rPr lang="zh-CN" altLang="en-US"/>
-              <a:t>编辑母版文本样式</a:t>
-            </a:r>
-          </a:p>
-          <a:p>
-            <a:pPr lvl="1"/>
-            <a:r>
-              <a:rPr lang="zh-CN" altLang="en-US"/>
-              <a:t>第二级</a:t>
-            </a:r>
-          </a:p>
-          <a:p>
-            <a:pPr lvl="2"/>
-            <a:r>
-              <a:rPr lang="zh-CN" altLang="en-US"/>
-              <a:t>第三级</a:t>
-            </a:r>
-          </a:p>
-          <a:p>
-            <a:pPr lvl="3"/>
-            <a:r>
-              <a:rPr lang="zh-CN" altLang="en-US"/>
-              <a:t>第四级</a:t>
-            </a:r>
-          </a:p>
-          <a:p>
-            <a:pPr lvl="4"/>
-            <a:r>
-              <a:rPr lang="zh-CN" altLang="en-US"/>
-              <a:t>第五级</a:t>
-            </a:r>
-          </a:p>
-        </p:txBody>
-      </p:sp>
-      <p:sp>
-        <p:nvSpPr>
-          <p:cNvPr id="7" name="日期占位符 6">
-            <a:extLst>
-              <a:ext uri="{FF2B5EF4-FFF2-40B4-BE49-F238E27FC236}">
-                <a16:creationId xmlns:a16="http://schemas.microsoft.com/office/drawing/2014/main" id="{13BBC1A3-3998-47F3-8769-525ADE70956F}"/>
-              </a:ext>
-            </a:extLst>
-          </p:cNvPr>
-          <p:cNvSpPr>
-            <a:spLocks noGrp="1"/>
-          </p:cNvSpPr>
-          <p:nvPr>
-            <p:ph type="dt" sz="half" idx="10"/>
-          </p:nvPr>
-        </p:nvSpPr>
-        <p:spPr/>
-        <p:txBody>
-          <a:bodyPr/>
-          <a:lstStyle/>
-          <a:p>
-            <a:fld id="{65DC1CC6-952B-4CA3-8B79-8125ECD3A0B7}" type="datetimeFigureOut">
-              <a:rPr lang="zh-CN" altLang="en-US" smtClean="0"/>
-              <a:t>2020/2/22</a:t>
-            </a:fld>
-            <a:endParaRPr lang="zh-CN" altLang="en-US"/>
-          </a:p>
-        </p:txBody>
-      </p:sp>
-      <p:sp>
-        <p:nvSpPr>
-          <p:cNvPr id="8" name="页脚占位符 7">
-            <a:extLst>
-              <a:ext uri="{FF2B5EF4-FFF2-40B4-BE49-F238E27FC236}">
-                <a16:creationId xmlns:a16="http://schemas.microsoft.com/office/drawing/2014/main" id="{E2FC4F56-B4D7-437B-BE32-14D637A5BCB5}"/>
-              </a:ext>
-            </a:extLst>
-          </p:cNvPr>
-          <p:cNvSpPr>
-            <a:spLocks noGrp="1"/>
-          </p:cNvSpPr>
-          <p:nvPr>
-            <p:ph type="ftr" sz="quarter" idx="11"/>
-          </p:nvPr>
-        </p:nvSpPr>
-        <p:spPr/>
-        <p:txBody>
-          <a:bodyPr/>
-          <a:lstStyle/>
-          <a:p>
-            <a:endParaRPr lang="zh-CN" altLang="en-US"/>
-          </a:p>
-        </p:txBody>
-      </p:sp>
-      <p:sp>
-        <p:nvSpPr>
-          <p:cNvPr id="9" name="灯片编号占位符 8">
-            <a:extLst>
-              <a:ext uri="{FF2B5EF4-FFF2-40B4-BE49-F238E27FC236}">
-                <a16:creationId xmlns:a16="http://schemas.microsoft.com/office/drawing/2014/main" id="{71A04712-B70C-4C63-8F76-402BC4064B6A}"/>
-              </a:ext>
-            </a:extLst>
-          </p:cNvPr>
-          <p:cNvSpPr>
-            <a:spLocks noGrp="1"/>
-          </p:cNvSpPr>
-          <p:nvPr>
-            <p:ph type="sldNum" sz="quarter" idx="12"/>
-          </p:nvPr>
-        </p:nvSpPr>
-        <p:spPr/>
-        <p:txBody>
-          <a:bodyPr/>
-          <a:lstStyle/>
-          <a:p>
-            <a:fld id="{BA2359F1-67E5-4253-9210-F672F38C961E}" type="slidenum">
-              <a:rPr lang="zh-CN" altLang="en-US" smtClean="0"/>
-              <a:t>‹#›</a:t>
-            </a:fld>
-            <a:endParaRPr lang="zh-CN" altLang="en-US"/>
-          </a:p>
-        </p:txBody>
-      </p:sp>
-    </p:spTree>
-    <p:extLst>
-      <p:ext uri="{BB962C8B-B14F-4D97-AF65-F5344CB8AC3E}">
-        <p14:creationId xmlns:p14="http://schemas.microsoft.com/office/powerpoint/2010/main" val="4243537172"/>
-      </p:ext>
-    </p:extLst>
-  </p:cSld>
-  <p:clrMapOvr>
-    <a:masterClrMapping/>
-  </p:clrMapOvr>
-</p:sldLayout>
-</file>
-
-<file path=ppt/slideLayouts/slideLayout6.xml><?xml version="1.0" encoding="utf-8"?>
-<p:sldLayout xmlns:a="http://schemas.openxmlformats.org/drawingml/2006/main" xmlns:r="http://schemas.openxmlformats.org/officeDocument/2006/relationships" xmlns:p="http://schemas.openxmlformats.org/presentationml/2006/main" type="titleOnly" preserve="1">
-  <p:cSld name="仅标题">
-    <p:spTree>
-      <p:nvGrpSpPr>
-        <p:cNvPr id="1" name=""/>
-        <p:cNvGrpSpPr/>
-        <p:nvPr/>
-      </p:nvGrpSpPr>
-      <p:grpSpPr>
-        <a:xfrm>
-          <a:off x="0" y="0"/>
-          <a:ext cx="0" cy="0"/>
-          <a:chOff x="0" y="0"/>
-          <a:chExt cx="0" cy="0"/>
-        </a:xfrm>
-      </p:grpSpPr>
-      <p:sp>
-        <p:nvSpPr>
-          <p:cNvPr id="2" name="标题 1">
-            <a:extLst>
-              <a:ext uri="{FF2B5EF4-FFF2-40B4-BE49-F238E27FC236}">
-                <a16:creationId xmlns:a16="http://schemas.microsoft.com/office/drawing/2014/main" id="{A00B73DC-1B7E-4DC1-BD5D-28A44DAD877D}"/>
-              </a:ext>
-            </a:extLst>
-          </p:cNvPr>
-          <p:cNvSpPr>
-            <a:spLocks noGrp="1"/>
-          </p:cNvSpPr>
-          <p:nvPr>
-            <p:ph type="title"/>
-          </p:nvPr>
-        </p:nvSpPr>
-        <p:spPr/>
-        <p:txBody>
-          <a:bodyPr/>
-          <a:lstStyle/>
-          <a:p>
-            <a:r>
-              <a:rPr lang="zh-CN" altLang="en-US"/>
-              <a:t>单击此处编辑母版标题样式</a:t>
-            </a:r>
-          </a:p>
-        </p:txBody>
-      </p:sp>
-      <p:sp>
-        <p:nvSpPr>
-          <p:cNvPr id="3" name="日期占位符 2">
-            <a:extLst>
-              <a:ext uri="{FF2B5EF4-FFF2-40B4-BE49-F238E27FC236}">
-                <a16:creationId xmlns:a16="http://schemas.microsoft.com/office/drawing/2014/main" id="{B524693C-4D1D-4D94-93F2-519F9E7E8BD3}"/>
-              </a:ext>
-            </a:extLst>
-          </p:cNvPr>
-          <p:cNvSpPr>
-            <a:spLocks noGrp="1"/>
-          </p:cNvSpPr>
-          <p:nvPr>
-            <p:ph type="dt" sz="half" idx="10"/>
-          </p:nvPr>
-        </p:nvSpPr>
-        <p:spPr/>
-        <p:txBody>
-          <a:bodyPr/>
-          <a:lstStyle/>
-          <a:p>
-            <a:fld id="{65DC1CC6-952B-4CA3-8B79-8125ECD3A0B7}" type="datetimeFigureOut">
-              <a:rPr lang="zh-CN" altLang="en-US" smtClean="0"/>
-              <a:t>2020/2/22</a:t>
-            </a:fld>
-            <a:endParaRPr lang="zh-CN" altLang="en-US"/>
-          </a:p>
-        </p:txBody>
-      </p:sp>
-      <p:sp>
-        <p:nvSpPr>
-          <p:cNvPr id="4" name="页脚占位符 3">
-            <a:extLst>
-              <a:ext uri="{FF2B5EF4-FFF2-40B4-BE49-F238E27FC236}">
-                <a16:creationId xmlns:a16="http://schemas.microsoft.com/office/drawing/2014/main" id="{1ABBA5D7-1EE5-49B2-A73B-5660BBA09D8C}"/>
-              </a:ext>
-            </a:extLst>
-          </p:cNvPr>
-          <p:cNvSpPr>
-            <a:spLocks noGrp="1"/>
-          </p:cNvSpPr>
-          <p:nvPr>
-            <p:ph type="ftr" sz="quarter" idx="11"/>
-          </p:nvPr>
-        </p:nvSpPr>
-        <p:spPr/>
-        <p:txBody>
-          <a:bodyPr/>
-          <a:lstStyle/>
-          <a:p>
-            <a:endParaRPr lang="zh-CN" altLang="en-US"/>
-          </a:p>
-        </p:txBody>
-      </p:sp>
-      <p:sp>
-        <p:nvSpPr>
-          <p:cNvPr id="5" name="灯片编号占位符 4">
-            <a:extLst>
-              <a:ext uri="{FF2B5EF4-FFF2-40B4-BE49-F238E27FC236}">
-                <a16:creationId xmlns:a16="http://schemas.microsoft.com/office/drawing/2014/main" id="{007505AE-4F0C-48AB-BFC2-CFE7FAC7607E}"/>
-              </a:ext>
-            </a:extLst>
-          </p:cNvPr>
-          <p:cNvSpPr>
-            <a:spLocks noGrp="1"/>
-          </p:cNvSpPr>
-          <p:nvPr>
-            <p:ph type="sldNum" sz="quarter" idx="12"/>
-          </p:nvPr>
-        </p:nvSpPr>
-        <p:spPr/>
-        <p:txBody>
-          <a:bodyPr/>
-          <a:lstStyle/>
-          <a:p>
-            <a:fld id="{BA2359F1-67E5-4253-9210-F672F38C961E}" type="slidenum">
-              <a:rPr lang="zh-CN" altLang="en-US" smtClean="0"/>
-              <a:t>‹#›</a:t>
-            </a:fld>
-            <a:endParaRPr lang="zh-CN" altLang="en-US"/>
-          </a:p>
-        </p:txBody>
-      </p:sp>
-    </p:spTree>
-    <p:extLst>
-      <p:ext uri="{BB962C8B-B14F-4D97-AF65-F5344CB8AC3E}">
-        <p14:creationId xmlns:p14="http://schemas.microsoft.com/office/powerpoint/2010/main" val="22934116"/>
-      </p:ext>
-    </p:extLst>
-  </p:cSld>
-  <p:clrMapOvr>
-    <a:masterClrMapping/>
-  </p:clrMapOvr>
-</p:sldLayout>
-</file>
-
-<file path=ppt/slideLayouts/slideLayout7.xml><?xml version="1.0" encoding="utf-8"?>
-<p:sldLayout xmlns:a="http://schemas.openxmlformats.org/drawingml/2006/main" xmlns:r="http://schemas.openxmlformats.org/officeDocument/2006/relationships" xmlns:p="http://schemas.openxmlformats.org/presentationml/2006/main" type="blank" preserve="1">
-  <p:cSld name="空白">
-    <p:spTree>
-      <p:nvGrpSpPr>
-        <p:cNvPr id="1" name=""/>
-        <p:cNvGrpSpPr/>
-        <p:nvPr/>
-      </p:nvGrpSpPr>
-      <p:grpSpPr>
-        <a:xfrm>
-          <a:off x="0" y="0"/>
-          <a:ext cx="0" cy="0"/>
-          <a:chOff x="0" y="0"/>
-          <a:chExt cx="0" cy="0"/>
-        </a:xfrm>
-      </p:grpSpPr>
-      <p:sp>
-        <p:nvSpPr>
-          <p:cNvPr id="2" name="日期占位符 1">
-            <a:extLst>
-              <a:ext uri="{FF2B5EF4-FFF2-40B4-BE49-F238E27FC236}">
-                <a16:creationId xmlns:a16="http://schemas.microsoft.com/office/drawing/2014/main" id="{633DE922-6051-46A7-9A6A-577E60F75C75}"/>
-              </a:ext>
-            </a:extLst>
-          </p:cNvPr>
-          <p:cNvSpPr>
-            <a:spLocks noGrp="1"/>
-          </p:cNvSpPr>
-          <p:nvPr>
-            <p:ph type="dt" sz="half" idx="10"/>
-          </p:nvPr>
-        </p:nvSpPr>
-        <p:spPr/>
-        <p:txBody>
-          <a:bodyPr/>
-          <a:lstStyle/>
-          <a:p>
-            <a:fld id="{65DC1CC6-952B-4CA3-8B79-8125ECD3A0B7}" type="datetimeFigureOut">
-              <a:rPr lang="zh-CN" altLang="en-US" smtClean="0"/>
-              <a:t>2020/2/22</a:t>
-            </a:fld>
-            <a:endParaRPr lang="zh-CN" altLang="en-US"/>
-          </a:p>
-        </p:txBody>
-      </p:sp>
-      <p:sp>
-        <p:nvSpPr>
-          <p:cNvPr id="3" name="页脚占位符 2">
-            <a:extLst>
-              <a:ext uri="{FF2B5EF4-FFF2-40B4-BE49-F238E27FC236}">
-                <a16:creationId xmlns:a16="http://schemas.microsoft.com/office/drawing/2014/main" id="{9E915C72-6E0F-467B-8EF8-9B768C78A4D0}"/>
-              </a:ext>
-            </a:extLst>
-          </p:cNvPr>
-          <p:cNvSpPr>
-            <a:spLocks noGrp="1"/>
-          </p:cNvSpPr>
-          <p:nvPr>
-            <p:ph type="ftr" sz="quarter" idx="11"/>
-          </p:nvPr>
-        </p:nvSpPr>
-        <p:spPr/>
-        <p:txBody>
-          <a:bodyPr/>
-          <a:lstStyle/>
-          <a:p>
-            <a:endParaRPr lang="zh-CN" altLang="en-US"/>
-          </a:p>
-        </p:txBody>
-      </p:sp>
-      <p:sp>
-        <p:nvSpPr>
-          <p:cNvPr id="4" name="灯片编号占位符 3">
-            <a:extLst>
-              <a:ext uri="{FF2B5EF4-FFF2-40B4-BE49-F238E27FC236}">
-                <a16:creationId xmlns:a16="http://schemas.microsoft.com/office/drawing/2014/main" id="{5071157D-6EEF-4289-A229-697BDCC44868}"/>
-              </a:ext>
-            </a:extLst>
-          </p:cNvPr>
-          <p:cNvSpPr>
-            <a:spLocks noGrp="1"/>
-          </p:cNvSpPr>
-          <p:nvPr>
-            <p:ph type="sldNum" sz="quarter" idx="12"/>
-          </p:nvPr>
-        </p:nvSpPr>
-        <p:spPr/>
-        <p:txBody>
-          <a:bodyPr/>
-          <a:lstStyle/>
-          <a:p>
-            <a:fld id="{BA2359F1-67E5-4253-9210-F672F38C961E}" type="slidenum">
-              <a:rPr lang="zh-CN" altLang="en-US" smtClean="0"/>
-              <a:t>‹#›</a:t>
-            </a:fld>
-            <a:endParaRPr lang="zh-CN" altLang="en-US"/>
-          </a:p>
-        </p:txBody>
-      </p:sp>
-    </p:spTree>
-    <p:extLst>
-      <p:ext uri="{BB962C8B-B14F-4D97-AF65-F5344CB8AC3E}">
-        <p14:creationId xmlns:p14="http://schemas.microsoft.com/office/powerpoint/2010/main" val="3500062188"/>
-      </p:ext>
-    </p:extLst>
-  </p:cSld>
-  <p:clrMapOvr>
-    <a:masterClrMapping/>
-  </p:clrMapOvr>
-</p:sldLayout>
-</file>
-
-<file path=ppt/slideLayouts/slideLayout8.xml><?xml version="1.0" encoding="utf-8"?>
+<file path=ppt/slideLayouts/slideLayout20.xml><?xml version="1.0" encoding="utf-8"?>
 <p:sldLayout xmlns:a="http://schemas.openxmlformats.org/drawingml/2006/main" xmlns:r="http://schemas.openxmlformats.org/officeDocument/2006/relationships" xmlns:p="http://schemas.openxmlformats.org/presentationml/2006/main" type="objTx" preserve="1">
   <p:cSld name="内容与标题">
     <p:spTree>
@@ -3073,13 +3144,7 @@
       </p:grpSpPr>
       <p:sp>
         <p:nvSpPr>
-          <p:cNvPr id="2" name="标题 1">
-            <a:extLst>
-              <a:ext uri="{FF2B5EF4-FFF2-40B4-BE49-F238E27FC236}">
-                <a16:creationId xmlns:a16="http://schemas.microsoft.com/office/drawing/2014/main" id="{05C21CC9-2594-42C7-BC7D-33DFEAF47176}"/>
-              </a:ext>
-            </a:extLst>
-          </p:cNvPr>
+          <p:cNvPr id="2" name="标题 1"/>
           <p:cNvSpPr>
             <a:spLocks noGrp="1"/>
           </p:cNvSpPr>
@@ -3105,23 +3170,18 @@
               <a:rPr lang="zh-CN" altLang="en-US"/>
               <a:t>单击此处编辑母版标题样式</a:t>
             </a:r>
-          </a:p>
-        </p:txBody>
-      </p:sp>
-      <p:sp>
-        <p:nvSpPr>
-          <p:cNvPr id="3" name="内容占位符 2">
-            <a:extLst>
-              <a:ext uri="{FF2B5EF4-FFF2-40B4-BE49-F238E27FC236}">
-                <a16:creationId xmlns:a16="http://schemas.microsoft.com/office/drawing/2014/main" id="{880FE9F4-910E-411F-82C5-8CA6B7C43FD4}"/>
-              </a:ext>
-            </a:extLst>
-          </p:cNvPr>
-          <p:cNvSpPr>
-            <a:spLocks noGrp="1"/>
-          </p:cNvSpPr>
-          <p:nvPr>
-            <p:ph idx="1"/>
+            <a:endParaRPr lang="zh-CN" altLang="en-US"/>
+          </a:p>
+        </p:txBody>
+      </p:sp>
+      <p:sp>
+        <p:nvSpPr>
+          <p:cNvPr id="3" name="内容占位符 2"/>
+          <p:cNvSpPr>
+            <a:spLocks noGrp="1"/>
+          </p:cNvSpPr>
+          <p:nvPr>
+            <p:ph idx="1" hasCustomPrompt="1"/>
           </p:nvPr>
         </p:nvSpPr>
         <p:spPr>
@@ -3167,6 +3227,7 @@
               <a:rPr lang="zh-CN" altLang="en-US"/>
               <a:t>编辑母版文本样式</a:t>
             </a:r>
+            <a:endParaRPr lang="zh-CN" altLang="en-US"/>
           </a:p>
           <a:p>
             <a:pPr lvl="1"/>
@@ -3174,6 +3235,7 @@
               <a:rPr lang="zh-CN" altLang="en-US"/>
               <a:t>第二级</a:t>
             </a:r>
+            <a:endParaRPr lang="zh-CN" altLang="en-US"/>
           </a:p>
           <a:p>
             <a:pPr lvl="2"/>
@@ -3181,6 +3243,7 @@
               <a:rPr lang="zh-CN" altLang="en-US"/>
               <a:t>第三级</a:t>
             </a:r>
+            <a:endParaRPr lang="zh-CN" altLang="en-US"/>
           </a:p>
           <a:p>
             <a:pPr lvl="3"/>
@@ -3188,6 +3251,7 @@
               <a:rPr lang="zh-CN" altLang="en-US"/>
               <a:t>第四级</a:t>
             </a:r>
+            <a:endParaRPr lang="zh-CN" altLang="en-US"/>
           </a:p>
           <a:p>
             <a:pPr lvl="4"/>
@@ -3195,23 +3259,18 @@
               <a:rPr lang="zh-CN" altLang="en-US"/>
               <a:t>第五级</a:t>
             </a:r>
-          </a:p>
-        </p:txBody>
-      </p:sp>
-      <p:sp>
-        <p:nvSpPr>
-          <p:cNvPr id="4" name="文本占位符 3">
-            <a:extLst>
-              <a:ext uri="{FF2B5EF4-FFF2-40B4-BE49-F238E27FC236}">
-                <a16:creationId xmlns:a16="http://schemas.microsoft.com/office/drawing/2014/main" id="{564943B9-5DE7-479D-8EBA-5A657E8AF155}"/>
-              </a:ext>
-            </a:extLst>
-          </p:cNvPr>
-          <p:cNvSpPr>
-            <a:spLocks noGrp="1"/>
-          </p:cNvSpPr>
-          <p:nvPr>
-            <p:ph type="body" sz="half" idx="2"/>
+            <a:endParaRPr lang="zh-CN" altLang="en-US"/>
+          </a:p>
+        </p:txBody>
+      </p:sp>
+      <p:sp>
+        <p:nvSpPr>
+          <p:cNvPr id="4" name="文本占位符 3"/>
+          <p:cNvSpPr>
+            <a:spLocks noGrp="1"/>
+          </p:cNvSpPr>
+          <p:nvPr>
+            <p:ph type="body" sz="half" idx="2" hasCustomPrompt="1"/>
           </p:nvPr>
         </p:nvSpPr>
         <p:spPr>
@@ -3266,18 +3325,13 @@
               <a:rPr lang="zh-CN" altLang="en-US"/>
               <a:t>编辑母版文本样式</a:t>
             </a:r>
-          </a:p>
-        </p:txBody>
-      </p:sp>
-      <p:sp>
-        <p:nvSpPr>
-          <p:cNvPr id="5" name="日期占位符 4">
-            <a:extLst>
-              <a:ext uri="{FF2B5EF4-FFF2-40B4-BE49-F238E27FC236}">
-                <a16:creationId xmlns:a16="http://schemas.microsoft.com/office/drawing/2014/main" id="{9972B9E6-7195-4024-A4ED-1C22D7D51CC6}"/>
-              </a:ext>
-            </a:extLst>
-          </p:cNvPr>
+            <a:endParaRPr lang="zh-CN" altLang="en-US"/>
+          </a:p>
+        </p:txBody>
+      </p:sp>
+      <p:sp>
+        <p:nvSpPr>
+          <p:cNvPr id="5" name="日期占位符 4"/>
           <p:cNvSpPr>
             <a:spLocks noGrp="1"/>
           </p:cNvSpPr>
@@ -3292,7 +3346,6 @@
           <a:p>
             <a:fld id="{65DC1CC6-952B-4CA3-8B79-8125ECD3A0B7}" type="datetimeFigureOut">
               <a:rPr lang="zh-CN" altLang="en-US" smtClean="0"/>
-              <a:t>2020/2/22</a:t>
             </a:fld>
             <a:endParaRPr lang="zh-CN" altLang="en-US"/>
           </a:p>
@@ -3300,13 +3353,7 @@
       </p:sp>
       <p:sp>
         <p:nvSpPr>
-          <p:cNvPr id="6" name="页脚占位符 5">
-            <a:extLst>
-              <a:ext uri="{FF2B5EF4-FFF2-40B4-BE49-F238E27FC236}">
-                <a16:creationId xmlns:a16="http://schemas.microsoft.com/office/drawing/2014/main" id="{1BF1E6A6-3261-469B-B0C5-BD11AAF26AA3}"/>
-              </a:ext>
-            </a:extLst>
-          </p:cNvPr>
+          <p:cNvPr id="6" name="页脚占位符 5"/>
           <p:cNvSpPr>
             <a:spLocks noGrp="1"/>
           </p:cNvSpPr>
@@ -3325,13 +3372,7 @@
       </p:sp>
       <p:sp>
         <p:nvSpPr>
-          <p:cNvPr id="7" name="灯片编号占位符 6">
-            <a:extLst>
-              <a:ext uri="{FF2B5EF4-FFF2-40B4-BE49-F238E27FC236}">
-                <a16:creationId xmlns:a16="http://schemas.microsoft.com/office/drawing/2014/main" id="{9CAB2AA1-257E-48B2-B9A5-87934314FCC4}"/>
-              </a:ext>
-            </a:extLst>
-          </p:cNvPr>
+          <p:cNvPr id="7" name="灯片编号占位符 6"/>
           <p:cNvSpPr>
             <a:spLocks noGrp="1"/>
           </p:cNvSpPr>
@@ -3346,18 +3387,2092 @@
           <a:p>
             <a:fld id="{BA2359F1-67E5-4253-9210-F672F38C961E}" type="slidenum">
               <a:rPr lang="zh-CN" altLang="en-US" smtClean="0"/>
-              <a:t>‹#›</a:t>
             </a:fld>
             <a:endParaRPr lang="zh-CN" altLang="en-US"/>
           </a:p>
         </p:txBody>
       </p:sp>
     </p:spTree>
-    <p:extLst>
-      <p:ext uri="{BB962C8B-B14F-4D97-AF65-F5344CB8AC3E}">
-        <p14:creationId xmlns:p14="http://schemas.microsoft.com/office/powerpoint/2010/main" val="2871327006"/>
-      </p:ext>
-    </p:extLst>
+  </p:cSld>
+  <p:clrMapOvr>
+    <a:masterClrMapping/>
+  </p:clrMapOvr>
+</p:sldLayout>
+</file>
+
+<file path=ppt/slideLayouts/slideLayout21.xml><?xml version="1.0" encoding="utf-8"?>
+<p:sldLayout xmlns:a="http://schemas.openxmlformats.org/drawingml/2006/main" xmlns:r="http://schemas.openxmlformats.org/officeDocument/2006/relationships" xmlns:p="http://schemas.openxmlformats.org/presentationml/2006/main" type="picTx" preserve="1">
+  <p:cSld name="图片与标题">
+    <p:spTree>
+      <p:nvGrpSpPr>
+        <p:cNvPr id="1" name=""/>
+        <p:cNvGrpSpPr/>
+        <p:nvPr/>
+      </p:nvGrpSpPr>
+      <p:grpSpPr>
+        <a:xfrm>
+          <a:off x="0" y="0"/>
+          <a:ext cx="0" cy="0"/>
+          <a:chOff x="0" y="0"/>
+          <a:chExt cx="0" cy="0"/>
+        </a:xfrm>
+      </p:grpSpPr>
+      <p:sp>
+        <p:nvSpPr>
+          <p:cNvPr id="2" name="标题 1"/>
+          <p:cNvSpPr>
+            <a:spLocks noGrp="1"/>
+          </p:cNvSpPr>
+          <p:nvPr>
+            <p:ph type="title"/>
+          </p:nvPr>
+        </p:nvSpPr>
+        <p:spPr>
+          <a:xfrm>
+            <a:off x="839788" y="457200"/>
+            <a:ext cx="3932237" cy="1600200"/>
+          </a:xfrm>
+        </p:spPr>
+        <p:txBody>
+          <a:bodyPr anchor="b"/>
+          <a:lstStyle>
+            <a:lvl1pPr>
+              <a:defRPr sz="3200"/>
+            </a:lvl1pPr>
+          </a:lstStyle>
+          <a:p>
+            <a:r>
+              <a:rPr lang="zh-CN" altLang="en-US"/>
+              <a:t>单击此处编辑母版标题样式</a:t>
+            </a:r>
+            <a:endParaRPr lang="zh-CN" altLang="en-US"/>
+          </a:p>
+        </p:txBody>
+      </p:sp>
+      <p:sp>
+        <p:nvSpPr>
+          <p:cNvPr id="3" name="图片占位符 2"/>
+          <p:cNvSpPr>
+            <a:spLocks noGrp="1"/>
+          </p:cNvSpPr>
+          <p:nvPr>
+            <p:ph type="pic" idx="1"/>
+          </p:nvPr>
+        </p:nvSpPr>
+        <p:spPr>
+          <a:xfrm>
+            <a:off x="5183188" y="987425"/>
+            <a:ext cx="6172200" cy="4873625"/>
+          </a:xfrm>
+        </p:spPr>
+        <p:txBody>
+          <a:bodyPr/>
+          <a:lstStyle>
+            <a:lvl1pPr marL="0" indent="0">
+              <a:buNone/>
+              <a:defRPr sz="3200"/>
+            </a:lvl1pPr>
+            <a:lvl2pPr marL="457200" indent="0">
+              <a:buNone/>
+              <a:defRPr sz="2800"/>
+            </a:lvl2pPr>
+            <a:lvl3pPr marL="914400" indent="0">
+              <a:buNone/>
+              <a:defRPr sz="2400"/>
+            </a:lvl3pPr>
+            <a:lvl4pPr marL="1371600" indent="0">
+              <a:buNone/>
+              <a:defRPr sz="2000"/>
+            </a:lvl4pPr>
+            <a:lvl5pPr marL="1828800" indent="0">
+              <a:buNone/>
+              <a:defRPr sz="2000"/>
+            </a:lvl5pPr>
+            <a:lvl6pPr marL="2286000" indent="0">
+              <a:buNone/>
+              <a:defRPr sz="2000"/>
+            </a:lvl6pPr>
+            <a:lvl7pPr marL="2743200" indent="0">
+              <a:buNone/>
+              <a:defRPr sz="2000"/>
+            </a:lvl7pPr>
+            <a:lvl8pPr marL="3200400" indent="0">
+              <a:buNone/>
+              <a:defRPr sz="2000"/>
+            </a:lvl8pPr>
+            <a:lvl9pPr marL="3657600" indent="0">
+              <a:buNone/>
+              <a:defRPr sz="2000"/>
+            </a:lvl9pPr>
+          </a:lstStyle>
+          <a:p>
+            <a:endParaRPr lang="zh-CN" altLang="en-US"/>
+          </a:p>
+        </p:txBody>
+      </p:sp>
+      <p:sp>
+        <p:nvSpPr>
+          <p:cNvPr id="4" name="文本占位符 3"/>
+          <p:cNvSpPr>
+            <a:spLocks noGrp="1"/>
+          </p:cNvSpPr>
+          <p:nvPr>
+            <p:ph type="body" sz="half" idx="2" hasCustomPrompt="1"/>
+          </p:nvPr>
+        </p:nvSpPr>
+        <p:spPr>
+          <a:xfrm>
+            <a:off x="839788" y="2057400"/>
+            <a:ext cx="3932237" cy="3811588"/>
+          </a:xfrm>
+        </p:spPr>
+        <p:txBody>
+          <a:bodyPr/>
+          <a:lstStyle>
+            <a:lvl1pPr marL="0" indent="0">
+              <a:buNone/>
+              <a:defRPr sz="1600"/>
+            </a:lvl1pPr>
+            <a:lvl2pPr marL="457200" indent="0">
+              <a:buNone/>
+              <a:defRPr sz="1400"/>
+            </a:lvl2pPr>
+            <a:lvl3pPr marL="914400" indent="0">
+              <a:buNone/>
+              <a:defRPr sz="1200"/>
+            </a:lvl3pPr>
+            <a:lvl4pPr marL="1371600" indent="0">
+              <a:buNone/>
+              <a:defRPr sz="1000"/>
+            </a:lvl4pPr>
+            <a:lvl5pPr marL="1828800" indent="0">
+              <a:buNone/>
+              <a:defRPr sz="1000"/>
+            </a:lvl5pPr>
+            <a:lvl6pPr marL="2286000" indent="0">
+              <a:buNone/>
+              <a:defRPr sz="1000"/>
+            </a:lvl6pPr>
+            <a:lvl7pPr marL="2743200" indent="0">
+              <a:buNone/>
+              <a:defRPr sz="1000"/>
+            </a:lvl7pPr>
+            <a:lvl8pPr marL="3200400" indent="0">
+              <a:buNone/>
+              <a:defRPr sz="1000"/>
+            </a:lvl8pPr>
+            <a:lvl9pPr marL="3657600" indent="0">
+              <a:buNone/>
+              <a:defRPr sz="1000"/>
+            </a:lvl9pPr>
+          </a:lstStyle>
+          <a:p>
+            <a:pPr lvl="0"/>
+            <a:r>
+              <a:rPr lang="zh-CN" altLang="en-US"/>
+              <a:t>编辑母版文本样式</a:t>
+            </a:r>
+            <a:endParaRPr lang="zh-CN" altLang="en-US"/>
+          </a:p>
+        </p:txBody>
+      </p:sp>
+      <p:sp>
+        <p:nvSpPr>
+          <p:cNvPr id="5" name="日期占位符 4"/>
+          <p:cNvSpPr>
+            <a:spLocks noGrp="1"/>
+          </p:cNvSpPr>
+          <p:nvPr>
+            <p:ph type="dt" sz="half" idx="10"/>
+          </p:nvPr>
+        </p:nvSpPr>
+        <p:spPr/>
+        <p:txBody>
+          <a:bodyPr/>
+          <a:lstStyle/>
+          <a:p>
+            <a:fld id="{65DC1CC6-952B-4CA3-8B79-8125ECD3A0B7}" type="datetimeFigureOut">
+              <a:rPr lang="zh-CN" altLang="en-US" smtClean="0"/>
+            </a:fld>
+            <a:endParaRPr lang="zh-CN" altLang="en-US"/>
+          </a:p>
+        </p:txBody>
+      </p:sp>
+      <p:sp>
+        <p:nvSpPr>
+          <p:cNvPr id="6" name="页脚占位符 5"/>
+          <p:cNvSpPr>
+            <a:spLocks noGrp="1"/>
+          </p:cNvSpPr>
+          <p:nvPr>
+            <p:ph type="ftr" sz="quarter" idx="11"/>
+          </p:nvPr>
+        </p:nvSpPr>
+        <p:spPr/>
+        <p:txBody>
+          <a:bodyPr/>
+          <a:lstStyle/>
+          <a:p>
+            <a:endParaRPr lang="zh-CN" altLang="en-US"/>
+          </a:p>
+        </p:txBody>
+      </p:sp>
+      <p:sp>
+        <p:nvSpPr>
+          <p:cNvPr id="7" name="灯片编号占位符 6"/>
+          <p:cNvSpPr>
+            <a:spLocks noGrp="1"/>
+          </p:cNvSpPr>
+          <p:nvPr>
+            <p:ph type="sldNum" sz="quarter" idx="12"/>
+          </p:nvPr>
+        </p:nvSpPr>
+        <p:spPr/>
+        <p:txBody>
+          <a:bodyPr/>
+          <a:lstStyle/>
+          <a:p>
+            <a:fld id="{BA2359F1-67E5-4253-9210-F672F38C961E}" type="slidenum">
+              <a:rPr lang="zh-CN" altLang="en-US" smtClean="0"/>
+            </a:fld>
+            <a:endParaRPr lang="zh-CN" altLang="en-US"/>
+          </a:p>
+        </p:txBody>
+      </p:sp>
+    </p:spTree>
+  </p:cSld>
+  <p:clrMapOvr>
+    <a:masterClrMapping/>
+  </p:clrMapOvr>
+</p:sldLayout>
+</file>
+
+<file path=ppt/slideLayouts/slideLayout22.xml><?xml version="1.0" encoding="utf-8"?>
+<p:sldLayout xmlns:a="http://schemas.openxmlformats.org/drawingml/2006/main" xmlns:r="http://schemas.openxmlformats.org/officeDocument/2006/relationships" xmlns:p="http://schemas.openxmlformats.org/presentationml/2006/main" type="vertTx" preserve="1">
+  <p:cSld name="标题和竖排文字">
+    <p:spTree>
+      <p:nvGrpSpPr>
+        <p:cNvPr id="1" name=""/>
+        <p:cNvGrpSpPr/>
+        <p:nvPr/>
+      </p:nvGrpSpPr>
+      <p:grpSpPr>
+        <a:xfrm>
+          <a:off x="0" y="0"/>
+          <a:ext cx="0" cy="0"/>
+          <a:chOff x="0" y="0"/>
+          <a:chExt cx="0" cy="0"/>
+        </a:xfrm>
+      </p:grpSpPr>
+      <p:sp>
+        <p:nvSpPr>
+          <p:cNvPr id="2" name="标题 1"/>
+          <p:cNvSpPr>
+            <a:spLocks noGrp="1"/>
+          </p:cNvSpPr>
+          <p:nvPr>
+            <p:ph type="title"/>
+          </p:nvPr>
+        </p:nvSpPr>
+        <p:spPr/>
+        <p:txBody>
+          <a:bodyPr/>
+          <a:lstStyle/>
+          <a:p>
+            <a:r>
+              <a:rPr lang="zh-CN" altLang="en-US"/>
+              <a:t>单击此处编辑母版标题样式</a:t>
+            </a:r>
+            <a:endParaRPr lang="zh-CN" altLang="en-US"/>
+          </a:p>
+        </p:txBody>
+      </p:sp>
+      <p:sp>
+        <p:nvSpPr>
+          <p:cNvPr id="3" name="竖排文字占位符 2"/>
+          <p:cNvSpPr>
+            <a:spLocks noGrp="1"/>
+          </p:cNvSpPr>
+          <p:nvPr>
+            <p:ph type="body" orient="vert" idx="1" hasCustomPrompt="1"/>
+          </p:nvPr>
+        </p:nvSpPr>
+        <p:spPr/>
+        <p:txBody>
+          <a:bodyPr vert="eaVert"/>
+          <a:lstStyle/>
+          <a:p>
+            <a:pPr lvl="0"/>
+            <a:r>
+              <a:rPr lang="zh-CN" altLang="en-US"/>
+              <a:t>编辑母版文本样式</a:t>
+            </a:r>
+            <a:endParaRPr lang="zh-CN" altLang="en-US"/>
+          </a:p>
+          <a:p>
+            <a:pPr lvl="1"/>
+            <a:r>
+              <a:rPr lang="zh-CN" altLang="en-US"/>
+              <a:t>第二级</a:t>
+            </a:r>
+            <a:endParaRPr lang="zh-CN" altLang="en-US"/>
+          </a:p>
+          <a:p>
+            <a:pPr lvl="2"/>
+            <a:r>
+              <a:rPr lang="zh-CN" altLang="en-US"/>
+              <a:t>第三级</a:t>
+            </a:r>
+            <a:endParaRPr lang="zh-CN" altLang="en-US"/>
+          </a:p>
+          <a:p>
+            <a:pPr lvl="3"/>
+            <a:r>
+              <a:rPr lang="zh-CN" altLang="en-US"/>
+              <a:t>第四级</a:t>
+            </a:r>
+            <a:endParaRPr lang="zh-CN" altLang="en-US"/>
+          </a:p>
+          <a:p>
+            <a:pPr lvl="4"/>
+            <a:r>
+              <a:rPr lang="zh-CN" altLang="en-US"/>
+              <a:t>第五级</a:t>
+            </a:r>
+            <a:endParaRPr lang="zh-CN" altLang="en-US"/>
+          </a:p>
+        </p:txBody>
+      </p:sp>
+      <p:sp>
+        <p:nvSpPr>
+          <p:cNvPr id="4" name="日期占位符 3"/>
+          <p:cNvSpPr>
+            <a:spLocks noGrp="1"/>
+          </p:cNvSpPr>
+          <p:nvPr>
+            <p:ph type="dt" sz="half" idx="10"/>
+          </p:nvPr>
+        </p:nvSpPr>
+        <p:spPr/>
+        <p:txBody>
+          <a:bodyPr/>
+          <a:lstStyle/>
+          <a:p>
+            <a:fld id="{65DC1CC6-952B-4CA3-8B79-8125ECD3A0B7}" type="datetimeFigureOut">
+              <a:rPr lang="zh-CN" altLang="en-US" smtClean="0"/>
+            </a:fld>
+            <a:endParaRPr lang="zh-CN" altLang="en-US"/>
+          </a:p>
+        </p:txBody>
+      </p:sp>
+      <p:sp>
+        <p:nvSpPr>
+          <p:cNvPr id="5" name="页脚占位符 4"/>
+          <p:cNvSpPr>
+            <a:spLocks noGrp="1"/>
+          </p:cNvSpPr>
+          <p:nvPr>
+            <p:ph type="ftr" sz="quarter" idx="11"/>
+          </p:nvPr>
+        </p:nvSpPr>
+        <p:spPr/>
+        <p:txBody>
+          <a:bodyPr/>
+          <a:lstStyle/>
+          <a:p>
+            <a:endParaRPr lang="zh-CN" altLang="en-US"/>
+          </a:p>
+        </p:txBody>
+      </p:sp>
+      <p:sp>
+        <p:nvSpPr>
+          <p:cNvPr id="6" name="灯片编号占位符 5"/>
+          <p:cNvSpPr>
+            <a:spLocks noGrp="1"/>
+          </p:cNvSpPr>
+          <p:nvPr>
+            <p:ph type="sldNum" sz="quarter" idx="12"/>
+          </p:nvPr>
+        </p:nvSpPr>
+        <p:spPr/>
+        <p:txBody>
+          <a:bodyPr/>
+          <a:lstStyle/>
+          <a:p>
+            <a:fld id="{BA2359F1-67E5-4253-9210-F672F38C961E}" type="slidenum">
+              <a:rPr lang="zh-CN" altLang="en-US" smtClean="0"/>
+            </a:fld>
+            <a:endParaRPr lang="zh-CN" altLang="en-US"/>
+          </a:p>
+        </p:txBody>
+      </p:sp>
+    </p:spTree>
+  </p:cSld>
+  <p:clrMapOvr>
+    <a:masterClrMapping/>
+  </p:clrMapOvr>
+</p:sldLayout>
+</file>
+
+<file path=ppt/slideLayouts/slideLayout23.xml><?xml version="1.0" encoding="utf-8"?>
+<p:sldLayout xmlns:a="http://schemas.openxmlformats.org/drawingml/2006/main" xmlns:r="http://schemas.openxmlformats.org/officeDocument/2006/relationships" xmlns:p="http://schemas.openxmlformats.org/presentationml/2006/main" type="vertTitleAndTx" preserve="1">
+  <p:cSld name="竖排标题与文本">
+    <p:spTree>
+      <p:nvGrpSpPr>
+        <p:cNvPr id="1" name=""/>
+        <p:cNvGrpSpPr/>
+        <p:nvPr/>
+      </p:nvGrpSpPr>
+      <p:grpSpPr>
+        <a:xfrm>
+          <a:off x="0" y="0"/>
+          <a:ext cx="0" cy="0"/>
+          <a:chOff x="0" y="0"/>
+          <a:chExt cx="0" cy="0"/>
+        </a:xfrm>
+      </p:grpSpPr>
+      <p:sp>
+        <p:nvSpPr>
+          <p:cNvPr id="2" name="竖排标题 1"/>
+          <p:cNvSpPr>
+            <a:spLocks noGrp="1"/>
+          </p:cNvSpPr>
+          <p:nvPr>
+            <p:ph type="title" orient="vert"/>
+          </p:nvPr>
+        </p:nvSpPr>
+        <p:spPr>
+          <a:xfrm>
+            <a:off x="8724900" y="365125"/>
+            <a:ext cx="2628900" cy="5811838"/>
+          </a:xfrm>
+        </p:spPr>
+        <p:txBody>
+          <a:bodyPr vert="eaVert"/>
+          <a:lstStyle/>
+          <a:p>
+            <a:r>
+              <a:rPr lang="zh-CN" altLang="en-US"/>
+              <a:t>单击此处编辑母版标题样式</a:t>
+            </a:r>
+            <a:endParaRPr lang="zh-CN" altLang="en-US"/>
+          </a:p>
+        </p:txBody>
+      </p:sp>
+      <p:sp>
+        <p:nvSpPr>
+          <p:cNvPr id="3" name="竖排文字占位符 2"/>
+          <p:cNvSpPr>
+            <a:spLocks noGrp="1"/>
+          </p:cNvSpPr>
+          <p:nvPr>
+            <p:ph type="body" orient="vert" idx="1" hasCustomPrompt="1"/>
+          </p:nvPr>
+        </p:nvSpPr>
+        <p:spPr>
+          <a:xfrm>
+            <a:off x="838200" y="365125"/>
+            <a:ext cx="7734300" cy="5811838"/>
+          </a:xfrm>
+        </p:spPr>
+        <p:txBody>
+          <a:bodyPr vert="eaVert"/>
+          <a:lstStyle/>
+          <a:p>
+            <a:pPr lvl="0"/>
+            <a:r>
+              <a:rPr lang="zh-CN" altLang="en-US"/>
+              <a:t>编辑母版文本样式</a:t>
+            </a:r>
+            <a:endParaRPr lang="zh-CN" altLang="en-US"/>
+          </a:p>
+          <a:p>
+            <a:pPr lvl="1"/>
+            <a:r>
+              <a:rPr lang="zh-CN" altLang="en-US"/>
+              <a:t>第二级</a:t>
+            </a:r>
+            <a:endParaRPr lang="zh-CN" altLang="en-US"/>
+          </a:p>
+          <a:p>
+            <a:pPr lvl="2"/>
+            <a:r>
+              <a:rPr lang="zh-CN" altLang="en-US"/>
+              <a:t>第三级</a:t>
+            </a:r>
+            <a:endParaRPr lang="zh-CN" altLang="en-US"/>
+          </a:p>
+          <a:p>
+            <a:pPr lvl="3"/>
+            <a:r>
+              <a:rPr lang="zh-CN" altLang="en-US"/>
+              <a:t>第四级</a:t>
+            </a:r>
+            <a:endParaRPr lang="zh-CN" altLang="en-US"/>
+          </a:p>
+          <a:p>
+            <a:pPr lvl="4"/>
+            <a:r>
+              <a:rPr lang="zh-CN" altLang="en-US"/>
+              <a:t>第五级</a:t>
+            </a:r>
+            <a:endParaRPr lang="zh-CN" altLang="en-US"/>
+          </a:p>
+        </p:txBody>
+      </p:sp>
+      <p:sp>
+        <p:nvSpPr>
+          <p:cNvPr id="4" name="日期占位符 3"/>
+          <p:cNvSpPr>
+            <a:spLocks noGrp="1"/>
+          </p:cNvSpPr>
+          <p:nvPr>
+            <p:ph type="dt" sz="half" idx="10"/>
+          </p:nvPr>
+        </p:nvSpPr>
+        <p:spPr/>
+        <p:txBody>
+          <a:bodyPr/>
+          <a:lstStyle/>
+          <a:p>
+            <a:fld id="{65DC1CC6-952B-4CA3-8B79-8125ECD3A0B7}" type="datetimeFigureOut">
+              <a:rPr lang="zh-CN" altLang="en-US" smtClean="0"/>
+            </a:fld>
+            <a:endParaRPr lang="zh-CN" altLang="en-US"/>
+          </a:p>
+        </p:txBody>
+      </p:sp>
+      <p:sp>
+        <p:nvSpPr>
+          <p:cNvPr id="5" name="页脚占位符 4"/>
+          <p:cNvSpPr>
+            <a:spLocks noGrp="1"/>
+          </p:cNvSpPr>
+          <p:nvPr>
+            <p:ph type="ftr" sz="quarter" idx="11"/>
+          </p:nvPr>
+        </p:nvSpPr>
+        <p:spPr/>
+        <p:txBody>
+          <a:bodyPr/>
+          <a:lstStyle/>
+          <a:p>
+            <a:endParaRPr lang="zh-CN" altLang="en-US"/>
+          </a:p>
+        </p:txBody>
+      </p:sp>
+      <p:sp>
+        <p:nvSpPr>
+          <p:cNvPr id="6" name="灯片编号占位符 5"/>
+          <p:cNvSpPr>
+            <a:spLocks noGrp="1"/>
+          </p:cNvSpPr>
+          <p:nvPr>
+            <p:ph type="sldNum" sz="quarter" idx="12"/>
+          </p:nvPr>
+        </p:nvSpPr>
+        <p:spPr/>
+        <p:txBody>
+          <a:bodyPr/>
+          <a:lstStyle/>
+          <a:p>
+            <a:fld id="{BA2359F1-67E5-4253-9210-F672F38C961E}" type="slidenum">
+              <a:rPr lang="zh-CN" altLang="en-US" smtClean="0"/>
+            </a:fld>
+            <a:endParaRPr lang="zh-CN" altLang="en-US"/>
+          </a:p>
+        </p:txBody>
+      </p:sp>
+    </p:spTree>
+  </p:cSld>
+  <p:clrMapOvr>
+    <a:masterClrMapping/>
+  </p:clrMapOvr>
+</p:sldLayout>
+</file>
+
+<file path=ppt/slideLayouts/slideLayout24.xml><?xml version="1.0" encoding="utf-8"?>
+<p:sldLayout xmlns:a="http://schemas.openxmlformats.org/drawingml/2006/main" xmlns:r="http://schemas.openxmlformats.org/officeDocument/2006/relationships" xmlns:p="http://schemas.openxmlformats.org/presentationml/2006/main" type="obj">
+  <p:cSld name="1_标题和内容">
+    <p:spTree>
+      <p:nvGrpSpPr>
+        <p:cNvPr id="1" name=""/>
+        <p:cNvGrpSpPr/>
+        <p:nvPr/>
+      </p:nvGrpSpPr>
+      <p:grpSpPr>
+        <a:xfrm>
+          <a:off x="0" y="0"/>
+          <a:ext cx="0" cy="0"/>
+          <a:chOff x="0" y="0"/>
+          <a:chExt cx="0" cy="0"/>
+        </a:xfrm>
+      </p:grpSpPr>
+      <p:sp>
+        <p:nvSpPr>
+          <p:cNvPr id="2" name="Title 1"/>
+          <p:cNvSpPr>
+            <a:spLocks noGrp="1"/>
+          </p:cNvSpPr>
+          <p:nvPr>
+            <p:ph type="title"/>
+          </p:nvPr>
+        </p:nvSpPr>
+        <p:spPr/>
+        <p:txBody>
+          <a:bodyPr/>
+          <a:lstStyle/>
+          <a:p>
+            <a:r>
+              <a:rPr lang="zh-CN" altLang="en-US"/>
+              <a:t>单击此处编辑母版标题样式</a:t>
+            </a:r>
+            <a:endParaRPr lang="en-US" dirty="0"/>
+          </a:p>
+        </p:txBody>
+      </p:sp>
+      <p:sp>
+        <p:nvSpPr>
+          <p:cNvPr id="12" name="Content Placeholder 2"/>
+          <p:cNvSpPr>
+            <a:spLocks noGrp="1"/>
+          </p:cNvSpPr>
+          <p:nvPr>
+            <p:ph sz="quarter" idx="13" hasCustomPrompt="1"/>
+          </p:nvPr>
+        </p:nvSpPr>
+        <p:spPr>
+          <a:xfrm>
+            <a:off x="685800" y="2063396"/>
+            <a:ext cx="10394707" cy="3311189"/>
+          </a:xfrm>
+        </p:spPr>
+        <p:txBody>
+          <a:bodyPr/>
+          <a:lstStyle/>
+          <a:p>
+            <a:pPr lvl="0"/>
+            <a:r>
+              <a:rPr lang="zh-CN" altLang="en-US"/>
+              <a:t>编辑母版文本样式</a:t>
+            </a:r>
+            <a:endParaRPr lang="zh-CN" altLang="en-US"/>
+          </a:p>
+          <a:p>
+            <a:pPr lvl="1"/>
+            <a:r>
+              <a:rPr lang="zh-CN" altLang="en-US"/>
+              <a:t>第二级</a:t>
+            </a:r>
+            <a:endParaRPr lang="zh-CN" altLang="en-US"/>
+          </a:p>
+          <a:p>
+            <a:pPr lvl="2"/>
+            <a:r>
+              <a:rPr lang="zh-CN" altLang="en-US"/>
+              <a:t>第三级</a:t>
+            </a:r>
+            <a:endParaRPr lang="zh-CN" altLang="en-US"/>
+          </a:p>
+          <a:p>
+            <a:pPr lvl="3"/>
+            <a:r>
+              <a:rPr lang="zh-CN" altLang="en-US"/>
+              <a:t>第四级</a:t>
+            </a:r>
+            <a:endParaRPr lang="zh-CN" altLang="en-US"/>
+          </a:p>
+          <a:p>
+            <a:pPr lvl="4"/>
+            <a:r>
+              <a:rPr lang="zh-CN" altLang="en-US"/>
+              <a:t>第五级</a:t>
+            </a:r>
+            <a:endParaRPr lang="en-US" dirty="0"/>
+          </a:p>
+        </p:txBody>
+      </p:sp>
+      <p:sp>
+        <p:nvSpPr>
+          <p:cNvPr id="4" name="Date Placeholder 3"/>
+          <p:cNvSpPr>
+            <a:spLocks noGrp="1"/>
+          </p:cNvSpPr>
+          <p:nvPr>
+            <p:ph type="dt" sz="half" idx="10"/>
+          </p:nvPr>
+        </p:nvSpPr>
+        <p:spPr/>
+        <p:txBody>
+          <a:bodyPr/>
+          <a:lstStyle/>
+          <a:p>
+            <a:fld id="{B2F6F192-370A-4D37-9AD9-321C39A6B65E}" type="datetimeFigureOut">
+              <a:rPr lang="zh-CN" altLang="en-US" smtClean="0"/>
+            </a:fld>
+            <a:endParaRPr lang="zh-CN" altLang="en-US"/>
+          </a:p>
+        </p:txBody>
+      </p:sp>
+      <p:sp>
+        <p:nvSpPr>
+          <p:cNvPr id="5" name="Footer Placeholder 4"/>
+          <p:cNvSpPr>
+            <a:spLocks noGrp="1"/>
+          </p:cNvSpPr>
+          <p:nvPr>
+            <p:ph type="ftr" sz="quarter" idx="11"/>
+          </p:nvPr>
+        </p:nvSpPr>
+        <p:spPr/>
+        <p:txBody>
+          <a:bodyPr/>
+          <a:lstStyle/>
+          <a:p>
+            <a:endParaRPr lang="zh-CN" altLang="en-US"/>
+          </a:p>
+        </p:txBody>
+      </p:sp>
+      <p:sp>
+        <p:nvSpPr>
+          <p:cNvPr id="6" name="Slide Number Placeholder 5"/>
+          <p:cNvSpPr>
+            <a:spLocks noGrp="1"/>
+          </p:cNvSpPr>
+          <p:nvPr>
+            <p:ph type="sldNum" sz="quarter" idx="12"/>
+          </p:nvPr>
+        </p:nvSpPr>
+        <p:spPr/>
+        <p:txBody>
+          <a:bodyPr/>
+          <a:lstStyle/>
+          <a:p>
+            <a:fld id="{E16CDB55-A21E-4331-9552-336F94895D9C}" type="slidenum">
+              <a:rPr lang="zh-CN" altLang="en-US" smtClean="0"/>
+            </a:fld>
+            <a:endParaRPr lang="zh-CN" altLang="en-US"/>
+          </a:p>
+        </p:txBody>
+      </p:sp>
+    </p:spTree>
+  </p:cSld>
+  <p:clrMapOvr>
+    <a:masterClrMapping/>
+  </p:clrMapOvr>
+</p:sldLayout>
+</file>
+
+<file path=ppt/slideLayouts/slideLayout3.xml><?xml version="1.0" encoding="utf-8"?>
+<p:sldLayout xmlns:a="http://schemas.openxmlformats.org/drawingml/2006/main" xmlns:r="http://schemas.openxmlformats.org/officeDocument/2006/relationships" xmlns:p="http://schemas.openxmlformats.org/presentationml/2006/main" type="secHead" preserve="1">
+  <p:cSld name="节标题">
+    <p:spTree>
+      <p:nvGrpSpPr>
+        <p:cNvPr id="1" name=""/>
+        <p:cNvGrpSpPr/>
+        <p:nvPr/>
+      </p:nvGrpSpPr>
+      <p:grpSpPr>
+        <a:xfrm>
+          <a:off x="0" y="0"/>
+          <a:ext cx="0" cy="0"/>
+          <a:chOff x="0" y="0"/>
+          <a:chExt cx="0" cy="0"/>
+        </a:xfrm>
+      </p:grpSpPr>
+      <p:sp>
+        <p:nvSpPr>
+          <p:cNvPr id="2" name="标题 1"/>
+          <p:cNvSpPr>
+            <a:spLocks noGrp="1"/>
+          </p:cNvSpPr>
+          <p:nvPr>
+            <p:ph type="title"/>
+          </p:nvPr>
+        </p:nvSpPr>
+        <p:spPr>
+          <a:xfrm>
+            <a:off x="831850" y="1709738"/>
+            <a:ext cx="10515600" cy="2852737"/>
+          </a:xfrm>
+        </p:spPr>
+        <p:txBody>
+          <a:bodyPr anchor="b"/>
+          <a:lstStyle>
+            <a:lvl1pPr>
+              <a:defRPr sz="6000"/>
+            </a:lvl1pPr>
+          </a:lstStyle>
+          <a:p>
+            <a:r>
+              <a:rPr lang="zh-CN" altLang="en-US"/>
+              <a:t>单击此处编辑母版标题样式</a:t>
+            </a:r>
+            <a:endParaRPr lang="zh-CN" altLang="en-US"/>
+          </a:p>
+        </p:txBody>
+      </p:sp>
+      <p:sp>
+        <p:nvSpPr>
+          <p:cNvPr id="3" name="文本占位符 2"/>
+          <p:cNvSpPr>
+            <a:spLocks noGrp="1"/>
+          </p:cNvSpPr>
+          <p:nvPr>
+            <p:ph type="body" idx="1" hasCustomPrompt="1"/>
+          </p:nvPr>
+        </p:nvSpPr>
+        <p:spPr>
+          <a:xfrm>
+            <a:off x="831850" y="4589463"/>
+            <a:ext cx="10515600" cy="1500187"/>
+          </a:xfrm>
+        </p:spPr>
+        <p:txBody>
+          <a:bodyPr/>
+          <a:lstStyle>
+            <a:lvl1pPr marL="0" indent="0">
+              <a:buNone/>
+              <a:defRPr sz="2400">
+                <a:solidFill>
+                  <a:schemeClr val="tx1">
+                    <a:tint val="75000"/>
+                  </a:schemeClr>
+                </a:solidFill>
+              </a:defRPr>
+            </a:lvl1pPr>
+            <a:lvl2pPr marL="457200" indent="0">
+              <a:buNone/>
+              <a:defRPr sz="2000">
+                <a:solidFill>
+                  <a:schemeClr val="tx1">
+                    <a:tint val="75000"/>
+                  </a:schemeClr>
+                </a:solidFill>
+              </a:defRPr>
+            </a:lvl2pPr>
+            <a:lvl3pPr marL="914400" indent="0">
+              <a:buNone/>
+              <a:defRPr sz="1800">
+                <a:solidFill>
+                  <a:schemeClr val="tx1">
+                    <a:tint val="75000"/>
+                  </a:schemeClr>
+                </a:solidFill>
+              </a:defRPr>
+            </a:lvl3pPr>
+            <a:lvl4pPr marL="1371600" indent="0">
+              <a:buNone/>
+              <a:defRPr sz="1600">
+                <a:solidFill>
+                  <a:schemeClr val="tx1">
+                    <a:tint val="75000"/>
+                  </a:schemeClr>
+                </a:solidFill>
+              </a:defRPr>
+            </a:lvl4pPr>
+            <a:lvl5pPr marL="1828800" indent="0">
+              <a:buNone/>
+              <a:defRPr sz="1600">
+                <a:solidFill>
+                  <a:schemeClr val="tx1">
+                    <a:tint val="75000"/>
+                  </a:schemeClr>
+                </a:solidFill>
+              </a:defRPr>
+            </a:lvl5pPr>
+            <a:lvl6pPr marL="2286000" indent="0">
+              <a:buNone/>
+              <a:defRPr sz="1600">
+                <a:solidFill>
+                  <a:schemeClr val="tx1">
+                    <a:tint val="75000"/>
+                  </a:schemeClr>
+                </a:solidFill>
+              </a:defRPr>
+            </a:lvl6pPr>
+            <a:lvl7pPr marL="2743200" indent="0">
+              <a:buNone/>
+              <a:defRPr sz="1600">
+                <a:solidFill>
+                  <a:schemeClr val="tx1">
+                    <a:tint val="75000"/>
+                  </a:schemeClr>
+                </a:solidFill>
+              </a:defRPr>
+            </a:lvl7pPr>
+            <a:lvl8pPr marL="3200400" indent="0">
+              <a:buNone/>
+              <a:defRPr sz="1600">
+                <a:solidFill>
+                  <a:schemeClr val="tx1">
+                    <a:tint val="75000"/>
+                  </a:schemeClr>
+                </a:solidFill>
+              </a:defRPr>
+            </a:lvl8pPr>
+            <a:lvl9pPr marL="3657600" indent="0">
+              <a:buNone/>
+              <a:defRPr sz="1600">
+                <a:solidFill>
+                  <a:schemeClr val="tx1">
+                    <a:tint val="75000"/>
+                  </a:schemeClr>
+                </a:solidFill>
+              </a:defRPr>
+            </a:lvl9pPr>
+          </a:lstStyle>
+          <a:p>
+            <a:pPr lvl="0"/>
+            <a:r>
+              <a:rPr lang="zh-CN" altLang="en-US"/>
+              <a:t>编辑母版文本样式</a:t>
+            </a:r>
+            <a:endParaRPr lang="zh-CN" altLang="en-US"/>
+          </a:p>
+        </p:txBody>
+      </p:sp>
+      <p:sp>
+        <p:nvSpPr>
+          <p:cNvPr id="4" name="日期占位符 3"/>
+          <p:cNvSpPr>
+            <a:spLocks noGrp="1"/>
+          </p:cNvSpPr>
+          <p:nvPr>
+            <p:ph type="dt" sz="half" idx="10"/>
+          </p:nvPr>
+        </p:nvSpPr>
+        <p:spPr/>
+        <p:txBody>
+          <a:bodyPr/>
+          <a:lstStyle/>
+          <a:p>
+            <a:fld id="{65DC1CC6-952B-4CA3-8B79-8125ECD3A0B7}" type="datetimeFigureOut">
+              <a:rPr lang="zh-CN" altLang="en-US" smtClean="0"/>
+            </a:fld>
+            <a:endParaRPr lang="zh-CN" altLang="en-US"/>
+          </a:p>
+        </p:txBody>
+      </p:sp>
+      <p:sp>
+        <p:nvSpPr>
+          <p:cNvPr id="5" name="页脚占位符 4"/>
+          <p:cNvSpPr>
+            <a:spLocks noGrp="1"/>
+          </p:cNvSpPr>
+          <p:nvPr>
+            <p:ph type="ftr" sz="quarter" idx="11"/>
+          </p:nvPr>
+        </p:nvSpPr>
+        <p:spPr/>
+        <p:txBody>
+          <a:bodyPr/>
+          <a:lstStyle/>
+          <a:p>
+            <a:endParaRPr lang="zh-CN" altLang="en-US"/>
+          </a:p>
+        </p:txBody>
+      </p:sp>
+      <p:sp>
+        <p:nvSpPr>
+          <p:cNvPr id="6" name="灯片编号占位符 5"/>
+          <p:cNvSpPr>
+            <a:spLocks noGrp="1"/>
+          </p:cNvSpPr>
+          <p:nvPr>
+            <p:ph type="sldNum" sz="quarter" idx="12"/>
+          </p:nvPr>
+        </p:nvSpPr>
+        <p:spPr/>
+        <p:txBody>
+          <a:bodyPr/>
+          <a:lstStyle/>
+          <a:p>
+            <a:fld id="{BA2359F1-67E5-4253-9210-F672F38C961E}" type="slidenum">
+              <a:rPr lang="zh-CN" altLang="en-US" smtClean="0"/>
+            </a:fld>
+            <a:endParaRPr lang="zh-CN" altLang="en-US"/>
+          </a:p>
+        </p:txBody>
+      </p:sp>
+    </p:spTree>
+  </p:cSld>
+  <p:clrMapOvr>
+    <a:masterClrMapping/>
+  </p:clrMapOvr>
+</p:sldLayout>
+</file>
+
+<file path=ppt/slideLayouts/slideLayout4.xml><?xml version="1.0" encoding="utf-8"?>
+<p:sldLayout xmlns:a="http://schemas.openxmlformats.org/drawingml/2006/main" xmlns:r="http://schemas.openxmlformats.org/officeDocument/2006/relationships" xmlns:p="http://schemas.openxmlformats.org/presentationml/2006/main" type="twoObj" preserve="1">
+  <p:cSld name="两栏内容">
+    <p:spTree>
+      <p:nvGrpSpPr>
+        <p:cNvPr id="1" name=""/>
+        <p:cNvGrpSpPr/>
+        <p:nvPr/>
+      </p:nvGrpSpPr>
+      <p:grpSpPr>
+        <a:xfrm>
+          <a:off x="0" y="0"/>
+          <a:ext cx="0" cy="0"/>
+          <a:chOff x="0" y="0"/>
+          <a:chExt cx="0" cy="0"/>
+        </a:xfrm>
+      </p:grpSpPr>
+      <p:sp>
+        <p:nvSpPr>
+          <p:cNvPr id="2" name="标题 1"/>
+          <p:cNvSpPr>
+            <a:spLocks noGrp="1"/>
+          </p:cNvSpPr>
+          <p:nvPr>
+            <p:ph type="title"/>
+          </p:nvPr>
+        </p:nvSpPr>
+        <p:spPr/>
+        <p:txBody>
+          <a:bodyPr/>
+          <a:lstStyle/>
+          <a:p>
+            <a:r>
+              <a:rPr lang="zh-CN" altLang="en-US"/>
+              <a:t>单击此处编辑母版标题样式</a:t>
+            </a:r>
+            <a:endParaRPr lang="zh-CN" altLang="en-US"/>
+          </a:p>
+        </p:txBody>
+      </p:sp>
+      <p:sp>
+        <p:nvSpPr>
+          <p:cNvPr id="3" name="内容占位符 2"/>
+          <p:cNvSpPr>
+            <a:spLocks noGrp="1"/>
+          </p:cNvSpPr>
+          <p:nvPr>
+            <p:ph sz="half" idx="1" hasCustomPrompt="1"/>
+          </p:nvPr>
+        </p:nvSpPr>
+        <p:spPr>
+          <a:xfrm>
+            <a:off x="838200" y="1825625"/>
+            <a:ext cx="5181600" cy="4351338"/>
+          </a:xfrm>
+        </p:spPr>
+        <p:txBody>
+          <a:bodyPr/>
+          <a:lstStyle/>
+          <a:p>
+            <a:pPr lvl="0"/>
+            <a:r>
+              <a:rPr lang="zh-CN" altLang="en-US"/>
+              <a:t>编辑母版文本样式</a:t>
+            </a:r>
+            <a:endParaRPr lang="zh-CN" altLang="en-US"/>
+          </a:p>
+          <a:p>
+            <a:pPr lvl="1"/>
+            <a:r>
+              <a:rPr lang="zh-CN" altLang="en-US"/>
+              <a:t>第二级</a:t>
+            </a:r>
+            <a:endParaRPr lang="zh-CN" altLang="en-US"/>
+          </a:p>
+          <a:p>
+            <a:pPr lvl="2"/>
+            <a:r>
+              <a:rPr lang="zh-CN" altLang="en-US"/>
+              <a:t>第三级</a:t>
+            </a:r>
+            <a:endParaRPr lang="zh-CN" altLang="en-US"/>
+          </a:p>
+          <a:p>
+            <a:pPr lvl="3"/>
+            <a:r>
+              <a:rPr lang="zh-CN" altLang="en-US"/>
+              <a:t>第四级</a:t>
+            </a:r>
+            <a:endParaRPr lang="zh-CN" altLang="en-US"/>
+          </a:p>
+          <a:p>
+            <a:pPr lvl="4"/>
+            <a:r>
+              <a:rPr lang="zh-CN" altLang="en-US"/>
+              <a:t>第五级</a:t>
+            </a:r>
+            <a:endParaRPr lang="zh-CN" altLang="en-US"/>
+          </a:p>
+        </p:txBody>
+      </p:sp>
+      <p:sp>
+        <p:nvSpPr>
+          <p:cNvPr id="4" name="内容占位符 3"/>
+          <p:cNvSpPr>
+            <a:spLocks noGrp="1"/>
+          </p:cNvSpPr>
+          <p:nvPr>
+            <p:ph sz="half" idx="2" hasCustomPrompt="1"/>
+          </p:nvPr>
+        </p:nvSpPr>
+        <p:spPr>
+          <a:xfrm>
+            <a:off x="6172200" y="1825625"/>
+            <a:ext cx="5181600" cy="4351338"/>
+          </a:xfrm>
+        </p:spPr>
+        <p:txBody>
+          <a:bodyPr/>
+          <a:lstStyle/>
+          <a:p>
+            <a:pPr lvl="0"/>
+            <a:r>
+              <a:rPr lang="zh-CN" altLang="en-US"/>
+              <a:t>编辑母版文本样式</a:t>
+            </a:r>
+            <a:endParaRPr lang="zh-CN" altLang="en-US"/>
+          </a:p>
+          <a:p>
+            <a:pPr lvl="1"/>
+            <a:r>
+              <a:rPr lang="zh-CN" altLang="en-US"/>
+              <a:t>第二级</a:t>
+            </a:r>
+            <a:endParaRPr lang="zh-CN" altLang="en-US"/>
+          </a:p>
+          <a:p>
+            <a:pPr lvl="2"/>
+            <a:r>
+              <a:rPr lang="zh-CN" altLang="en-US"/>
+              <a:t>第三级</a:t>
+            </a:r>
+            <a:endParaRPr lang="zh-CN" altLang="en-US"/>
+          </a:p>
+          <a:p>
+            <a:pPr lvl="3"/>
+            <a:r>
+              <a:rPr lang="zh-CN" altLang="en-US"/>
+              <a:t>第四级</a:t>
+            </a:r>
+            <a:endParaRPr lang="zh-CN" altLang="en-US"/>
+          </a:p>
+          <a:p>
+            <a:pPr lvl="4"/>
+            <a:r>
+              <a:rPr lang="zh-CN" altLang="en-US"/>
+              <a:t>第五级</a:t>
+            </a:r>
+            <a:endParaRPr lang="zh-CN" altLang="en-US"/>
+          </a:p>
+        </p:txBody>
+      </p:sp>
+      <p:sp>
+        <p:nvSpPr>
+          <p:cNvPr id="5" name="日期占位符 4"/>
+          <p:cNvSpPr>
+            <a:spLocks noGrp="1"/>
+          </p:cNvSpPr>
+          <p:nvPr>
+            <p:ph type="dt" sz="half" idx="10"/>
+          </p:nvPr>
+        </p:nvSpPr>
+        <p:spPr/>
+        <p:txBody>
+          <a:bodyPr/>
+          <a:lstStyle/>
+          <a:p>
+            <a:fld id="{65DC1CC6-952B-4CA3-8B79-8125ECD3A0B7}" type="datetimeFigureOut">
+              <a:rPr lang="zh-CN" altLang="en-US" smtClean="0"/>
+            </a:fld>
+            <a:endParaRPr lang="zh-CN" altLang="en-US"/>
+          </a:p>
+        </p:txBody>
+      </p:sp>
+      <p:sp>
+        <p:nvSpPr>
+          <p:cNvPr id="6" name="页脚占位符 5"/>
+          <p:cNvSpPr>
+            <a:spLocks noGrp="1"/>
+          </p:cNvSpPr>
+          <p:nvPr>
+            <p:ph type="ftr" sz="quarter" idx="11"/>
+          </p:nvPr>
+        </p:nvSpPr>
+        <p:spPr/>
+        <p:txBody>
+          <a:bodyPr/>
+          <a:lstStyle/>
+          <a:p>
+            <a:endParaRPr lang="zh-CN" altLang="en-US"/>
+          </a:p>
+        </p:txBody>
+      </p:sp>
+      <p:sp>
+        <p:nvSpPr>
+          <p:cNvPr id="7" name="灯片编号占位符 6"/>
+          <p:cNvSpPr>
+            <a:spLocks noGrp="1"/>
+          </p:cNvSpPr>
+          <p:nvPr>
+            <p:ph type="sldNum" sz="quarter" idx="12"/>
+          </p:nvPr>
+        </p:nvSpPr>
+        <p:spPr/>
+        <p:txBody>
+          <a:bodyPr/>
+          <a:lstStyle/>
+          <a:p>
+            <a:fld id="{BA2359F1-67E5-4253-9210-F672F38C961E}" type="slidenum">
+              <a:rPr lang="zh-CN" altLang="en-US" smtClean="0"/>
+            </a:fld>
+            <a:endParaRPr lang="zh-CN" altLang="en-US"/>
+          </a:p>
+        </p:txBody>
+      </p:sp>
+    </p:spTree>
+  </p:cSld>
+  <p:clrMapOvr>
+    <a:masterClrMapping/>
+  </p:clrMapOvr>
+</p:sldLayout>
+</file>
+
+<file path=ppt/slideLayouts/slideLayout5.xml><?xml version="1.0" encoding="utf-8"?>
+<p:sldLayout xmlns:a="http://schemas.openxmlformats.org/drawingml/2006/main" xmlns:r="http://schemas.openxmlformats.org/officeDocument/2006/relationships" xmlns:p="http://schemas.openxmlformats.org/presentationml/2006/main" type="twoTxTwoObj" preserve="1">
+  <p:cSld name="比较">
+    <p:spTree>
+      <p:nvGrpSpPr>
+        <p:cNvPr id="1" name=""/>
+        <p:cNvGrpSpPr/>
+        <p:nvPr/>
+      </p:nvGrpSpPr>
+      <p:grpSpPr>
+        <a:xfrm>
+          <a:off x="0" y="0"/>
+          <a:ext cx="0" cy="0"/>
+          <a:chOff x="0" y="0"/>
+          <a:chExt cx="0" cy="0"/>
+        </a:xfrm>
+      </p:grpSpPr>
+      <p:sp>
+        <p:nvSpPr>
+          <p:cNvPr id="2" name="标题 1"/>
+          <p:cNvSpPr>
+            <a:spLocks noGrp="1"/>
+          </p:cNvSpPr>
+          <p:nvPr>
+            <p:ph type="title"/>
+          </p:nvPr>
+        </p:nvSpPr>
+        <p:spPr>
+          <a:xfrm>
+            <a:off x="839788" y="365125"/>
+            <a:ext cx="10515600" cy="1325563"/>
+          </a:xfrm>
+        </p:spPr>
+        <p:txBody>
+          <a:bodyPr/>
+          <a:lstStyle/>
+          <a:p>
+            <a:r>
+              <a:rPr lang="zh-CN" altLang="en-US"/>
+              <a:t>单击此处编辑母版标题样式</a:t>
+            </a:r>
+            <a:endParaRPr lang="zh-CN" altLang="en-US"/>
+          </a:p>
+        </p:txBody>
+      </p:sp>
+      <p:sp>
+        <p:nvSpPr>
+          <p:cNvPr id="3" name="文本占位符 2"/>
+          <p:cNvSpPr>
+            <a:spLocks noGrp="1"/>
+          </p:cNvSpPr>
+          <p:nvPr>
+            <p:ph type="body" idx="1" hasCustomPrompt="1"/>
+          </p:nvPr>
+        </p:nvSpPr>
+        <p:spPr>
+          <a:xfrm>
+            <a:off x="839788" y="1681163"/>
+            <a:ext cx="5157787" cy="823912"/>
+          </a:xfrm>
+        </p:spPr>
+        <p:txBody>
+          <a:bodyPr anchor="b"/>
+          <a:lstStyle>
+            <a:lvl1pPr marL="0" indent="0">
+              <a:buNone/>
+              <a:defRPr sz="2400" b="1"/>
+            </a:lvl1pPr>
+            <a:lvl2pPr marL="457200" indent="0">
+              <a:buNone/>
+              <a:defRPr sz="2000" b="1"/>
+            </a:lvl2pPr>
+            <a:lvl3pPr marL="914400" indent="0">
+              <a:buNone/>
+              <a:defRPr sz="1800" b="1"/>
+            </a:lvl3pPr>
+            <a:lvl4pPr marL="1371600" indent="0">
+              <a:buNone/>
+              <a:defRPr sz="1600" b="1"/>
+            </a:lvl4pPr>
+            <a:lvl5pPr marL="1828800" indent="0">
+              <a:buNone/>
+              <a:defRPr sz="1600" b="1"/>
+            </a:lvl5pPr>
+            <a:lvl6pPr marL="2286000" indent="0">
+              <a:buNone/>
+              <a:defRPr sz="1600" b="1"/>
+            </a:lvl6pPr>
+            <a:lvl7pPr marL="2743200" indent="0">
+              <a:buNone/>
+              <a:defRPr sz="1600" b="1"/>
+            </a:lvl7pPr>
+            <a:lvl8pPr marL="3200400" indent="0">
+              <a:buNone/>
+              <a:defRPr sz="1600" b="1"/>
+            </a:lvl8pPr>
+            <a:lvl9pPr marL="3657600" indent="0">
+              <a:buNone/>
+              <a:defRPr sz="1600" b="1"/>
+            </a:lvl9pPr>
+          </a:lstStyle>
+          <a:p>
+            <a:pPr lvl="0"/>
+            <a:r>
+              <a:rPr lang="zh-CN" altLang="en-US"/>
+              <a:t>编辑母版文本样式</a:t>
+            </a:r>
+            <a:endParaRPr lang="zh-CN" altLang="en-US"/>
+          </a:p>
+        </p:txBody>
+      </p:sp>
+      <p:sp>
+        <p:nvSpPr>
+          <p:cNvPr id="4" name="内容占位符 3"/>
+          <p:cNvSpPr>
+            <a:spLocks noGrp="1"/>
+          </p:cNvSpPr>
+          <p:nvPr>
+            <p:ph sz="half" idx="2" hasCustomPrompt="1"/>
+          </p:nvPr>
+        </p:nvSpPr>
+        <p:spPr>
+          <a:xfrm>
+            <a:off x="839788" y="2505075"/>
+            <a:ext cx="5157787" cy="3684588"/>
+          </a:xfrm>
+        </p:spPr>
+        <p:txBody>
+          <a:bodyPr/>
+          <a:lstStyle/>
+          <a:p>
+            <a:pPr lvl="0"/>
+            <a:r>
+              <a:rPr lang="zh-CN" altLang="en-US"/>
+              <a:t>编辑母版文本样式</a:t>
+            </a:r>
+            <a:endParaRPr lang="zh-CN" altLang="en-US"/>
+          </a:p>
+          <a:p>
+            <a:pPr lvl="1"/>
+            <a:r>
+              <a:rPr lang="zh-CN" altLang="en-US"/>
+              <a:t>第二级</a:t>
+            </a:r>
+            <a:endParaRPr lang="zh-CN" altLang="en-US"/>
+          </a:p>
+          <a:p>
+            <a:pPr lvl="2"/>
+            <a:r>
+              <a:rPr lang="zh-CN" altLang="en-US"/>
+              <a:t>第三级</a:t>
+            </a:r>
+            <a:endParaRPr lang="zh-CN" altLang="en-US"/>
+          </a:p>
+          <a:p>
+            <a:pPr lvl="3"/>
+            <a:r>
+              <a:rPr lang="zh-CN" altLang="en-US"/>
+              <a:t>第四级</a:t>
+            </a:r>
+            <a:endParaRPr lang="zh-CN" altLang="en-US"/>
+          </a:p>
+          <a:p>
+            <a:pPr lvl="4"/>
+            <a:r>
+              <a:rPr lang="zh-CN" altLang="en-US"/>
+              <a:t>第五级</a:t>
+            </a:r>
+            <a:endParaRPr lang="zh-CN" altLang="en-US"/>
+          </a:p>
+        </p:txBody>
+      </p:sp>
+      <p:sp>
+        <p:nvSpPr>
+          <p:cNvPr id="5" name="文本占位符 4"/>
+          <p:cNvSpPr>
+            <a:spLocks noGrp="1"/>
+          </p:cNvSpPr>
+          <p:nvPr>
+            <p:ph type="body" sz="quarter" idx="3" hasCustomPrompt="1"/>
+          </p:nvPr>
+        </p:nvSpPr>
+        <p:spPr>
+          <a:xfrm>
+            <a:off x="6172200" y="1681163"/>
+            <a:ext cx="5183188" cy="823912"/>
+          </a:xfrm>
+        </p:spPr>
+        <p:txBody>
+          <a:bodyPr anchor="b"/>
+          <a:lstStyle>
+            <a:lvl1pPr marL="0" indent="0">
+              <a:buNone/>
+              <a:defRPr sz="2400" b="1"/>
+            </a:lvl1pPr>
+            <a:lvl2pPr marL="457200" indent="0">
+              <a:buNone/>
+              <a:defRPr sz="2000" b="1"/>
+            </a:lvl2pPr>
+            <a:lvl3pPr marL="914400" indent="0">
+              <a:buNone/>
+              <a:defRPr sz="1800" b="1"/>
+            </a:lvl3pPr>
+            <a:lvl4pPr marL="1371600" indent="0">
+              <a:buNone/>
+              <a:defRPr sz="1600" b="1"/>
+            </a:lvl4pPr>
+            <a:lvl5pPr marL="1828800" indent="0">
+              <a:buNone/>
+              <a:defRPr sz="1600" b="1"/>
+            </a:lvl5pPr>
+            <a:lvl6pPr marL="2286000" indent="0">
+              <a:buNone/>
+              <a:defRPr sz="1600" b="1"/>
+            </a:lvl6pPr>
+            <a:lvl7pPr marL="2743200" indent="0">
+              <a:buNone/>
+              <a:defRPr sz="1600" b="1"/>
+            </a:lvl7pPr>
+            <a:lvl8pPr marL="3200400" indent="0">
+              <a:buNone/>
+              <a:defRPr sz="1600" b="1"/>
+            </a:lvl8pPr>
+            <a:lvl9pPr marL="3657600" indent="0">
+              <a:buNone/>
+              <a:defRPr sz="1600" b="1"/>
+            </a:lvl9pPr>
+          </a:lstStyle>
+          <a:p>
+            <a:pPr lvl="0"/>
+            <a:r>
+              <a:rPr lang="zh-CN" altLang="en-US"/>
+              <a:t>编辑母版文本样式</a:t>
+            </a:r>
+            <a:endParaRPr lang="zh-CN" altLang="en-US"/>
+          </a:p>
+        </p:txBody>
+      </p:sp>
+      <p:sp>
+        <p:nvSpPr>
+          <p:cNvPr id="6" name="内容占位符 5"/>
+          <p:cNvSpPr>
+            <a:spLocks noGrp="1"/>
+          </p:cNvSpPr>
+          <p:nvPr>
+            <p:ph sz="quarter" idx="4" hasCustomPrompt="1"/>
+          </p:nvPr>
+        </p:nvSpPr>
+        <p:spPr>
+          <a:xfrm>
+            <a:off x="6172200" y="2505075"/>
+            <a:ext cx="5183188" cy="3684588"/>
+          </a:xfrm>
+        </p:spPr>
+        <p:txBody>
+          <a:bodyPr/>
+          <a:lstStyle/>
+          <a:p>
+            <a:pPr lvl="0"/>
+            <a:r>
+              <a:rPr lang="zh-CN" altLang="en-US"/>
+              <a:t>编辑母版文本样式</a:t>
+            </a:r>
+            <a:endParaRPr lang="zh-CN" altLang="en-US"/>
+          </a:p>
+          <a:p>
+            <a:pPr lvl="1"/>
+            <a:r>
+              <a:rPr lang="zh-CN" altLang="en-US"/>
+              <a:t>第二级</a:t>
+            </a:r>
+            <a:endParaRPr lang="zh-CN" altLang="en-US"/>
+          </a:p>
+          <a:p>
+            <a:pPr lvl="2"/>
+            <a:r>
+              <a:rPr lang="zh-CN" altLang="en-US"/>
+              <a:t>第三级</a:t>
+            </a:r>
+            <a:endParaRPr lang="zh-CN" altLang="en-US"/>
+          </a:p>
+          <a:p>
+            <a:pPr lvl="3"/>
+            <a:r>
+              <a:rPr lang="zh-CN" altLang="en-US"/>
+              <a:t>第四级</a:t>
+            </a:r>
+            <a:endParaRPr lang="zh-CN" altLang="en-US"/>
+          </a:p>
+          <a:p>
+            <a:pPr lvl="4"/>
+            <a:r>
+              <a:rPr lang="zh-CN" altLang="en-US"/>
+              <a:t>第五级</a:t>
+            </a:r>
+            <a:endParaRPr lang="zh-CN" altLang="en-US"/>
+          </a:p>
+        </p:txBody>
+      </p:sp>
+      <p:sp>
+        <p:nvSpPr>
+          <p:cNvPr id="7" name="日期占位符 6"/>
+          <p:cNvSpPr>
+            <a:spLocks noGrp="1"/>
+          </p:cNvSpPr>
+          <p:nvPr>
+            <p:ph type="dt" sz="half" idx="10"/>
+          </p:nvPr>
+        </p:nvSpPr>
+        <p:spPr/>
+        <p:txBody>
+          <a:bodyPr/>
+          <a:lstStyle/>
+          <a:p>
+            <a:fld id="{65DC1CC6-952B-4CA3-8B79-8125ECD3A0B7}" type="datetimeFigureOut">
+              <a:rPr lang="zh-CN" altLang="en-US" smtClean="0"/>
+            </a:fld>
+            <a:endParaRPr lang="zh-CN" altLang="en-US"/>
+          </a:p>
+        </p:txBody>
+      </p:sp>
+      <p:sp>
+        <p:nvSpPr>
+          <p:cNvPr id="8" name="页脚占位符 7"/>
+          <p:cNvSpPr>
+            <a:spLocks noGrp="1"/>
+          </p:cNvSpPr>
+          <p:nvPr>
+            <p:ph type="ftr" sz="quarter" idx="11"/>
+          </p:nvPr>
+        </p:nvSpPr>
+        <p:spPr/>
+        <p:txBody>
+          <a:bodyPr/>
+          <a:lstStyle/>
+          <a:p>
+            <a:endParaRPr lang="zh-CN" altLang="en-US"/>
+          </a:p>
+        </p:txBody>
+      </p:sp>
+      <p:sp>
+        <p:nvSpPr>
+          <p:cNvPr id="9" name="灯片编号占位符 8"/>
+          <p:cNvSpPr>
+            <a:spLocks noGrp="1"/>
+          </p:cNvSpPr>
+          <p:nvPr>
+            <p:ph type="sldNum" sz="quarter" idx="12"/>
+          </p:nvPr>
+        </p:nvSpPr>
+        <p:spPr/>
+        <p:txBody>
+          <a:bodyPr/>
+          <a:lstStyle/>
+          <a:p>
+            <a:fld id="{BA2359F1-67E5-4253-9210-F672F38C961E}" type="slidenum">
+              <a:rPr lang="zh-CN" altLang="en-US" smtClean="0"/>
+            </a:fld>
+            <a:endParaRPr lang="zh-CN" altLang="en-US"/>
+          </a:p>
+        </p:txBody>
+      </p:sp>
+    </p:spTree>
+  </p:cSld>
+  <p:clrMapOvr>
+    <a:masterClrMapping/>
+  </p:clrMapOvr>
+</p:sldLayout>
+</file>
+
+<file path=ppt/slideLayouts/slideLayout6.xml><?xml version="1.0" encoding="utf-8"?>
+<p:sldLayout xmlns:a="http://schemas.openxmlformats.org/drawingml/2006/main" xmlns:r="http://schemas.openxmlformats.org/officeDocument/2006/relationships" xmlns:p="http://schemas.openxmlformats.org/presentationml/2006/main" type="titleOnly" preserve="1">
+  <p:cSld name="仅标题">
+    <p:spTree>
+      <p:nvGrpSpPr>
+        <p:cNvPr id="1" name=""/>
+        <p:cNvGrpSpPr/>
+        <p:nvPr/>
+      </p:nvGrpSpPr>
+      <p:grpSpPr>
+        <a:xfrm>
+          <a:off x="0" y="0"/>
+          <a:ext cx="0" cy="0"/>
+          <a:chOff x="0" y="0"/>
+          <a:chExt cx="0" cy="0"/>
+        </a:xfrm>
+      </p:grpSpPr>
+      <p:sp>
+        <p:nvSpPr>
+          <p:cNvPr id="2" name="标题 1"/>
+          <p:cNvSpPr>
+            <a:spLocks noGrp="1"/>
+          </p:cNvSpPr>
+          <p:nvPr>
+            <p:ph type="title"/>
+          </p:nvPr>
+        </p:nvSpPr>
+        <p:spPr/>
+        <p:txBody>
+          <a:bodyPr/>
+          <a:lstStyle/>
+          <a:p>
+            <a:r>
+              <a:rPr lang="zh-CN" altLang="en-US"/>
+              <a:t>单击此处编辑母版标题样式</a:t>
+            </a:r>
+            <a:endParaRPr lang="zh-CN" altLang="en-US"/>
+          </a:p>
+        </p:txBody>
+      </p:sp>
+      <p:sp>
+        <p:nvSpPr>
+          <p:cNvPr id="3" name="日期占位符 2"/>
+          <p:cNvSpPr>
+            <a:spLocks noGrp="1"/>
+          </p:cNvSpPr>
+          <p:nvPr>
+            <p:ph type="dt" sz="half" idx="10"/>
+          </p:nvPr>
+        </p:nvSpPr>
+        <p:spPr/>
+        <p:txBody>
+          <a:bodyPr/>
+          <a:lstStyle/>
+          <a:p>
+            <a:fld id="{65DC1CC6-952B-4CA3-8B79-8125ECD3A0B7}" type="datetimeFigureOut">
+              <a:rPr lang="zh-CN" altLang="en-US" smtClean="0"/>
+            </a:fld>
+            <a:endParaRPr lang="zh-CN" altLang="en-US"/>
+          </a:p>
+        </p:txBody>
+      </p:sp>
+      <p:sp>
+        <p:nvSpPr>
+          <p:cNvPr id="4" name="页脚占位符 3"/>
+          <p:cNvSpPr>
+            <a:spLocks noGrp="1"/>
+          </p:cNvSpPr>
+          <p:nvPr>
+            <p:ph type="ftr" sz="quarter" idx="11"/>
+          </p:nvPr>
+        </p:nvSpPr>
+        <p:spPr/>
+        <p:txBody>
+          <a:bodyPr/>
+          <a:lstStyle/>
+          <a:p>
+            <a:endParaRPr lang="zh-CN" altLang="en-US"/>
+          </a:p>
+        </p:txBody>
+      </p:sp>
+      <p:sp>
+        <p:nvSpPr>
+          <p:cNvPr id="5" name="灯片编号占位符 4"/>
+          <p:cNvSpPr>
+            <a:spLocks noGrp="1"/>
+          </p:cNvSpPr>
+          <p:nvPr>
+            <p:ph type="sldNum" sz="quarter" idx="12"/>
+          </p:nvPr>
+        </p:nvSpPr>
+        <p:spPr/>
+        <p:txBody>
+          <a:bodyPr/>
+          <a:lstStyle/>
+          <a:p>
+            <a:fld id="{BA2359F1-67E5-4253-9210-F672F38C961E}" type="slidenum">
+              <a:rPr lang="zh-CN" altLang="en-US" smtClean="0"/>
+            </a:fld>
+            <a:endParaRPr lang="zh-CN" altLang="en-US"/>
+          </a:p>
+        </p:txBody>
+      </p:sp>
+    </p:spTree>
+  </p:cSld>
+  <p:clrMapOvr>
+    <a:masterClrMapping/>
+  </p:clrMapOvr>
+</p:sldLayout>
+</file>
+
+<file path=ppt/slideLayouts/slideLayout7.xml><?xml version="1.0" encoding="utf-8"?>
+<p:sldLayout xmlns:a="http://schemas.openxmlformats.org/drawingml/2006/main" xmlns:r="http://schemas.openxmlformats.org/officeDocument/2006/relationships" xmlns:p="http://schemas.openxmlformats.org/presentationml/2006/main" type="blank" preserve="1">
+  <p:cSld name="空白">
+    <p:spTree>
+      <p:nvGrpSpPr>
+        <p:cNvPr id="1" name=""/>
+        <p:cNvGrpSpPr/>
+        <p:nvPr/>
+      </p:nvGrpSpPr>
+      <p:grpSpPr>
+        <a:xfrm>
+          <a:off x="0" y="0"/>
+          <a:ext cx="0" cy="0"/>
+          <a:chOff x="0" y="0"/>
+          <a:chExt cx="0" cy="0"/>
+        </a:xfrm>
+      </p:grpSpPr>
+      <p:sp>
+        <p:nvSpPr>
+          <p:cNvPr id="2" name="日期占位符 1"/>
+          <p:cNvSpPr>
+            <a:spLocks noGrp="1"/>
+          </p:cNvSpPr>
+          <p:nvPr>
+            <p:ph type="dt" sz="half" idx="10"/>
+          </p:nvPr>
+        </p:nvSpPr>
+        <p:spPr/>
+        <p:txBody>
+          <a:bodyPr/>
+          <a:lstStyle/>
+          <a:p>
+            <a:fld id="{65DC1CC6-952B-4CA3-8B79-8125ECD3A0B7}" type="datetimeFigureOut">
+              <a:rPr lang="zh-CN" altLang="en-US" smtClean="0"/>
+            </a:fld>
+            <a:endParaRPr lang="zh-CN" altLang="en-US"/>
+          </a:p>
+        </p:txBody>
+      </p:sp>
+      <p:sp>
+        <p:nvSpPr>
+          <p:cNvPr id="3" name="页脚占位符 2"/>
+          <p:cNvSpPr>
+            <a:spLocks noGrp="1"/>
+          </p:cNvSpPr>
+          <p:nvPr>
+            <p:ph type="ftr" sz="quarter" idx="11"/>
+          </p:nvPr>
+        </p:nvSpPr>
+        <p:spPr/>
+        <p:txBody>
+          <a:bodyPr/>
+          <a:lstStyle/>
+          <a:p>
+            <a:endParaRPr lang="zh-CN" altLang="en-US"/>
+          </a:p>
+        </p:txBody>
+      </p:sp>
+      <p:sp>
+        <p:nvSpPr>
+          <p:cNvPr id="4" name="灯片编号占位符 3"/>
+          <p:cNvSpPr>
+            <a:spLocks noGrp="1"/>
+          </p:cNvSpPr>
+          <p:nvPr>
+            <p:ph type="sldNum" sz="quarter" idx="12"/>
+          </p:nvPr>
+        </p:nvSpPr>
+        <p:spPr/>
+        <p:txBody>
+          <a:bodyPr/>
+          <a:lstStyle/>
+          <a:p>
+            <a:fld id="{BA2359F1-67E5-4253-9210-F672F38C961E}" type="slidenum">
+              <a:rPr lang="zh-CN" altLang="en-US" smtClean="0"/>
+            </a:fld>
+            <a:endParaRPr lang="zh-CN" altLang="en-US"/>
+          </a:p>
+        </p:txBody>
+      </p:sp>
+    </p:spTree>
+  </p:cSld>
+  <p:clrMapOvr>
+    <a:masterClrMapping/>
+  </p:clrMapOvr>
+</p:sldLayout>
+</file>
+
+<file path=ppt/slideLayouts/slideLayout8.xml><?xml version="1.0" encoding="utf-8"?>
+<p:sldLayout xmlns:a="http://schemas.openxmlformats.org/drawingml/2006/main" xmlns:r="http://schemas.openxmlformats.org/officeDocument/2006/relationships" xmlns:p="http://schemas.openxmlformats.org/presentationml/2006/main" type="objTx" preserve="1">
+  <p:cSld name="内容与标题">
+    <p:spTree>
+      <p:nvGrpSpPr>
+        <p:cNvPr id="1" name=""/>
+        <p:cNvGrpSpPr/>
+        <p:nvPr/>
+      </p:nvGrpSpPr>
+      <p:grpSpPr>
+        <a:xfrm>
+          <a:off x="0" y="0"/>
+          <a:ext cx="0" cy="0"/>
+          <a:chOff x="0" y="0"/>
+          <a:chExt cx="0" cy="0"/>
+        </a:xfrm>
+      </p:grpSpPr>
+      <p:sp>
+        <p:nvSpPr>
+          <p:cNvPr id="2" name="标题 1"/>
+          <p:cNvSpPr>
+            <a:spLocks noGrp="1"/>
+          </p:cNvSpPr>
+          <p:nvPr>
+            <p:ph type="title"/>
+          </p:nvPr>
+        </p:nvSpPr>
+        <p:spPr>
+          <a:xfrm>
+            <a:off x="839788" y="457200"/>
+            <a:ext cx="3932237" cy="1600200"/>
+          </a:xfrm>
+        </p:spPr>
+        <p:txBody>
+          <a:bodyPr anchor="b"/>
+          <a:lstStyle>
+            <a:lvl1pPr>
+              <a:defRPr sz="3200"/>
+            </a:lvl1pPr>
+          </a:lstStyle>
+          <a:p>
+            <a:r>
+              <a:rPr lang="zh-CN" altLang="en-US"/>
+              <a:t>单击此处编辑母版标题样式</a:t>
+            </a:r>
+            <a:endParaRPr lang="zh-CN" altLang="en-US"/>
+          </a:p>
+        </p:txBody>
+      </p:sp>
+      <p:sp>
+        <p:nvSpPr>
+          <p:cNvPr id="3" name="内容占位符 2"/>
+          <p:cNvSpPr>
+            <a:spLocks noGrp="1"/>
+          </p:cNvSpPr>
+          <p:nvPr>
+            <p:ph idx="1" hasCustomPrompt="1"/>
+          </p:nvPr>
+        </p:nvSpPr>
+        <p:spPr>
+          <a:xfrm>
+            <a:off x="5183188" y="987425"/>
+            <a:ext cx="6172200" cy="4873625"/>
+          </a:xfrm>
+        </p:spPr>
+        <p:txBody>
+          <a:bodyPr/>
+          <a:lstStyle>
+            <a:lvl1pPr>
+              <a:defRPr sz="3200"/>
+            </a:lvl1pPr>
+            <a:lvl2pPr>
+              <a:defRPr sz="2800"/>
+            </a:lvl2pPr>
+            <a:lvl3pPr>
+              <a:defRPr sz="2400"/>
+            </a:lvl3pPr>
+            <a:lvl4pPr>
+              <a:defRPr sz="2000"/>
+            </a:lvl4pPr>
+            <a:lvl5pPr>
+              <a:defRPr sz="2000"/>
+            </a:lvl5pPr>
+            <a:lvl6pPr>
+              <a:defRPr sz="2000"/>
+            </a:lvl6pPr>
+            <a:lvl7pPr>
+              <a:defRPr sz="2000"/>
+            </a:lvl7pPr>
+            <a:lvl8pPr>
+              <a:defRPr sz="2000"/>
+            </a:lvl8pPr>
+            <a:lvl9pPr>
+              <a:defRPr sz="2000"/>
+            </a:lvl9pPr>
+          </a:lstStyle>
+          <a:p>
+            <a:pPr lvl="0"/>
+            <a:r>
+              <a:rPr lang="zh-CN" altLang="en-US"/>
+              <a:t>编辑母版文本样式</a:t>
+            </a:r>
+            <a:endParaRPr lang="zh-CN" altLang="en-US"/>
+          </a:p>
+          <a:p>
+            <a:pPr lvl="1"/>
+            <a:r>
+              <a:rPr lang="zh-CN" altLang="en-US"/>
+              <a:t>第二级</a:t>
+            </a:r>
+            <a:endParaRPr lang="zh-CN" altLang="en-US"/>
+          </a:p>
+          <a:p>
+            <a:pPr lvl="2"/>
+            <a:r>
+              <a:rPr lang="zh-CN" altLang="en-US"/>
+              <a:t>第三级</a:t>
+            </a:r>
+            <a:endParaRPr lang="zh-CN" altLang="en-US"/>
+          </a:p>
+          <a:p>
+            <a:pPr lvl="3"/>
+            <a:r>
+              <a:rPr lang="zh-CN" altLang="en-US"/>
+              <a:t>第四级</a:t>
+            </a:r>
+            <a:endParaRPr lang="zh-CN" altLang="en-US"/>
+          </a:p>
+          <a:p>
+            <a:pPr lvl="4"/>
+            <a:r>
+              <a:rPr lang="zh-CN" altLang="en-US"/>
+              <a:t>第五级</a:t>
+            </a:r>
+            <a:endParaRPr lang="zh-CN" altLang="en-US"/>
+          </a:p>
+        </p:txBody>
+      </p:sp>
+      <p:sp>
+        <p:nvSpPr>
+          <p:cNvPr id="4" name="文本占位符 3"/>
+          <p:cNvSpPr>
+            <a:spLocks noGrp="1"/>
+          </p:cNvSpPr>
+          <p:nvPr>
+            <p:ph type="body" sz="half" idx="2" hasCustomPrompt="1"/>
+          </p:nvPr>
+        </p:nvSpPr>
+        <p:spPr>
+          <a:xfrm>
+            <a:off x="839788" y="2057400"/>
+            <a:ext cx="3932237" cy="3811588"/>
+          </a:xfrm>
+        </p:spPr>
+        <p:txBody>
+          <a:bodyPr/>
+          <a:lstStyle>
+            <a:lvl1pPr marL="0" indent="0">
+              <a:buNone/>
+              <a:defRPr sz="1600"/>
+            </a:lvl1pPr>
+            <a:lvl2pPr marL="457200" indent="0">
+              <a:buNone/>
+              <a:defRPr sz="1400"/>
+            </a:lvl2pPr>
+            <a:lvl3pPr marL="914400" indent="0">
+              <a:buNone/>
+              <a:defRPr sz="1200"/>
+            </a:lvl3pPr>
+            <a:lvl4pPr marL="1371600" indent="0">
+              <a:buNone/>
+              <a:defRPr sz="1000"/>
+            </a:lvl4pPr>
+            <a:lvl5pPr marL="1828800" indent="0">
+              <a:buNone/>
+              <a:defRPr sz="1000"/>
+            </a:lvl5pPr>
+            <a:lvl6pPr marL="2286000" indent="0">
+              <a:buNone/>
+              <a:defRPr sz="1000"/>
+            </a:lvl6pPr>
+            <a:lvl7pPr marL="2743200" indent="0">
+              <a:buNone/>
+              <a:defRPr sz="1000"/>
+            </a:lvl7pPr>
+            <a:lvl8pPr marL="3200400" indent="0">
+              <a:buNone/>
+              <a:defRPr sz="1000"/>
+            </a:lvl8pPr>
+            <a:lvl9pPr marL="3657600" indent="0">
+              <a:buNone/>
+              <a:defRPr sz="1000"/>
+            </a:lvl9pPr>
+          </a:lstStyle>
+          <a:p>
+            <a:pPr lvl="0"/>
+            <a:r>
+              <a:rPr lang="zh-CN" altLang="en-US"/>
+              <a:t>编辑母版文本样式</a:t>
+            </a:r>
+            <a:endParaRPr lang="zh-CN" altLang="en-US"/>
+          </a:p>
+        </p:txBody>
+      </p:sp>
+      <p:sp>
+        <p:nvSpPr>
+          <p:cNvPr id="5" name="日期占位符 4"/>
+          <p:cNvSpPr>
+            <a:spLocks noGrp="1"/>
+          </p:cNvSpPr>
+          <p:nvPr>
+            <p:ph type="dt" sz="half" idx="10"/>
+          </p:nvPr>
+        </p:nvSpPr>
+        <p:spPr/>
+        <p:txBody>
+          <a:bodyPr/>
+          <a:lstStyle/>
+          <a:p>
+            <a:fld id="{65DC1CC6-952B-4CA3-8B79-8125ECD3A0B7}" type="datetimeFigureOut">
+              <a:rPr lang="zh-CN" altLang="en-US" smtClean="0"/>
+            </a:fld>
+            <a:endParaRPr lang="zh-CN" altLang="en-US"/>
+          </a:p>
+        </p:txBody>
+      </p:sp>
+      <p:sp>
+        <p:nvSpPr>
+          <p:cNvPr id="6" name="页脚占位符 5"/>
+          <p:cNvSpPr>
+            <a:spLocks noGrp="1"/>
+          </p:cNvSpPr>
+          <p:nvPr>
+            <p:ph type="ftr" sz="quarter" idx="11"/>
+          </p:nvPr>
+        </p:nvSpPr>
+        <p:spPr/>
+        <p:txBody>
+          <a:bodyPr/>
+          <a:lstStyle/>
+          <a:p>
+            <a:endParaRPr lang="zh-CN" altLang="en-US"/>
+          </a:p>
+        </p:txBody>
+      </p:sp>
+      <p:sp>
+        <p:nvSpPr>
+          <p:cNvPr id="7" name="灯片编号占位符 6"/>
+          <p:cNvSpPr>
+            <a:spLocks noGrp="1"/>
+          </p:cNvSpPr>
+          <p:nvPr>
+            <p:ph type="sldNum" sz="quarter" idx="12"/>
+          </p:nvPr>
+        </p:nvSpPr>
+        <p:spPr/>
+        <p:txBody>
+          <a:bodyPr/>
+          <a:lstStyle/>
+          <a:p>
+            <a:fld id="{BA2359F1-67E5-4253-9210-F672F38C961E}" type="slidenum">
+              <a:rPr lang="zh-CN" altLang="en-US" smtClean="0"/>
+            </a:fld>
+            <a:endParaRPr lang="zh-CN" altLang="en-US"/>
+          </a:p>
+        </p:txBody>
+      </p:sp>
+    </p:spTree>
   </p:cSld>
   <p:clrMapOvr>
     <a:masterClrMapping/>
@@ -3384,13 +5499,7 @@
       </p:grpSpPr>
       <p:sp>
         <p:nvSpPr>
-          <p:cNvPr id="2" name="标题 1">
-            <a:extLst>
-              <a:ext uri="{FF2B5EF4-FFF2-40B4-BE49-F238E27FC236}">
-                <a16:creationId xmlns:a16="http://schemas.microsoft.com/office/drawing/2014/main" id="{D96C0747-1FEB-4AE3-BCC0-6AC19F893CA5}"/>
-              </a:ext>
-            </a:extLst>
-          </p:cNvPr>
+          <p:cNvPr id="2" name="标题 1"/>
           <p:cNvSpPr>
             <a:spLocks noGrp="1"/>
           </p:cNvSpPr>
@@ -3416,18 +5525,13 @@
               <a:rPr lang="zh-CN" altLang="en-US"/>
               <a:t>单击此处编辑母版标题样式</a:t>
             </a:r>
-          </a:p>
-        </p:txBody>
-      </p:sp>
-      <p:sp>
-        <p:nvSpPr>
-          <p:cNvPr id="3" name="图片占位符 2">
-            <a:extLst>
-              <a:ext uri="{FF2B5EF4-FFF2-40B4-BE49-F238E27FC236}">
-                <a16:creationId xmlns:a16="http://schemas.microsoft.com/office/drawing/2014/main" id="{3025259A-77C3-45EA-8E2B-7093255D4819}"/>
-              </a:ext>
-            </a:extLst>
-          </p:cNvPr>
+            <a:endParaRPr lang="zh-CN" altLang="en-US"/>
+          </a:p>
+        </p:txBody>
+      </p:sp>
+      <p:sp>
+        <p:nvSpPr>
+          <p:cNvPr id="3" name="图片占位符 2"/>
           <p:cNvSpPr>
             <a:spLocks noGrp="1"/>
           </p:cNvSpPr>
@@ -3488,18 +5592,12 @@
       </p:sp>
       <p:sp>
         <p:nvSpPr>
-          <p:cNvPr id="4" name="文本占位符 3">
-            <a:extLst>
-              <a:ext uri="{FF2B5EF4-FFF2-40B4-BE49-F238E27FC236}">
-                <a16:creationId xmlns:a16="http://schemas.microsoft.com/office/drawing/2014/main" id="{E2ECF39E-8FDC-484D-A03F-7C18FD17D3F2}"/>
-              </a:ext>
-            </a:extLst>
-          </p:cNvPr>
-          <p:cNvSpPr>
-            <a:spLocks noGrp="1"/>
-          </p:cNvSpPr>
-          <p:nvPr>
-            <p:ph type="body" sz="half" idx="2"/>
+          <p:cNvPr id="4" name="文本占位符 3"/>
+          <p:cNvSpPr>
+            <a:spLocks noGrp="1"/>
+          </p:cNvSpPr>
+          <p:nvPr>
+            <p:ph type="body" sz="half" idx="2" hasCustomPrompt="1"/>
           </p:nvPr>
         </p:nvSpPr>
         <p:spPr>
@@ -3554,18 +5652,13 @@
               <a:rPr lang="zh-CN" altLang="en-US"/>
               <a:t>编辑母版文本样式</a:t>
             </a:r>
-          </a:p>
-        </p:txBody>
-      </p:sp>
-      <p:sp>
-        <p:nvSpPr>
-          <p:cNvPr id="5" name="日期占位符 4">
-            <a:extLst>
-              <a:ext uri="{FF2B5EF4-FFF2-40B4-BE49-F238E27FC236}">
-                <a16:creationId xmlns:a16="http://schemas.microsoft.com/office/drawing/2014/main" id="{82BA0E3E-4E02-4078-BD44-127149BD8ACC}"/>
-              </a:ext>
-            </a:extLst>
-          </p:cNvPr>
+            <a:endParaRPr lang="zh-CN" altLang="en-US"/>
+          </a:p>
+        </p:txBody>
+      </p:sp>
+      <p:sp>
+        <p:nvSpPr>
+          <p:cNvPr id="5" name="日期占位符 4"/>
           <p:cNvSpPr>
             <a:spLocks noGrp="1"/>
           </p:cNvSpPr>
@@ -3580,7 +5673,6 @@
           <a:p>
             <a:fld id="{65DC1CC6-952B-4CA3-8B79-8125ECD3A0B7}" type="datetimeFigureOut">
               <a:rPr lang="zh-CN" altLang="en-US" smtClean="0"/>
-              <a:t>2020/2/22</a:t>
             </a:fld>
             <a:endParaRPr lang="zh-CN" altLang="en-US"/>
           </a:p>
@@ -3588,13 +5680,7 @@
       </p:sp>
       <p:sp>
         <p:nvSpPr>
-          <p:cNvPr id="6" name="页脚占位符 5">
-            <a:extLst>
-              <a:ext uri="{FF2B5EF4-FFF2-40B4-BE49-F238E27FC236}">
-                <a16:creationId xmlns:a16="http://schemas.microsoft.com/office/drawing/2014/main" id="{4867587C-6011-4C01-A713-C8908CF902D4}"/>
-              </a:ext>
-            </a:extLst>
-          </p:cNvPr>
+          <p:cNvPr id="6" name="页脚占位符 5"/>
           <p:cNvSpPr>
             <a:spLocks noGrp="1"/>
           </p:cNvSpPr>
@@ -3613,13 +5699,7 @@
       </p:sp>
       <p:sp>
         <p:nvSpPr>
-          <p:cNvPr id="7" name="灯片编号占位符 6">
-            <a:extLst>
-              <a:ext uri="{FF2B5EF4-FFF2-40B4-BE49-F238E27FC236}">
-                <a16:creationId xmlns:a16="http://schemas.microsoft.com/office/drawing/2014/main" id="{CA1DC609-2A6B-46E9-88D9-F3D2E8559001}"/>
-              </a:ext>
-            </a:extLst>
-          </p:cNvPr>
+          <p:cNvPr id="7" name="灯片编号占位符 6"/>
           <p:cNvSpPr>
             <a:spLocks noGrp="1"/>
           </p:cNvSpPr>
@@ -3634,18 +5714,12 @@
           <a:p>
             <a:fld id="{BA2359F1-67E5-4253-9210-F672F38C961E}" type="slidenum">
               <a:rPr lang="zh-CN" altLang="en-US" smtClean="0"/>
-              <a:t>‹#›</a:t>
             </a:fld>
             <a:endParaRPr lang="zh-CN" altLang="en-US"/>
           </a:p>
         </p:txBody>
       </p:sp>
     </p:spTree>
-    <p:extLst>
-      <p:ext uri="{BB962C8B-B14F-4D97-AF65-F5344CB8AC3E}">
-        <p14:creationId xmlns:p14="http://schemas.microsoft.com/office/powerpoint/2010/main" val="4036367376"/>
-      </p:ext>
-    </p:extLst>
   </p:cSld>
   <p:clrMapOvr>
     <a:masterClrMapping/>
@@ -3677,13 +5751,7 @@
       </p:grpSpPr>
       <p:sp>
         <p:nvSpPr>
-          <p:cNvPr id="2" name="标题占位符 1">
-            <a:extLst>
-              <a:ext uri="{FF2B5EF4-FFF2-40B4-BE49-F238E27FC236}">
-                <a16:creationId xmlns:a16="http://schemas.microsoft.com/office/drawing/2014/main" id="{376E8C51-9287-46EA-BC6A-537A1DEC6A42}"/>
-              </a:ext>
-            </a:extLst>
-          </p:cNvPr>
+          <p:cNvPr id="2" name="标题占位符 1"/>
           <p:cNvSpPr>
             <a:spLocks noGrp="1"/>
           </p:cNvSpPr>
@@ -3710,18 +5778,13 @@
               <a:rPr lang="zh-CN" altLang="en-US"/>
               <a:t>单击此处编辑母版标题样式</a:t>
             </a:r>
-          </a:p>
-        </p:txBody>
-      </p:sp>
-      <p:sp>
-        <p:nvSpPr>
-          <p:cNvPr id="3" name="文本占位符 2">
-            <a:extLst>
-              <a:ext uri="{FF2B5EF4-FFF2-40B4-BE49-F238E27FC236}">
-                <a16:creationId xmlns:a16="http://schemas.microsoft.com/office/drawing/2014/main" id="{F7D1E511-D145-4D9E-BA17-71807EC3533E}"/>
-              </a:ext>
-            </a:extLst>
-          </p:cNvPr>
+            <a:endParaRPr lang="zh-CN" altLang="en-US"/>
+          </a:p>
+        </p:txBody>
+      </p:sp>
+      <p:sp>
+        <p:nvSpPr>
+          <p:cNvPr id="3" name="文本占位符 2"/>
           <p:cNvSpPr>
             <a:spLocks noGrp="1"/>
           </p:cNvSpPr>
@@ -3749,6 +5812,7 @@
               <a:rPr lang="zh-CN" altLang="en-US"/>
               <a:t>编辑母版文本样式</a:t>
             </a:r>
+            <a:endParaRPr lang="zh-CN" altLang="en-US"/>
           </a:p>
           <a:p>
             <a:pPr lvl="1"/>
@@ -3756,6 +5820,7 @@
               <a:rPr lang="zh-CN" altLang="en-US"/>
               <a:t>第二级</a:t>
             </a:r>
+            <a:endParaRPr lang="zh-CN" altLang="en-US"/>
           </a:p>
           <a:p>
             <a:pPr lvl="2"/>
@@ -3763,6 +5828,7 @@
               <a:rPr lang="zh-CN" altLang="en-US"/>
               <a:t>第三级</a:t>
             </a:r>
+            <a:endParaRPr lang="zh-CN" altLang="en-US"/>
           </a:p>
           <a:p>
             <a:pPr lvl="3"/>
@@ -3770,6 +5836,7 @@
               <a:rPr lang="zh-CN" altLang="en-US"/>
               <a:t>第四级</a:t>
             </a:r>
+            <a:endParaRPr lang="zh-CN" altLang="en-US"/>
           </a:p>
           <a:p>
             <a:pPr lvl="4"/>
@@ -3777,18 +5844,13 @@
               <a:rPr lang="zh-CN" altLang="en-US"/>
               <a:t>第五级</a:t>
             </a:r>
-          </a:p>
-        </p:txBody>
-      </p:sp>
-      <p:sp>
-        <p:nvSpPr>
-          <p:cNvPr id="4" name="日期占位符 3">
-            <a:extLst>
-              <a:ext uri="{FF2B5EF4-FFF2-40B4-BE49-F238E27FC236}">
-                <a16:creationId xmlns:a16="http://schemas.microsoft.com/office/drawing/2014/main" id="{F98B2305-544D-4324-BF78-5E10C2A621F4}"/>
-              </a:ext>
-            </a:extLst>
-          </p:cNvPr>
+            <a:endParaRPr lang="zh-CN" altLang="en-US"/>
+          </a:p>
+        </p:txBody>
+      </p:sp>
+      <p:sp>
+        <p:nvSpPr>
+          <p:cNvPr id="4" name="日期占位符 3"/>
           <p:cNvSpPr>
             <a:spLocks noGrp="1"/>
           </p:cNvSpPr>
@@ -3821,7 +5883,6 @@
           <a:p>
             <a:fld id="{65DC1CC6-952B-4CA3-8B79-8125ECD3A0B7}" type="datetimeFigureOut">
               <a:rPr lang="zh-CN" altLang="en-US" smtClean="0"/>
-              <a:t>2020/2/22</a:t>
             </a:fld>
             <a:endParaRPr lang="zh-CN" altLang="en-US"/>
           </a:p>
@@ -3829,13 +5890,7 @@
       </p:sp>
       <p:sp>
         <p:nvSpPr>
-          <p:cNvPr id="5" name="页脚占位符 4">
-            <a:extLst>
-              <a:ext uri="{FF2B5EF4-FFF2-40B4-BE49-F238E27FC236}">
-                <a16:creationId xmlns:a16="http://schemas.microsoft.com/office/drawing/2014/main" id="{461285D1-AA18-40C7-B168-C6627FD1EE1F}"/>
-              </a:ext>
-            </a:extLst>
-          </p:cNvPr>
+          <p:cNvPr id="5" name="页脚占位符 4"/>
           <p:cNvSpPr>
             <a:spLocks noGrp="1"/>
           </p:cNvSpPr>
@@ -3872,13 +5927,7 @@
       </p:sp>
       <p:sp>
         <p:nvSpPr>
-          <p:cNvPr id="6" name="灯片编号占位符 5">
-            <a:extLst>
-              <a:ext uri="{FF2B5EF4-FFF2-40B4-BE49-F238E27FC236}">
-                <a16:creationId xmlns:a16="http://schemas.microsoft.com/office/drawing/2014/main" id="{37F0E74B-CDD6-419F-812B-450343C03170}"/>
-              </a:ext>
-            </a:extLst>
-          </p:cNvPr>
+          <p:cNvPr id="6" name="灯片编号占位符 5"/>
           <p:cNvSpPr>
             <a:spLocks noGrp="1"/>
           </p:cNvSpPr>
@@ -3911,18 +5960,12 @@
           <a:p>
             <a:fld id="{BA2359F1-67E5-4253-9210-F672F38C961E}" type="slidenum">
               <a:rPr lang="zh-CN" altLang="en-US" smtClean="0"/>
-              <a:t>‹#›</a:t>
             </a:fld>
             <a:endParaRPr lang="zh-CN" altLang="en-US"/>
           </a:p>
         </p:txBody>
       </p:sp>
     </p:spTree>
-    <p:extLst>
-      <p:ext uri="{BB962C8B-B14F-4D97-AF65-F5344CB8AC3E}">
-        <p14:creationId xmlns:p14="http://schemas.microsoft.com/office/powerpoint/2010/main" val="3877425027"/>
-      </p:ext>
-    </p:extLst>
   </p:cSld>
   <p:clrMap bg1="lt1" tx1="dk1" bg2="lt2" tx2="dk2" accent1="accent1" accent2="accent2" accent3="accent3" accent4="accent4" accent5="accent5" accent6="accent6" hlink="hlink" folHlink="folHlink"/>
   <p:sldLayoutIdLst>
@@ -3967,7 +6010,7 @@
         <a:spcBef>
           <a:spcPts val="1000"/>
         </a:spcBef>
-        <a:buFont typeface="Arial" panose="020B0604020202020204" pitchFamily="34" charset="0"/>
+        <a:buFont typeface="Arial" panose="02080604020202020204" pitchFamily="34" charset="0"/>
         <a:buChar char="•"/>
         <a:defRPr sz="2800" kern="1200">
           <a:solidFill>
@@ -3985,7 +6028,7 @@
         <a:spcBef>
           <a:spcPts val="500"/>
         </a:spcBef>
-        <a:buFont typeface="Arial" panose="020B0604020202020204" pitchFamily="34" charset="0"/>
+        <a:buFont typeface="Arial" panose="02080604020202020204" pitchFamily="34" charset="0"/>
         <a:buChar char="•"/>
         <a:defRPr sz="2400" kern="1200">
           <a:solidFill>
@@ -4003,7 +6046,7 @@
         <a:spcBef>
           <a:spcPts val="500"/>
         </a:spcBef>
-        <a:buFont typeface="Arial" panose="020B0604020202020204" pitchFamily="34" charset="0"/>
+        <a:buFont typeface="Arial" panose="02080604020202020204" pitchFamily="34" charset="0"/>
         <a:buChar char="•"/>
         <a:defRPr sz="2000" kern="1200">
           <a:solidFill>
@@ -4021,7 +6064,7 @@
         <a:spcBef>
           <a:spcPts val="500"/>
         </a:spcBef>
-        <a:buFont typeface="Arial" panose="020B0604020202020204" pitchFamily="34" charset="0"/>
+        <a:buFont typeface="Arial" panose="02080604020202020204" pitchFamily="34" charset="0"/>
         <a:buChar char="•"/>
         <a:defRPr sz="1800" kern="1200">
           <a:solidFill>
@@ -4039,7 +6082,7 @@
         <a:spcBef>
           <a:spcPts val="500"/>
         </a:spcBef>
-        <a:buFont typeface="Arial" panose="020B0604020202020204" pitchFamily="34" charset="0"/>
+        <a:buFont typeface="Arial" panose="02080604020202020204" pitchFamily="34" charset="0"/>
         <a:buChar char="•"/>
         <a:defRPr sz="1800" kern="1200">
           <a:solidFill>
@@ -4057,7 +6100,7 @@
         <a:spcBef>
           <a:spcPts val="500"/>
         </a:spcBef>
-        <a:buFont typeface="Arial" panose="020B0604020202020204" pitchFamily="34" charset="0"/>
+        <a:buFont typeface="Arial" panose="02080604020202020204" pitchFamily="34" charset="0"/>
         <a:buChar char="•"/>
         <a:defRPr sz="1800" kern="1200">
           <a:solidFill>
@@ -4075,7 +6118,7 @@
         <a:spcBef>
           <a:spcPts val="500"/>
         </a:spcBef>
-        <a:buFont typeface="Arial" panose="020B0604020202020204" pitchFamily="34" charset="0"/>
+        <a:buFont typeface="Arial" panose="02080604020202020204" pitchFamily="34" charset="0"/>
         <a:buChar char="•"/>
         <a:defRPr sz="1800" kern="1200">
           <a:solidFill>
@@ -4093,7 +6136,7 @@
         <a:spcBef>
           <a:spcPts val="500"/>
         </a:spcBef>
-        <a:buFont typeface="Arial" panose="020B0604020202020204" pitchFamily="34" charset="0"/>
+        <a:buFont typeface="Arial" panose="02080604020202020204" pitchFamily="34" charset="0"/>
         <a:buChar char="•"/>
         <a:defRPr sz="1800" kern="1200">
           <a:solidFill>
@@ -4111,7 +6154,545 @@
         <a:spcBef>
           <a:spcPts val="500"/>
         </a:spcBef>
-        <a:buFont typeface="Arial" panose="020B0604020202020204" pitchFamily="34" charset="0"/>
+        <a:buFont typeface="Arial" panose="02080604020202020204" pitchFamily="34" charset="0"/>
+        <a:buChar char="•"/>
+        <a:defRPr sz="1800" kern="1200">
+          <a:solidFill>
+            <a:schemeClr val="tx1"/>
+          </a:solidFill>
+          <a:latin typeface="+mn-lt"/>
+          <a:ea typeface="+mn-ea"/>
+          <a:cs typeface="+mn-cs"/>
+        </a:defRPr>
+      </a:lvl9pPr>
+    </p:bodyStyle>
+    <p:otherStyle>
+      <a:defPPr>
+        <a:defRPr lang="zh-CN"/>
+      </a:defPPr>
+      <a:lvl1pPr marL="0" algn="l" defTabSz="914400" rtl="0" eaLnBrk="1" latinLnBrk="0" hangingPunct="1">
+        <a:defRPr sz="1800" kern="1200">
+          <a:solidFill>
+            <a:schemeClr val="tx1"/>
+          </a:solidFill>
+          <a:latin typeface="+mn-lt"/>
+          <a:ea typeface="+mn-ea"/>
+          <a:cs typeface="+mn-cs"/>
+        </a:defRPr>
+      </a:lvl1pPr>
+      <a:lvl2pPr marL="457200" algn="l" defTabSz="914400" rtl="0" eaLnBrk="1" latinLnBrk="0" hangingPunct="1">
+        <a:defRPr sz="1800" kern="1200">
+          <a:solidFill>
+            <a:schemeClr val="tx1"/>
+          </a:solidFill>
+          <a:latin typeface="+mn-lt"/>
+          <a:ea typeface="+mn-ea"/>
+          <a:cs typeface="+mn-cs"/>
+        </a:defRPr>
+      </a:lvl2pPr>
+      <a:lvl3pPr marL="914400" algn="l" defTabSz="914400" rtl="0" eaLnBrk="1" latinLnBrk="0" hangingPunct="1">
+        <a:defRPr sz="1800" kern="1200">
+          <a:solidFill>
+            <a:schemeClr val="tx1"/>
+          </a:solidFill>
+          <a:latin typeface="+mn-lt"/>
+          <a:ea typeface="+mn-ea"/>
+          <a:cs typeface="+mn-cs"/>
+        </a:defRPr>
+      </a:lvl3pPr>
+      <a:lvl4pPr marL="1371600" algn="l" defTabSz="914400" rtl="0" eaLnBrk="1" latinLnBrk="0" hangingPunct="1">
+        <a:defRPr sz="1800" kern="1200">
+          <a:solidFill>
+            <a:schemeClr val="tx1"/>
+          </a:solidFill>
+          <a:latin typeface="+mn-lt"/>
+          <a:ea typeface="+mn-ea"/>
+          <a:cs typeface="+mn-cs"/>
+        </a:defRPr>
+      </a:lvl4pPr>
+      <a:lvl5pPr marL="1828800" algn="l" defTabSz="914400" rtl="0" eaLnBrk="1" latinLnBrk="0" hangingPunct="1">
+        <a:defRPr sz="1800" kern="1200">
+          <a:solidFill>
+            <a:schemeClr val="tx1"/>
+          </a:solidFill>
+          <a:latin typeface="+mn-lt"/>
+          <a:ea typeface="+mn-ea"/>
+          <a:cs typeface="+mn-cs"/>
+        </a:defRPr>
+      </a:lvl5pPr>
+      <a:lvl6pPr marL="2286000" algn="l" defTabSz="914400" rtl="0" eaLnBrk="1" latinLnBrk="0" hangingPunct="1">
+        <a:defRPr sz="1800" kern="1200">
+          <a:solidFill>
+            <a:schemeClr val="tx1"/>
+          </a:solidFill>
+          <a:latin typeface="+mn-lt"/>
+          <a:ea typeface="+mn-ea"/>
+          <a:cs typeface="+mn-cs"/>
+        </a:defRPr>
+      </a:lvl6pPr>
+      <a:lvl7pPr marL="2743200" algn="l" defTabSz="914400" rtl="0" eaLnBrk="1" latinLnBrk="0" hangingPunct="1">
+        <a:defRPr sz="1800" kern="1200">
+          <a:solidFill>
+            <a:schemeClr val="tx1"/>
+          </a:solidFill>
+          <a:latin typeface="+mn-lt"/>
+          <a:ea typeface="+mn-ea"/>
+          <a:cs typeface="+mn-cs"/>
+        </a:defRPr>
+      </a:lvl7pPr>
+      <a:lvl8pPr marL="3200400" algn="l" defTabSz="914400" rtl="0" eaLnBrk="1" latinLnBrk="0" hangingPunct="1">
+        <a:defRPr sz="1800" kern="1200">
+          <a:solidFill>
+            <a:schemeClr val="tx1"/>
+          </a:solidFill>
+          <a:latin typeface="+mn-lt"/>
+          <a:ea typeface="+mn-ea"/>
+          <a:cs typeface="+mn-cs"/>
+        </a:defRPr>
+      </a:lvl8pPr>
+      <a:lvl9pPr marL="3657600" algn="l" defTabSz="914400" rtl="0" eaLnBrk="1" latinLnBrk="0" hangingPunct="1">
+        <a:defRPr sz="1800" kern="1200">
+          <a:solidFill>
+            <a:schemeClr val="tx1"/>
+          </a:solidFill>
+          <a:latin typeface="+mn-lt"/>
+          <a:ea typeface="+mn-ea"/>
+          <a:cs typeface="+mn-cs"/>
+        </a:defRPr>
+      </a:lvl9pPr>
+    </p:otherStyle>
+  </p:txStyles>
+</p:sldMaster>
+</file>
+
+<file path=ppt/slideMasters/slideMaster2.xml><?xml version="1.0" encoding="utf-8"?>
+<p:sldMaster xmlns:a="http://schemas.openxmlformats.org/drawingml/2006/main" xmlns:r="http://schemas.openxmlformats.org/officeDocument/2006/relationships" xmlns:p="http://schemas.openxmlformats.org/presentationml/2006/main">
+  <p:cSld>
+    <p:bg>
+      <p:bgRef idx="1001">
+        <a:schemeClr val="bg1"/>
+      </p:bgRef>
+    </p:bg>
+    <p:spTree>
+      <p:nvGrpSpPr>
+        <p:cNvPr id="1" name=""/>
+        <p:cNvGrpSpPr/>
+        <p:nvPr/>
+      </p:nvGrpSpPr>
+      <p:grpSpPr>
+        <a:xfrm>
+          <a:off x="0" y="0"/>
+          <a:ext cx="0" cy="0"/>
+          <a:chOff x="0" y="0"/>
+          <a:chExt cx="0" cy="0"/>
+        </a:xfrm>
+      </p:grpSpPr>
+      <p:sp>
+        <p:nvSpPr>
+          <p:cNvPr id="2" name="标题占位符 1"/>
+          <p:cNvSpPr>
+            <a:spLocks noGrp="1"/>
+          </p:cNvSpPr>
+          <p:nvPr>
+            <p:ph type="title"/>
+          </p:nvPr>
+        </p:nvSpPr>
+        <p:spPr>
+          <a:xfrm>
+            <a:off x="838200" y="365125"/>
+            <a:ext cx="10515600" cy="1325563"/>
+          </a:xfrm>
+          <a:prstGeom prst="rect">
+            <a:avLst/>
+          </a:prstGeom>
+        </p:spPr>
+        <p:txBody>
+          <a:bodyPr vert="horz" lIns="91440" tIns="45720" rIns="91440" bIns="45720" rtlCol="0" anchor="ctr">
+            <a:normAutofit/>
+          </a:bodyPr>
+          <a:lstStyle/>
+          <a:p>
+            <a:r>
+              <a:rPr lang="zh-CN" altLang="en-US"/>
+              <a:t>单击此处编辑母版标题样式</a:t>
+            </a:r>
+            <a:endParaRPr lang="zh-CN" altLang="en-US"/>
+          </a:p>
+        </p:txBody>
+      </p:sp>
+      <p:sp>
+        <p:nvSpPr>
+          <p:cNvPr id="3" name="文本占位符 2"/>
+          <p:cNvSpPr>
+            <a:spLocks noGrp="1"/>
+          </p:cNvSpPr>
+          <p:nvPr>
+            <p:ph type="body" idx="1"/>
+          </p:nvPr>
+        </p:nvSpPr>
+        <p:spPr>
+          <a:xfrm>
+            <a:off x="838200" y="1825625"/>
+            <a:ext cx="10515600" cy="4351338"/>
+          </a:xfrm>
+          <a:prstGeom prst="rect">
+            <a:avLst/>
+          </a:prstGeom>
+        </p:spPr>
+        <p:txBody>
+          <a:bodyPr vert="horz" lIns="91440" tIns="45720" rIns="91440" bIns="45720" rtlCol="0">
+            <a:normAutofit/>
+          </a:bodyPr>
+          <a:lstStyle/>
+          <a:p>
+            <a:pPr lvl="0"/>
+            <a:r>
+              <a:rPr lang="zh-CN" altLang="en-US"/>
+              <a:t>编辑母版文本样式</a:t>
+            </a:r>
+            <a:endParaRPr lang="zh-CN" altLang="en-US"/>
+          </a:p>
+          <a:p>
+            <a:pPr lvl="1"/>
+            <a:r>
+              <a:rPr lang="zh-CN" altLang="en-US"/>
+              <a:t>第二级</a:t>
+            </a:r>
+            <a:endParaRPr lang="zh-CN" altLang="en-US"/>
+          </a:p>
+          <a:p>
+            <a:pPr lvl="2"/>
+            <a:r>
+              <a:rPr lang="zh-CN" altLang="en-US"/>
+              <a:t>第三级</a:t>
+            </a:r>
+            <a:endParaRPr lang="zh-CN" altLang="en-US"/>
+          </a:p>
+          <a:p>
+            <a:pPr lvl="3"/>
+            <a:r>
+              <a:rPr lang="zh-CN" altLang="en-US"/>
+              <a:t>第四级</a:t>
+            </a:r>
+            <a:endParaRPr lang="zh-CN" altLang="en-US"/>
+          </a:p>
+          <a:p>
+            <a:pPr lvl="4"/>
+            <a:r>
+              <a:rPr lang="zh-CN" altLang="en-US"/>
+              <a:t>第五级</a:t>
+            </a:r>
+            <a:endParaRPr lang="zh-CN" altLang="en-US"/>
+          </a:p>
+        </p:txBody>
+      </p:sp>
+      <p:sp>
+        <p:nvSpPr>
+          <p:cNvPr id="4" name="日期占位符 3"/>
+          <p:cNvSpPr>
+            <a:spLocks noGrp="1"/>
+          </p:cNvSpPr>
+          <p:nvPr>
+            <p:ph type="dt" sz="half" idx="2"/>
+          </p:nvPr>
+        </p:nvSpPr>
+        <p:spPr>
+          <a:xfrm>
+            <a:off x="838200" y="6356350"/>
+            <a:ext cx="2743200" cy="365125"/>
+          </a:xfrm>
+          <a:prstGeom prst="rect">
+            <a:avLst/>
+          </a:prstGeom>
+        </p:spPr>
+        <p:txBody>
+          <a:bodyPr vert="horz" lIns="91440" tIns="45720" rIns="91440" bIns="45720" rtlCol="0" anchor="ctr"/>
+          <a:lstStyle>
+            <a:lvl1pPr algn="l">
+              <a:defRPr sz="1200">
+                <a:solidFill>
+                  <a:schemeClr val="tx1">
+                    <a:tint val="75000"/>
+                  </a:schemeClr>
+                </a:solidFill>
+              </a:defRPr>
+            </a:lvl1pPr>
+          </a:lstStyle>
+          <a:p>
+            <a:fld id="{65DC1CC6-952B-4CA3-8B79-8125ECD3A0B7}" type="datetimeFigureOut">
+              <a:rPr lang="zh-CN" altLang="en-US" smtClean="0"/>
+            </a:fld>
+            <a:endParaRPr lang="zh-CN" altLang="en-US"/>
+          </a:p>
+        </p:txBody>
+      </p:sp>
+      <p:sp>
+        <p:nvSpPr>
+          <p:cNvPr id="5" name="页脚占位符 4"/>
+          <p:cNvSpPr>
+            <a:spLocks noGrp="1"/>
+          </p:cNvSpPr>
+          <p:nvPr>
+            <p:ph type="ftr" sz="quarter" idx="3"/>
+          </p:nvPr>
+        </p:nvSpPr>
+        <p:spPr>
+          <a:xfrm>
+            <a:off x="4038600" y="6356350"/>
+            <a:ext cx="4114800" cy="365125"/>
+          </a:xfrm>
+          <a:prstGeom prst="rect">
+            <a:avLst/>
+          </a:prstGeom>
+        </p:spPr>
+        <p:txBody>
+          <a:bodyPr vert="horz" lIns="91440" tIns="45720" rIns="91440" bIns="45720" rtlCol="0" anchor="ctr"/>
+          <a:lstStyle>
+            <a:lvl1pPr algn="ctr">
+              <a:defRPr sz="1200">
+                <a:solidFill>
+                  <a:schemeClr val="tx1">
+                    <a:tint val="75000"/>
+                  </a:schemeClr>
+                </a:solidFill>
+              </a:defRPr>
+            </a:lvl1pPr>
+          </a:lstStyle>
+          <a:p>
+            <a:endParaRPr lang="zh-CN" altLang="en-US"/>
+          </a:p>
+        </p:txBody>
+      </p:sp>
+      <p:sp>
+        <p:nvSpPr>
+          <p:cNvPr id="6" name="灯片编号占位符 5"/>
+          <p:cNvSpPr>
+            <a:spLocks noGrp="1"/>
+          </p:cNvSpPr>
+          <p:nvPr>
+            <p:ph type="sldNum" sz="quarter" idx="4"/>
+          </p:nvPr>
+        </p:nvSpPr>
+        <p:spPr>
+          <a:xfrm>
+            <a:off x="8610600" y="6356350"/>
+            <a:ext cx="2743200" cy="365125"/>
+          </a:xfrm>
+          <a:prstGeom prst="rect">
+            <a:avLst/>
+          </a:prstGeom>
+        </p:spPr>
+        <p:txBody>
+          <a:bodyPr vert="horz" lIns="91440" tIns="45720" rIns="91440" bIns="45720" rtlCol="0" anchor="ctr"/>
+          <a:lstStyle>
+            <a:lvl1pPr algn="r">
+              <a:defRPr sz="1200">
+                <a:solidFill>
+                  <a:schemeClr val="tx1">
+                    <a:tint val="75000"/>
+                  </a:schemeClr>
+                </a:solidFill>
+              </a:defRPr>
+            </a:lvl1pPr>
+          </a:lstStyle>
+          <a:p>
+            <a:fld id="{BA2359F1-67E5-4253-9210-F672F38C961E}" type="slidenum">
+              <a:rPr lang="zh-CN" altLang="en-US" smtClean="0"/>
+            </a:fld>
+            <a:endParaRPr lang="zh-CN" altLang="en-US"/>
+          </a:p>
+        </p:txBody>
+      </p:sp>
+    </p:spTree>
+  </p:cSld>
+  <p:clrMap bg1="lt1" tx1="dk1" bg2="lt2" tx2="dk2" accent1="accent1" accent2="accent2" accent3="accent3" accent4="accent4" accent5="accent5" accent6="accent6" hlink="hlink" folHlink="folHlink"/>
+  <p:sldLayoutIdLst>
+    <p:sldLayoutId id="2147483662" r:id="rId1"/>
+    <p:sldLayoutId id="2147483663" r:id="rId2"/>
+    <p:sldLayoutId id="2147483664" r:id="rId3"/>
+    <p:sldLayoutId id="2147483665" r:id="rId4"/>
+    <p:sldLayoutId id="2147483666" r:id="rId5"/>
+    <p:sldLayoutId id="2147483667" r:id="rId6"/>
+    <p:sldLayoutId id="2147483668" r:id="rId7"/>
+    <p:sldLayoutId id="2147483669" r:id="rId8"/>
+    <p:sldLayoutId id="2147483670" r:id="rId9"/>
+    <p:sldLayoutId id="2147483671" r:id="rId10"/>
+    <p:sldLayoutId id="2147483672" r:id="rId11"/>
+    <p:sldLayoutId id="2147483673" r:id="rId12"/>
+  </p:sldLayoutIdLst>
+  <p:txStyles>
+    <p:titleStyle>
+      <a:lvl1pPr algn="l" defTabSz="914400" rtl="0" eaLnBrk="1" latinLnBrk="0" hangingPunct="1">
+        <a:lnSpc>
+          <a:spcPct val="90000"/>
+        </a:lnSpc>
+        <a:spcBef>
+          <a:spcPct val="0"/>
+        </a:spcBef>
+        <a:buNone/>
+        <a:defRPr sz="4400" kern="1200">
+          <a:solidFill>
+            <a:schemeClr val="tx1"/>
+          </a:solidFill>
+          <a:latin typeface="+mj-lt"/>
+          <a:ea typeface="+mj-ea"/>
+          <a:cs typeface="+mj-cs"/>
+        </a:defRPr>
+      </a:lvl1pPr>
+    </p:titleStyle>
+    <p:bodyStyle>
+      <a:lvl1pPr marL="228600" indent="-228600" algn="l" defTabSz="914400" rtl="0" eaLnBrk="1" latinLnBrk="0" hangingPunct="1">
+        <a:lnSpc>
+          <a:spcPct val="90000"/>
+        </a:lnSpc>
+        <a:spcBef>
+          <a:spcPts val="1000"/>
+        </a:spcBef>
+        <a:buFont typeface="Arial" panose="02080604020202020204" pitchFamily="34" charset="0"/>
+        <a:buChar char="•"/>
+        <a:defRPr sz="2800" kern="1200">
+          <a:solidFill>
+            <a:schemeClr val="tx1"/>
+          </a:solidFill>
+          <a:latin typeface="+mn-lt"/>
+          <a:ea typeface="+mn-ea"/>
+          <a:cs typeface="+mn-cs"/>
+        </a:defRPr>
+      </a:lvl1pPr>
+      <a:lvl2pPr marL="685800" indent="-228600" algn="l" defTabSz="914400" rtl="0" eaLnBrk="1" latinLnBrk="0" hangingPunct="1">
+        <a:lnSpc>
+          <a:spcPct val="90000"/>
+        </a:lnSpc>
+        <a:spcBef>
+          <a:spcPts val="500"/>
+        </a:spcBef>
+        <a:buFont typeface="Arial" panose="02080604020202020204" pitchFamily="34" charset="0"/>
+        <a:buChar char="•"/>
+        <a:defRPr sz="2400" kern="1200">
+          <a:solidFill>
+            <a:schemeClr val="tx1"/>
+          </a:solidFill>
+          <a:latin typeface="+mn-lt"/>
+          <a:ea typeface="+mn-ea"/>
+          <a:cs typeface="+mn-cs"/>
+        </a:defRPr>
+      </a:lvl2pPr>
+      <a:lvl3pPr marL="1143000" indent="-228600" algn="l" defTabSz="914400" rtl="0" eaLnBrk="1" latinLnBrk="0" hangingPunct="1">
+        <a:lnSpc>
+          <a:spcPct val="90000"/>
+        </a:lnSpc>
+        <a:spcBef>
+          <a:spcPts val="500"/>
+        </a:spcBef>
+        <a:buFont typeface="Arial" panose="02080604020202020204" pitchFamily="34" charset="0"/>
+        <a:buChar char="•"/>
+        <a:defRPr sz="2000" kern="1200">
+          <a:solidFill>
+            <a:schemeClr val="tx1"/>
+          </a:solidFill>
+          <a:latin typeface="+mn-lt"/>
+          <a:ea typeface="+mn-ea"/>
+          <a:cs typeface="+mn-cs"/>
+        </a:defRPr>
+      </a:lvl3pPr>
+      <a:lvl4pPr marL="1600200" indent="-228600" algn="l" defTabSz="914400" rtl="0" eaLnBrk="1" latinLnBrk="0" hangingPunct="1">
+        <a:lnSpc>
+          <a:spcPct val="90000"/>
+        </a:lnSpc>
+        <a:spcBef>
+          <a:spcPts val="500"/>
+        </a:spcBef>
+        <a:buFont typeface="Arial" panose="02080604020202020204" pitchFamily="34" charset="0"/>
+        <a:buChar char="•"/>
+        <a:defRPr sz="1800" kern="1200">
+          <a:solidFill>
+            <a:schemeClr val="tx1"/>
+          </a:solidFill>
+          <a:latin typeface="+mn-lt"/>
+          <a:ea typeface="+mn-ea"/>
+          <a:cs typeface="+mn-cs"/>
+        </a:defRPr>
+      </a:lvl4pPr>
+      <a:lvl5pPr marL="2057400" indent="-228600" algn="l" defTabSz="914400" rtl="0" eaLnBrk="1" latinLnBrk="0" hangingPunct="1">
+        <a:lnSpc>
+          <a:spcPct val="90000"/>
+        </a:lnSpc>
+        <a:spcBef>
+          <a:spcPts val="500"/>
+        </a:spcBef>
+        <a:buFont typeface="Arial" panose="02080604020202020204" pitchFamily="34" charset="0"/>
+        <a:buChar char="•"/>
+        <a:defRPr sz="1800" kern="1200">
+          <a:solidFill>
+            <a:schemeClr val="tx1"/>
+          </a:solidFill>
+          <a:latin typeface="+mn-lt"/>
+          <a:ea typeface="+mn-ea"/>
+          <a:cs typeface="+mn-cs"/>
+        </a:defRPr>
+      </a:lvl5pPr>
+      <a:lvl6pPr marL="2514600" indent="-228600" algn="l" defTabSz="914400" rtl="0" eaLnBrk="1" latinLnBrk="0" hangingPunct="1">
+        <a:lnSpc>
+          <a:spcPct val="90000"/>
+        </a:lnSpc>
+        <a:spcBef>
+          <a:spcPts val="500"/>
+        </a:spcBef>
+        <a:buFont typeface="Arial" panose="02080604020202020204" pitchFamily="34" charset="0"/>
+        <a:buChar char="•"/>
+        <a:defRPr sz="1800" kern="1200">
+          <a:solidFill>
+            <a:schemeClr val="tx1"/>
+          </a:solidFill>
+          <a:latin typeface="+mn-lt"/>
+          <a:ea typeface="+mn-ea"/>
+          <a:cs typeface="+mn-cs"/>
+        </a:defRPr>
+      </a:lvl6pPr>
+      <a:lvl7pPr marL="2971800" indent="-228600" algn="l" defTabSz="914400" rtl="0" eaLnBrk="1" latinLnBrk="0" hangingPunct="1">
+        <a:lnSpc>
+          <a:spcPct val="90000"/>
+        </a:lnSpc>
+        <a:spcBef>
+          <a:spcPts val="500"/>
+        </a:spcBef>
+        <a:buFont typeface="Arial" panose="02080604020202020204" pitchFamily="34" charset="0"/>
+        <a:buChar char="•"/>
+        <a:defRPr sz="1800" kern="1200">
+          <a:solidFill>
+            <a:schemeClr val="tx1"/>
+          </a:solidFill>
+          <a:latin typeface="+mn-lt"/>
+          <a:ea typeface="+mn-ea"/>
+          <a:cs typeface="+mn-cs"/>
+        </a:defRPr>
+      </a:lvl7pPr>
+      <a:lvl8pPr marL="3429000" indent="-228600" algn="l" defTabSz="914400" rtl="0" eaLnBrk="1" latinLnBrk="0" hangingPunct="1">
+        <a:lnSpc>
+          <a:spcPct val="90000"/>
+        </a:lnSpc>
+        <a:spcBef>
+          <a:spcPts val="500"/>
+        </a:spcBef>
+        <a:buFont typeface="Arial" panose="02080604020202020204" pitchFamily="34" charset="0"/>
+        <a:buChar char="•"/>
+        <a:defRPr sz="1800" kern="1200">
+          <a:solidFill>
+            <a:schemeClr val="tx1"/>
+          </a:solidFill>
+          <a:latin typeface="+mn-lt"/>
+          <a:ea typeface="+mn-ea"/>
+          <a:cs typeface="+mn-cs"/>
+        </a:defRPr>
+      </a:lvl8pPr>
+      <a:lvl9pPr marL="3886200" indent="-228600" algn="l" defTabSz="914400" rtl="0" eaLnBrk="1" latinLnBrk="0" hangingPunct="1">
+        <a:lnSpc>
+          <a:spcPct val="90000"/>
+        </a:lnSpc>
+        <a:spcBef>
+          <a:spcPts val="500"/>
+        </a:spcBef>
+        <a:buFont typeface="Arial" panose="02080604020202020204" pitchFamily="34" charset="0"/>
         <a:buChar char="•"/>
         <a:defRPr sz="1800" kern="1200">
           <a:solidFill>
@@ -4241,13 +6822,7 @@
       </p:grpSpPr>
       <p:sp>
         <p:nvSpPr>
-          <p:cNvPr id="4" name="标题 3">
-            <a:extLst>
-              <a:ext uri="{FF2B5EF4-FFF2-40B4-BE49-F238E27FC236}">
-                <a16:creationId xmlns:a16="http://schemas.microsoft.com/office/drawing/2014/main" id="{FF897E97-ECB4-4143-BC04-4221663B2762}"/>
-              </a:ext>
-            </a:extLst>
-          </p:cNvPr>
+          <p:cNvPr id="4" name="标题 3"/>
           <p:cNvSpPr>
             <a:spLocks noGrp="1"/>
           </p:cNvSpPr>
@@ -4268,18 +6843,13 @@
               <a:rPr lang="zh-CN" altLang="en-US" dirty="0"/>
               <a:t>递推思想</a:t>
             </a:r>
-          </a:p>
-        </p:txBody>
-      </p:sp>
-      <p:sp>
-        <p:nvSpPr>
-          <p:cNvPr id="5" name="内容占位符 4">
-            <a:extLst>
-              <a:ext uri="{FF2B5EF4-FFF2-40B4-BE49-F238E27FC236}">
-                <a16:creationId xmlns:a16="http://schemas.microsoft.com/office/drawing/2014/main" id="{A96DC5CE-146F-4770-88C6-CBD64139F113}"/>
-              </a:ext>
-            </a:extLst>
-          </p:cNvPr>
+            <a:endParaRPr lang="zh-CN" altLang="en-US" dirty="0"/>
+          </a:p>
+        </p:txBody>
+      </p:sp>
+      <p:sp>
+        <p:nvSpPr>
+          <p:cNvPr id="5" name="内容占位符 4"/>
           <p:cNvSpPr>
             <a:spLocks noGrp="1"/>
           </p:cNvSpPr>
@@ -4318,15 +6888,157 @@
               <a:rPr lang="zh-CN" altLang="en-US" dirty="0"/>
               <a:t> 逆推：从结果推出条件。</a:t>
             </a:r>
+            <a:endParaRPr lang="zh-CN" altLang="en-US" dirty="0"/>
           </a:p>
         </p:txBody>
       </p:sp>
     </p:spTree>
-    <p:extLst>
-      <p:ext uri="{BB962C8B-B14F-4D97-AF65-F5344CB8AC3E}">
-        <p14:creationId xmlns:p14="http://schemas.microsoft.com/office/powerpoint/2010/main" val="3209156913"/>
-      </p:ext>
-    </p:extLst>
+  </p:cSld>
+  <p:clrMapOvr>
+    <a:masterClrMapping/>
+  </p:clrMapOvr>
+</p:sld>
+</file>
+
+<file path=ppt/slides/slide10.xml><?xml version="1.0" encoding="utf-8"?>
+<p:sld xmlns:a="http://schemas.openxmlformats.org/drawingml/2006/main" xmlns:r="http://schemas.openxmlformats.org/officeDocument/2006/relationships" xmlns:p="http://schemas.openxmlformats.org/presentationml/2006/main">
+  <p:cSld>
+    <p:spTree>
+      <p:nvGrpSpPr>
+        <p:cNvPr id="1" name=""/>
+        <p:cNvGrpSpPr/>
+        <p:nvPr/>
+      </p:nvGrpSpPr>
+      <p:grpSpPr/>
+      <p:sp>
+        <p:nvSpPr>
+          <p:cNvPr id="2" name="标题 1"/>
+          <p:cNvSpPr>
+            <a:spLocks noGrp="1"/>
+          </p:cNvSpPr>
+          <p:nvPr>
+            <p:ph type="title"/>
+          </p:nvPr>
+        </p:nvSpPr>
+        <p:spPr/>
+        <p:txBody>
+          <a:bodyPr/>
+          <a:p>
+            <a:r>
+              <a:rPr lang="" altLang="zh-CN"/>
+              <a:t>递归思想</a:t>
+            </a:r>
+            <a:endParaRPr lang="" altLang="zh-CN"/>
+          </a:p>
+        </p:txBody>
+      </p:sp>
+      <p:sp>
+        <p:nvSpPr>
+          <p:cNvPr id="3" name="内容占位符 2"/>
+          <p:cNvSpPr>
+            <a:spLocks noGrp="1"/>
+          </p:cNvSpPr>
+          <p:nvPr>
+            <p:ph idx="1"/>
+          </p:nvPr>
+        </p:nvSpPr>
+        <p:spPr/>
+        <p:txBody>
+          <a:bodyPr/>
+          <a:p>
+            <a:r>
+              <a:rPr lang="" altLang="zh-CN"/>
+              <a:t>通</a:t>
+            </a:r>
+            <a:r>
+              <a:rPr lang="zh-CN" altLang="en-US"/>
+              <a:t>过函数调用自身将问题转化为本质相同但规模较小的子问题</a:t>
+            </a:r>
+            <a:endParaRPr lang="zh-CN" altLang="en-US"/>
+          </a:p>
+          <a:p>
+            <a:r>
+              <a:rPr lang="zh-CN" altLang="en-US"/>
+              <a:t> 递归算法的定义：如果一个对象的描述中包含它本身，我们就称这个对象是递归的，这种用递归来描述的算法称为递归算法。</a:t>
+            </a:r>
+            <a:endParaRPr lang="zh-CN" altLang="en-US"/>
+          </a:p>
+          <a:p>
+            <a:r>
+              <a:rPr lang="zh-CN" altLang="en-US"/>
+              <a:t>从前有座山，山上有座庙，庙里有个老和尚在给小和尚讲故事，老和尚讲：从前有座山，山上有座庙，庙里有个老和尚在给小和尚讲故事，老和尚讲：…… </a:t>
+            </a:r>
+            <a:endParaRPr lang="zh-CN" altLang="en-US"/>
+          </a:p>
+        </p:txBody>
+      </p:sp>
+    </p:spTree>
+  </p:cSld>
+  <p:clrMapOvr>
+    <a:masterClrMapping/>
+  </p:clrMapOvr>
+</p:sld>
+</file>
+
+<file path=ppt/slides/slide11.xml><?xml version="1.0" encoding="utf-8"?>
+<p:sld xmlns:a="http://schemas.openxmlformats.org/drawingml/2006/main" xmlns:r="http://schemas.openxmlformats.org/officeDocument/2006/relationships" xmlns:p="http://schemas.openxmlformats.org/presentationml/2006/main">
+  <p:cSld>
+    <p:spTree>
+      <p:nvGrpSpPr>
+        <p:cNvPr id="1" name=""/>
+        <p:cNvGrpSpPr/>
+        <p:nvPr/>
+      </p:nvGrpSpPr>
+      <p:grpSpPr/>
+      <p:sp>
+        <p:nvSpPr>
+          <p:cNvPr id="2" name="标题 1"/>
+          <p:cNvSpPr>
+            <a:spLocks noGrp="1"/>
+          </p:cNvSpPr>
+          <p:nvPr>
+            <p:ph type="title"/>
+          </p:nvPr>
+        </p:nvSpPr>
+        <p:spPr/>
+        <p:txBody>
+          <a:bodyPr/>
+          <a:p>
+            <a:r>
+              <a:rPr lang="zh-CN" altLang="en-US"/>
+              <a:t>P1928 外星密码</a:t>
+            </a:r>
+            <a:endParaRPr lang="zh-CN" altLang="en-US"/>
+          </a:p>
+        </p:txBody>
+      </p:sp>
+      <p:pic>
+        <p:nvPicPr>
+          <p:cNvPr id="4" name="内容占位符 3" descr="Screenshot from 2020-02-25 18-26-18"/>
+          <p:cNvPicPr>
+            <a:picLocks noChangeAspect="1"/>
+          </p:cNvPicPr>
+          <p:nvPr>
+            <p:ph idx="1"/>
+          </p:nvPr>
+        </p:nvPicPr>
+        <p:blipFill>
+          <a:blip r:embed="rId1"/>
+          <a:stretch>
+            <a:fillRect/>
+          </a:stretch>
+        </p:blipFill>
+        <p:spPr>
+          <a:xfrm>
+            <a:off x="838200" y="1583055"/>
+            <a:ext cx="9745345" cy="4069080"/>
+          </a:xfrm>
+          <a:prstGeom prst="rect">
+            <a:avLst/>
+          </a:prstGeom>
+        </p:spPr>
+      </p:pic>
+    </p:spTree>
   </p:cSld>
   <p:clrMapOvr>
     <a:masterClrMapping/>
@@ -4412,6 +7124,7 @@
               <a:rPr lang="zh-CN" altLang="en-US" sz="2400" dirty="0"/>
               <a:t>层，一共有几种上法？</a:t>
             </a:r>
+            <a:endParaRPr lang="zh-CN" altLang="en-US" sz="2400" dirty="0"/>
           </a:p>
         </p:txBody>
       </p:sp>
@@ -4426,7 +7139,7 @@
           </p:nvPr>
         </p:nvPicPr>
         <p:blipFill>
-          <a:blip r:embed="rId3"/>
+          <a:blip r:embed="rId1"/>
           <a:srcRect b="10187"/>
           <a:stretch>
             <a:fillRect/>
@@ -4486,6 +7199,7 @@
               <a:rPr lang="zh-CN" altLang="en-US"/>
               <a:t>上台阶</a:t>
             </a:r>
+            <a:endParaRPr lang="zh-CN" altLang="en-US"/>
           </a:p>
         </p:txBody>
       </p:sp>
@@ -4523,6 +7237,7 @@
               <a:rPr lang="zh-CN" altLang="en-US"/>
               <a:t>层台阶共有多少种办法</a:t>
             </a:r>
+            <a:endParaRPr lang="zh-CN" altLang="en-US"/>
           </a:p>
           <a:p>
             <a:pPr marL="0" indent="0">
@@ -4532,6 +7247,7 @@
               <a:rPr lang="en-US" altLang="zh-CN"/>
               <a:t>F(10)=?</a:t>
             </a:r>
+            <a:endParaRPr lang="en-US" altLang="zh-CN"/>
           </a:p>
           <a:p>
             <a:pPr marL="0" indent="0">
@@ -4541,6 +7257,7 @@
               <a:rPr lang="en-US" altLang="zh-CN"/>
               <a:t>F(9)=?</a:t>
             </a:r>
+            <a:endParaRPr lang="en-US" altLang="zh-CN"/>
           </a:p>
           <a:p>
             <a:pPr marL="0" indent="0">
@@ -4612,6 +7329,9 @@
               </a:rPr>
               <a:t>最优子结构：问题的最优解由相关子问题的最优解组合而成</a:t>
             </a:r>
+            <a:endParaRPr lang="zh-CN" altLang="en-US" sz="2400">
+              <a:sym typeface="+mn-ea"/>
+            </a:endParaRPr>
           </a:p>
           <a:p>
             <a:pPr marL="0" indent="0">
@@ -4689,6 +7409,9 @@
               </a:rPr>
               <a:t>边界：问题的边界，得到有限的结果</a:t>
             </a:r>
+            <a:endParaRPr lang="zh-CN" altLang="en-US" sz="2400">
+              <a:sym typeface="+mn-ea"/>
+            </a:endParaRPr>
           </a:p>
           <a:p>
             <a:pPr marL="0" indent="0">
@@ -4704,6 +7427,7 @@
               <a:rPr lang="zh-CN" altLang="en-US" sz="2000"/>
               <a:t>分解到最后，一定是变成了规模最简单的问题，即F（1）和F（2）</a:t>
             </a:r>
+            <a:endParaRPr lang="zh-CN" altLang="en-US" sz="2000"/>
           </a:p>
           <a:p>
             <a:pPr marL="0" indent="0">
@@ -4737,6 +7461,9 @@
               </a:rPr>
               <a:t>状态转移方程：问题每一阶段和下一阶段的关系</a:t>
             </a:r>
+            <a:endParaRPr lang="zh-CN" altLang="en-US" sz="2400">
+              <a:sym typeface="+mn-ea"/>
+            </a:endParaRPr>
           </a:p>
           <a:p>
             <a:pPr marL="0" indent="0">
@@ -4754,6 +7481,9 @@
               </a:rPr>
               <a:t>本问题的状态转移方程为：F（n）=F(n-1)+F(n-2)</a:t>
             </a:r>
+            <a:endParaRPr lang="zh-CN" altLang="en-US" sz="2000">
+              <a:sym typeface="+mn-ea"/>
+            </a:endParaRPr>
           </a:p>
         </p:txBody>
       </p:sp>
@@ -4793,7 +7523,7 @@
           </p:nvPr>
         </p:nvPicPr>
         <p:blipFill>
-          <a:blip r:embed="rId3"/>
+          <a:blip r:embed="rId1"/>
           <a:srcRect b="12917"/>
           <a:stretch>
             <a:fillRect/>
@@ -4826,76 +7556,16 @@
                 <a:tableStyleId>{5C22544A-7EE6-4342-B048-85BDC9FD1C3A}</a:tableStyleId>
               </a:tblPr>
               <a:tblGrid>
-                <a:gridCol w="640080">
-                  <a:extLst>
-                    <a:ext uri="{9D8B030D-6E8A-4147-A177-3AD203B41FA5}">
-                      <a16:colId xmlns:a16="http://schemas.microsoft.com/office/drawing/2014/main" val="20000"/>
-                    </a:ext>
-                  </a:extLst>
-                </a:gridCol>
-                <a:gridCol w="640080">
-                  <a:extLst>
-                    <a:ext uri="{9D8B030D-6E8A-4147-A177-3AD203B41FA5}">
-                      <a16:colId xmlns:a16="http://schemas.microsoft.com/office/drawing/2014/main" val="20001"/>
-                    </a:ext>
-                  </a:extLst>
-                </a:gridCol>
-                <a:gridCol w="640080">
-                  <a:extLst>
-                    <a:ext uri="{9D8B030D-6E8A-4147-A177-3AD203B41FA5}">
-                      <a16:colId xmlns:a16="http://schemas.microsoft.com/office/drawing/2014/main" val="20002"/>
-                    </a:ext>
-                  </a:extLst>
-                </a:gridCol>
-                <a:gridCol w="640080">
-                  <a:extLst>
-                    <a:ext uri="{9D8B030D-6E8A-4147-A177-3AD203B41FA5}">
-                      <a16:colId xmlns:a16="http://schemas.microsoft.com/office/drawing/2014/main" val="20003"/>
-                    </a:ext>
-                  </a:extLst>
-                </a:gridCol>
-                <a:gridCol w="640080">
-                  <a:extLst>
-                    <a:ext uri="{9D8B030D-6E8A-4147-A177-3AD203B41FA5}">
-                      <a16:colId xmlns:a16="http://schemas.microsoft.com/office/drawing/2014/main" val="20004"/>
-                    </a:ext>
-                  </a:extLst>
-                </a:gridCol>
-                <a:gridCol w="640080">
-                  <a:extLst>
-                    <a:ext uri="{9D8B030D-6E8A-4147-A177-3AD203B41FA5}">
-                      <a16:colId xmlns:a16="http://schemas.microsoft.com/office/drawing/2014/main" val="20005"/>
-                    </a:ext>
-                  </a:extLst>
-                </a:gridCol>
-                <a:gridCol w="640080">
-                  <a:extLst>
-                    <a:ext uri="{9D8B030D-6E8A-4147-A177-3AD203B41FA5}">
-                      <a16:colId xmlns:a16="http://schemas.microsoft.com/office/drawing/2014/main" val="20006"/>
-                    </a:ext>
-                  </a:extLst>
-                </a:gridCol>
-                <a:gridCol w="640080">
-                  <a:extLst>
-                    <a:ext uri="{9D8B030D-6E8A-4147-A177-3AD203B41FA5}">
-                      <a16:colId xmlns:a16="http://schemas.microsoft.com/office/drawing/2014/main" val="20007"/>
-                    </a:ext>
-                  </a:extLst>
-                </a:gridCol>
-                <a:gridCol w="640080">
-                  <a:extLst>
-                    <a:ext uri="{9D8B030D-6E8A-4147-A177-3AD203B41FA5}">
-                      <a16:colId xmlns:a16="http://schemas.microsoft.com/office/drawing/2014/main" val="20008"/>
-                    </a:ext>
-                  </a:extLst>
-                </a:gridCol>
-                <a:gridCol w="640080">
-                  <a:extLst>
-                    <a:ext uri="{9D8B030D-6E8A-4147-A177-3AD203B41FA5}">
-                      <a16:colId xmlns:a16="http://schemas.microsoft.com/office/drawing/2014/main" val="20009"/>
-                    </a:ext>
-                  </a:extLst>
-                </a:gridCol>
+                <a:gridCol w="640080"/>
+                <a:gridCol w="640080"/>
+                <a:gridCol w="640080"/>
+                <a:gridCol w="640080"/>
+                <a:gridCol w="640080"/>
+                <a:gridCol w="640080"/>
+                <a:gridCol w="640080"/>
+                <a:gridCol w="640080"/>
+                <a:gridCol w="640080"/>
+                <a:gridCol w="640080"/>
               </a:tblGrid>
               <a:tr h="381000">
                 <a:tc>
@@ -4910,6 +7580,7 @@
                         <a:rPr lang="en-US" altLang="zh-CN" sz="2400"/>
                         <a:t>1</a:t>
                       </a:r>
+                      <a:endParaRPr lang="en-US" altLang="zh-CN" sz="2400"/>
                     </a:p>
                   </a:txBody>
                   <a:tcPr/>
@@ -4926,6 +7597,7 @@
                         <a:rPr lang="en-US" altLang="zh-CN" sz="2400"/>
                         <a:t>2</a:t>
                       </a:r>
+                      <a:endParaRPr lang="en-US" altLang="zh-CN" sz="2400"/>
                     </a:p>
                   </a:txBody>
                   <a:tcPr/>
@@ -4942,6 +7614,7 @@
                         <a:rPr lang="en-US" altLang="zh-CN" sz="2400"/>
                         <a:t>3</a:t>
                       </a:r>
+                      <a:endParaRPr lang="en-US" altLang="zh-CN" sz="2400"/>
                     </a:p>
                   </a:txBody>
                   <a:tcPr/>
@@ -4958,6 +7631,7 @@
                         <a:rPr lang="en-US" altLang="zh-CN" sz="2400"/>
                         <a:t>4</a:t>
                       </a:r>
+                      <a:endParaRPr lang="en-US" altLang="zh-CN" sz="2400"/>
                     </a:p>
                   </a:txBody>
                   <a:tcPr/>
@@ -4974,6 +7648,7 @@
                         <a:rPr lang="en-US" altLang="zh-CN" sz="2400"/>
                         <a:t>5</a:t>
                       </a:r>
+                      <a:endParaRPr lang="en-US" altLang="zh-CN" sz="2400"/>
                     </a:p>
                   </a:txBody>
                   <a:tcPr/>
@@ -4990,6 +7665,7 @@
                         <a:rPr lang="en-US" altLang="zh-CN" sz="2400"/>
                         <a:t>6</a:t>
                       </a:r>
+                      <a:endParaRPr lang="en-US" altLang="zh-CN" sz="2400"/>
                     </a:p>
                   </a:txBody>
                   <a:tcPr/>
@@ -5006,6 +7682,7 @@
                         <a:rPr lang="en-US" altLang="zh-CN" sz="2400"/>
                         <a:t>7</a:t>
                       </a:r>
+                      <a:endParaRPr lang="en-US" altLang="zh-CN" sz="2400"/>
                     </a:p>
                   </a:txBody>
                   <a:tcPr/>
@@ -5022,6 +7699,7 @@
                         <a:rPr lang="en-US" altLang="zh-CN" sz="2400"/>
                         <a:t>8</a:t>
                       </a:r>
+                      <a:endParaRPr lang="en-US" altLang="zh-CN" sz="2400"/>
                     </a:p>
                   </a:txBody>
                   <a:tcPr/>
@@ -5038,6 +7716,7 @@
                         <a:rPr lang="en-US" altLang="zh-CN" sz="2400"/>
                         <a:t>9</a:t>
                       </a:r>
+                      <a:endParaRPr lang="en-US" altLang="zh-CN" sz="2400"/>
                     </a:p>
                   </a:txBody>
                   <a:tcPr/>
@@ -5054,15 +7733,11 @@
                         <a:rPr lang="en-US" altLang="zh-CN" sz="2400"/>
                         <a:t>10</a:t>
                       </a:r>
+                      <a:endParaRPr lang="en-US" altLang="zh-CN" sz="2400"/>
                     </a:p>
                   </a:txBody>
                   <a:tcPr/>
                 </a:tc>
-                <a:extLst>
-                  <a:ext uri="{0D108BD9-81ED-4DB2-BD59-A6C34878D82A}">
-                    <a16:rowId xmlns:a16="http://schemas.microsoft.com/office/drawing/2014/main" val="10000"/>
-                  </a:ext>
-                </a:extLst>
               </a:tr>
               <a:tr h="381000">
                 <a:tc>
@@ -5077,6 +7752,7 @@
                         <a:rPr lang="en-US" altLang="zh-CN" sz="2400"/>
                         <a:t>1</a:t>
                       </a:r>
+                      <a:endParaRPr lang="en-US" altLang="zh-CN" sz="2400"/>
                     </a:p>
                   </a:txBody>
                   <a:tcPr/>
@@ -5093,6 +7769,7 @@
                         <a:rPr lang="en-US" altLang="zh-CN" sz="2400"/>
                         <a:t>2</a:t>
                       </a:r>
+                      <a:endParaRPr lang="en-US" altLang="zh-CN" sz="2400"/>
                     </a:p>
                   </a:txBody>
                   <a:tcPr/>
@@ -5109,6 +7786,7 @@
                         <a:rPr lang="en-US" altLang="zh-CN" sz="2400"/>
                         <a:t>3</a:t>
                       </a:r>
+                      <a:endParaRPr lang="en-US" altLang="zh-CN" sz="2400"/>
                     </a:p>
                   </a:txBody>
                   <a:tcPr/>
@@ -5204,11 +7882,6 @@
                   </a:txBody>
                   <a:tcPr/>
                 </a:tc>
-                <a:extLst>
-                  <a:ext uri="{0D108BD9-81ED-4DB2-BD59-A6C34878D82A}">
-                    <a16:rowId xmlns:a16="http://schemas.microsoft.com/office/drawing/2014/main" val="10001"/>
-                  </a:ext>
-                </a:extLst>
               </a:tr>
             </a:tbl>
           </a:graphicData>
@@ -5241,13 +7914,7 @@
       </p:grpSpPr>
       <p:sp>
         <p:nvSpPr>
-          <p:cNvPr id="2" name="标题 1">
-            <a:extLst>
-              <a:ext uri="{FF2B5EF4-FFF2-40B4-BE49-F238E27FC236}">
-                <a16:creationId xmlns:a16="http://schemas.microsoft.com/office/drawing/2014/main" id="{1F275C81-BB2F-4CBB-A386-BC70EEAFFF24}"/>
-              </a:ext>
-            </a:extLst>
-          </p:cNvPr>
+          <p:cNvPr id="2" name="标题 1"/>
           <p:cNvSpPr>
             <a:spLocks noGrp="1"/>
           </p:cNvSpPr>
@@ -5264,18 +7931,13 @@
               <a:rPr lang="zh-CN" altLang="en-US" dirty="0"/>
               <a:t>加法</a:t>
             </a:r>
-          </a:p>
-        </p:txBody>
-      </p:sp>
-      <p:sp>
-        <p:nvSpPr>
-          <p:cNvPr id="4" name="文本框 3">
-            <a:extLst>
-              <a:ext uri="{FF2B5EF4-FFF2-40B4-BE49-F238E27FC236}">
-                <a16:creationId xmlns:a16="http://schemas.microsoft.com/office/drawing/2014/main" id="{7522947A-5391-4F57-8079-8291E0D072FE}"/>
-              </a:ext>
-            </a:extLst>
-          </p:cNvPr>
+            <a:endParaRPr lang="zh-CN" altLang="en-US" dirty="0"/>
+          </a:p>
+        </p:txBody>
+      </p:sp>
+      <p:sp>
+        <p:nvSpPr>
+          <p:cNvPr id="4" name="文本框 3"/>
           <p:cNvSpPr txBox="1"/>
           <p:nvPr/>
         </p:nvSpPr>
@@ -5299,12 +7961,14 @@
               <a:rPr lang="en-US" altLang="zh-CN" sz="4400" dirty="0"/>
               <a:t>	9 6 2</a:t>
             </a:r>
+            <a:endParaRPr lang="en-US" altLang="zh-CN" sz="4400" dirty="0"/>
           </a:p>
           <a:p>
             <a:r>
               <a:rPr lang="en-US" altLang="zh-CN" sz="4400" u="sng" dirty="0"/>
               <a:t>+ 	   9 9</a:t>
             </a:r>
+            <a:endParaRPr lang="en-US" altLang="zh-CN" sz="4400" u="sng" dirty="0"/>
           </a:p>
           <a:p>
             <a:r>
@@ -5317,13 +7981,7 @@
       </p:sp>
       <p:sp>
         <p:nvSpPr>
-          <p:cNvPr id="5" name="文本框 4">
-            <a:extLst>
-              <a:ext uri="{FF2B5EF4-FFF2-40B4-BE49-F238E27FC236}">
-                <a16:creationId xmlns:a16="http://schemas.microsoft.com/office/drawing/2014/main" id="{338F6584-73C2-4046-A6D0-B4292F6ED267}"/>
-              </a:ext>
-            </a:extLst>
-          </p:cNvPr>
+          <p:cNvPr id="5" name="文本框 4"/>
           <p:cNvSpPr txBox="1"/>
           <p:nvPr/>
         </p:nvSpPr>
@@ -5347,36 +8005,42 @@
               <a:rPr lang="en-US" altLang="zh-CN" sz="3200" dirty="0"/>
               <a:t>String A,B;</a:t>
             </a:r>
+            <a:endParaRPr lang="en-US" altLang="zh-CN" sz="3200" dirty="0"/>
           </a:p>
           <a:p>
             <a:r>
               <a:rPr lang="en-US" altLang="zh-CN" sz="3200" dirty="0"/>
               <a:t>Int a[100],b[100],c[100];</a:t>
             </a:r>
+            <a:endParaRPr lang="en-US" altLang="zh-CN" sz="3200" dirty="0"/>
           </a:p>
           <a:p>
             <a:r>
               <a:rPr lang="en-US" altLang="zh-CN" sz="3200" dirty="0"/>
               <a:t>A=962		B=99</a:t>
             </a:r>
+            <a:endParaRPr lang="en-US" altLang="zh-CN" sz="3200" dirty="0"/>
           </a:p>
           <a:p>
             <a:r>
               <a:rPr lang="en-US" altLang="zh-CN" sz="3200" dirty="0"/>
               <a:t>a[1]=2		b[1]=9</a:t>
             </a:r>
+            <a:endParaRPr lang="en-US" altLang="zh-CN" sz="3200" dirty="0"/>
           </a:p>
           <a:p>
             <a:r>
               <a:rPr lang="en-US" altLang="zh-CN" sz="3200" dirty="0"/>
               <a:t>a[2]=6		b[6]=9</a:t>
             </a:r>
+            <a:endParaRPr lang="en-US" altLang="zh-CN" sz="3200" dirty="0"/>
           </a:p>
           <a:p>
             <a:r>
               <a:rPr lang="en-US" altLang="zh-CN" sz="3200" dirty="0"/>
               <a:t>a[3]=9		b[3]=0</a:t>
             </a:r>
+            <a:endParaRPr lang="en-US" altLang="zh-CN" sz="3200" dirty="0"/>
           </a:p>
           <a:p>
             <a:endParaRPr lang="en-US" altLang="zh-CN" sz="3200" dirty="0"/>
@@ -5442,33 +8106,32 @@
               <a:rPr lang="en-US" altLang="zh-CN" sz="2800" dirty="0"/>
               <a:t>])/10 </a:t>
             </a:r>
+            <a:endParaRPr lang="en-US" altLang="zh-CN" sz="2800" dirty="0"/>
           </a:p>
           <a:p>
             <a:r>
               <a:rPr lang="en-US" altLang="zh-CN" sz="3200" dirty="0"/>
               <a:t>c[1]=(2+9)%10=1 	c[2]=(2+9)/10=1</a:t>
             </a:r>
+            <a:endParaRPr lang="en-US" altLang="zh-CN" sz="3200" dirty="0"/>
           </a:p>
           <a:p>
             <a:r>
               <a:rPr lang="en-US" altLang="zh-CN" sz="3200" dirty="0"/>
               <a:t>c[2]=(1+6+9)%10=6	c[3]=(1+6+9)/10=1</a:t>
             </a:r>
+            <a:endParaRPr lang="en-US" altLang="zh-CN" sz="3200" dirty="0"/>
           </a:p>
           <a:p>
             <a:r>
               <a:rPr lang="en-US" altLang="zh-CN" sz="3200" dirty="0"/>
               <a:t>c[3]=(1+9+0)%10=0      c[4]=(1+9+0)/10=1</a:t>
             </a:r>
+            <a:endParaRPr lang="en-US" altLang="zh-CN" sz="3200" dirty="0"/>
           </a:p>
         </p:txBody>
       </p:sp>
     </p:spTree>
-    <p:extLst>
-      <p:ext uri="{BB962C8B-B14F-4D97-AF65-F5344CB8AC3E}">
-        <p14:creationId xmlns:p14="http://schemas.microsoft.com/office/powerpoint/2010/main" val="4191420945"/>
-      </p:ext>
-    </p:extLst>
   </p:cSld>
   <p:clrMapOvr>
     <a:masterClrMapping/>
@@ -5495,13 +8158,7 @@
       </p:grpSpPr>
       <p:sp>
         <p:nvSpPr>
-          <p:cNvPr id="3" name="内容占位符 2">
-            <a:extLst>
-              <a:ext uri="{FF2B5EF4-FFF2-40B4-BE49-F238E27FC236}">
-                <a16:creationId xmlns:a16="http://schemas.microsoft.com/office/drawing/2014/main" id="{2B27E36F-ACB0-489D-B3D4-24192612AA0D}"/>
-              </a:ext>
-            </a:extLst>
-          </p:cNvPr>
+          <p:cNvPr id="3" name="内容占位符 2"/>
           <p:cNvSpPr>
             <a:spLocks noGrp="1"/>
           </p:cNvSpPr>
@@ -5573,18 +8230,13 @@
               <a:rPr lang="zh-CN" altLang="en-US" sz="3200" dirty="0"/>
               <a:t>倒序输出</a:t>
             </a:r>
-          </a:p>
-        </p:txBody>
-      </p:sp>
-      <p:sp>
-        <p:nvSpPr>
-          <p:cNvPr id="4" name="文本框 3">
-            <a:extLst>
-              <a:ext uri="{FF2B5EF4-FFF2-40B4-BE49-F238E27FC236}">
-                <a16:creationId xmlns:a16="http://schemas.microsoft.com/office/drawing/2014/main" id="{271CB46E-6372-45ED-911D-E066480C2731}"/>
-              </a:ext>
-            </a:extLst>
-          </p:cNvPr>
+            <a:endParaRPr lang="zh-CN" altLang="en-US" sz="3200" dirty="0"/>
+          </a:p>
+        </p:txBody>
+      </p:sp>
+      <p:sp>
+        <p:nvSpPr>
+          <p:cNvPr id="4" name="文本框 3"/>
           <p:cNvSpPr txBox="1"/>
           <p:nvPr/>
         </p:nvSpPr>
@@ -5608,6 +8260,7 @@
               <a:rPr lang="pt-BR" altLang="zh-CN" sz="2800" dirty="0"/>
               <a:t>cin&gt;&gt;A&gt;&gt;B;</a:t>
             </a:r>
+            <a:endParaRPr lang="pt-BR" altLang="zh-CN" sz="2800" dirty="0"/>
           </a:p>
           <a:p>
             <a:endParaRPr lang="pt-BR" altLang="zh-CN" sz="2800" dirty="0"/>
@@ -5617,6 +8270,7 @@
               <a:rPr lang="pt-BR" altLang="zh-CN" sz="2800" dirty="0"/>
               <a:t>a[j++]=A[i]-’0’;</a:t>
             </a:r>
+            <a:endParaRPr lang="pt-BR" altLang="zh-CN" sz="2800" dirty="0"/>
           </a:p>
           <a:p>
             <a:endParaRPr lang="pt-BR" altLang="zh-CN" sz="2800" dirty="0"/>
@@ -5650,6 +8304,7 @@
               <a:rPr lang="en-US" altLang="zh-CN" sz="2800" dirty="0"/>
               <a:t>];</a:t>
             </a:r>
+            <a:endParaRPr lang="en-US" altLang="zh-CN" sz="2800" dirty="0"/>
           </a:p>
           <a:p>
             <a:r>
@@ -5664,6 +8319,7 @@
               <a:rPr lang="en-US" altLang="zh-CN" sz="2800" dirty="0"/>
               <a:t>]/10;</a:t>
             </a:r>
+            <a:endParaRPr lang="en-US" altLang="zh-CN" sz="2800" dirty="0"/>
           </a:p>
           <a:p>
             <a:r>
@@ -5686,6 +8342,7 @@
               <a:rPr lang="en-US" altLang="zh-CN" sz="2800" dirty="0"/>
               <a:t>]%10;</a:t>
             </a:r>
+            <a:endParaRPr lang="en-US" altLang="zh-CN" sz="2800" dirty="0"/>
           </a:p>
           <a:p>
             <a:endParaRPr lang="en-US" altLang="zh-CN" sz="2800" dirty="0"/>
@@ -5695,6 +8352,7 @@
               <a:rPr lang="en-US" altLang="zh-CN" sz="2800" dirty="0"/>
               <a:t>if(c[len+1]!=0)</a:t>
             </a:r>
+            <a:endParaRPr lang="en-US" altLang="zh-CN" sz="2800" dirty="0"/>
           </a:p>
           <a:p>
             <a:r>
@@ -5715,13 +8373,7 @@
       </p:sp>
       <p:sp>
         <p:nvSpPr>
-          <p:cNvPr id="2" name="矩形 1">
-            <a:extLst>
-              <a:ext uri="{FF2B5EF4-FFF2-40B4-BE49-F238E27FC236}">
-                <a16:creationId xmlns:a16="http://schemas.microsoft.com/office/drawing/2014/main" id="{A9747D39-28EF-4450-9E9A-E7AE3E5F93E6}"/>
-              </a:ext>
-            </a:extLst>
-          </p:cNvPr>
+          <p:cNvPr id="2" name="矩形 1"/>
           <p:cNvSpPr/>
           <p:nvPr/>
         </p:nvSpPr>
@@ -5754,15 +8406,251 @@
               </a:rPr>
               <a:t>（高精）</a:t>
             </a:r>
+            <a:endParaRPr lang="zh-CN" altLang="en-US" sz="4800" b="1" i="0" dirty="0">
+              <a:effectLst/>
+              <a:latin typeface="-apple-system"/>
+            </a:endParaRPr>
           </a:p>
         </p:txBody>
       </p:sp>
     </p:spTree>
-    <p:extLst>
-      <p:ext uri="{BB962C8B-B14F-4D97-AF65-F5344CB8AC3E}">
-        <p14:creationId xmlns:p14="http://schemas.microsoft.com/office/powerpoint/2010/main" val="860955655"/>
-      </p:ext>
-    </p:extLst>
+  </p:cSld>
+  <p:clrMapOvr>
+    <a:masterClrMapping/>
+  </p:clrMapOvr>
+</p:sld>
+</file>
+
+<file path=ppt/slides/slide8.xml><?xml version="1.0" encoding="utf-8"?>
+<p:sld xmlns:a="http://schemas.openxmlformats.org/drawingml/2006/main" xmlns:r="http://schemas.openxmlformats.org/officeDocument/2006/relationships" xmlns:p="http://schemas.openxmlformats.org/presentationml/2006/main">
+  <p:cSld>
+    <p:spTree>
+      <p:nvGrpSpPr>
+        <p:cNvPr id="1" name=""/>
+        <p:cNvGrpSpPr/>
+        <p:nvPr/>
+      </p:nvGrpSpPr>
+      <p:grpSpPr/>
+      <p:sp>
+        <p:nvSpPr>
+          <p:cNvPr id="2" name="标题 1"/>
+          <p:cNvSpPr>
+            <a:spLocks noGrp="1"/>
+          </p:cNvSpPr>
+          <p:nvPr>
+            <p:ph type="title"/>
+          </p:nvPr>
+        </p:nvSpPr>
+        <p:spPr>
+          <a:xfrm>
+            <a:off x="-22225" y="95885"/>
+            <a:ext cx="10515600" cy="1325563"/>
+          </a:xfrm>
+        </p:spPr>
+        <p:txBody>
+          <a:bodyPr/>
+          <a:p>
+            <a:r>
+              <a:rPr lang="zh-CN" altLang="en-US"/>
+              <a:t>P1002 过河卒</a:t>
+            </a:r>
+            <a:endParaRPr lang="zh-CN" altLang="en-US"/>
+          </a:p>
+        </p:txBody>
+      </p:sp>
+      <p:pic>
+        <p:nvPicPr>
+          <p:cNvPr id="4" name="内容占位符 3" descr="Screenshot from 2020-02-25 17-03-38"/>
+          <p:cNvPicPr>
+            <a:picLocks noChangeAspect="1"/>
+          </p:cNvPicPr>
+          <p:nvPr>
+            <p:ph idx="1"/>
+          </p:nvPr>
+        </p:nvPicPr>
+        <p:blipFill>
+          <a:blip r:embed="rId1"/>
+          <a:stretch>
+            <a:fillRect/>
+          </a:stretch>
+        </p:blipFill>
+        <p:spPr>
+          <a:xfrm>
+            <a:off x="2763520" y="570865"/>
+            <a:ext cx="9190355" cy="6308090"/>
+          </a:xfrm>
+          <a:prstGeom prst="rect">
+            <a:avLst/>
+          </a:prstGeom>
+        </p:spPr>
+      </p:pic>
+      <p:sp>
+        <p:nvSpPr>
+          <p:cNvPr id="5" name="文本框 4"/>
+          <p:cNvSpPr txBox="1"/>
+          <p:nvPr/>
+        </p:nvSpPr>
+        <p:spPr>
+          <a:xfrm>
+            <a:off x="174625" y="1628140"/>
+            <a:ext cx="1375410" cy="2676525"/>
+          </a:xfrm>
+          <a:prstGeom prst="rect">
+            <a:avLst/>
+          </a:prstGeom>
+          <a:noFill/>
+        </p:spPr>
+        <p:txBody>
+          <a:bodyPr wrap="none" rtlCol="0">
+            <a:spAutoFit/>
+          </a:bodyPr>
+          <a:p>
+            <a:r>
+              <a:rPr lang="" altLang="zh-CN" sz="2800"/>
+              <a:t>输入：</a:t>
+            </a:r>
+            <a:endParaRPr lang="" altLang="zh-CN" sz="2800"/>
+          </a:p>
+          <a:p>
+            <a:r>
+              <a:rPr lang="" altLang="zh-CN" sz="2800"/>
+              <a:t>6 6 3 3</a:t>
+            </a:r>
+            <a:endParaRPr lang="" altLang="zh-CN" sz="2800"/>
+          </a:p>
+          <a:p>
+            <a:endParaRPr lang="" altLang="zh-CN" sz="2800"/>
+          </a:p>
+          <a:p>
+            <a:endParaRPr lang="" altLang="zh-CN" sz="2800"/>
+          </a:p>
+          <a:p>
+            <a:r>
+              <a:rPr lang="" altLang="zh-CN" sz="2800"/>
+              <a:t>输出：</a:t>
+            </a:r>
+            <a:endParaRPr lang="" altLang="zh-CN" sz="2800"/>
+          </a:p>
+          <a:p>
+            <a:r>
+              <a:rPr lang="" altLang="zh-CN" sz="2800"/>
+              <a:t>6</a:t>
+            </a:r>
+            <a:endParaRPr lang="" altLang="zh-CN" sz="2800"/>
+          </a:p>
+        </p:txBody>
+      </p:sp>
+    </p:spTree>
+  </p:cSld>
+  <p:clrMapOvr>
+    <a:masterClrMapping/>
+  </p:clrMapOvr>
+</p:sld>
+</file>
+
+<file path=ppt/slides/slide9.xml><?xml version="1.0" encoding="utf-8"?>
+<p:sld xmlns:a="http://schemas.openxmlformats.org/drawingml/2006/main" xmlns:r="http://schemas.openxmlformats.org/officeDocument/2006/relationships" xmlns:p="http://schemas.openxmlformats.org/presentationml/2006/main">
+  <p:cSld>
+    <p:spTree>
+      <p:nvGrpSpPr>
+        <p:cNvPr id="1" name=""/>
+        <p:cNvGrpSpPr/>
+        <p:nvPr/>
+      </p:nvGrpSpPr>
+      <p:grpSpPr/>
+      <p:sp>
+        <p:nvSpPr>
+          <p:cNvPr id="2" name="标题 1"/>
+          <p:cNvSpPr>
+            <a:spLocks noGrp="1"/>
+          </p:cNvSpPr>
+          <p:nvPr>
+            <p:ph type="title"/>
+          </p:nvPr>
+        </p:nvSpPr>
+        <p:spPr>
+          <a:xfrm>
+            <a:off x="-22225" y="95885"/>
+            <a:ext cx="10515600" cy="1325563"/>
+          </a:xfrm>
+        </p:spPr>
+        <p:txBody>
+          <a:bodyPr/>
+          <a:p>
+            <a:r>
+              <a:rPr lang="zh-CN" altLang="en-US"/>
+              <a:t>P1002 过河卒</a:t>
+            </a:r>
+            <a:endParaRPr lang="zh-CN" altLang="en-US"/>
+          </a:p>
+        </p:txBody>
+      </p:sp>
+      <p:pic>
+        <p:nvPicPr>
+          <p:cNvPr id="6" name="内容占位符 5" descr="Screenshot from 2020-02-25 17-05-34"/>
+          <p:cNvPicPr>
+            <a:picLocks noChangeAspect="1"/>
+          </p:cNvPicPr>
+          <p:nvPr>
+            <p:ph idx="1"/>
+          </p:nvPr>
+        </p:nvPicPr>
+        <p:blipFill>
+          <a:blip r:embed="rId1"/>
+          <a:stretch>
+            <a:fillRect/>
+          </a:stretch>
+        </p:blipFill>
+        <p:spPr>
+          <a:xfrm>
+            <a:off x="5069205" y="790575"/>
+            <a:ext cx="6463665" cy="5920105"/>
+          </a:xfrm>
+          <a:prstGeom prst="rect">
+            <a:avLst/>
+          </a:prstGeom>
+        </p:spPr>
+      </p:pic>
+      <p:sp>
+        <p:nvSpPr>
+          <p:cNvPr id="7" name="文本框 6"/>
+          <p:cNvSpPr txBox="1"/>
+          <p:nvPr/>
+        </p:nvSpPr>
+        <p:spPr>
+          <a:xfrm>
+            <a:off x="-22225" y="1223645"/>
+            <a:ext cx="5613400" cy="1753235"/>
+          </a:xfrm>
+          <a:prstGeom prst="rect">
+            <a:avLst/>
+          </a:prstGeom>
+          <a:noFill/>
+        </p:spPr>
+        <p:txBody>
+          <a:bodyPr wrap="none" rtlCol="0">
+            <a:spAutoFit/>
+          </a:bodyPr>
+          <a:p>
+            <a:r>
+              <a:rPr lang="" altLang="zh-CN" sz="3600"/>
+              <a:t>如果不考虑马？</a:t>
+            </a:r>
+            <a:endParaRPr lang="" altLang="zh-CN" sz="3600"/>
+          </a:p>
+          <a:p>
+            <a:endParaRPr lang="" altLang="zh-CN" sz="3600"/>
+          </a:p>
+          <a:p>
+            <a:r>
+              <a:rPr lang="" altLang="zh-CN" sz="3600"/>
+              <a:t>f[i,j]	从(0,0)到(i,j)的路径数</a:t>
+            </a:r>
+            <a:endParaRPr lang="" altLang="zh-CN" sz="3600"/>
+          </a:p>
+        </p:txBody>
+      </p:sp>
+    </p:spTree>
   </p:cSld>
   <p:clrMapOvr>
     <a:masterClrMapping/>
@@ -5813,7 +8701,7 @@
     </a:clrScheme>
     <a:fontScheme name="Office">
       <a:majorFont>
-        <a:latin typeface="等线 Light" panose="020F0302020204030204"/>
+        <a:latin typeface="等线 Light"/>
         <a:ea typeface=""/>
         <a:cs typeface=""/>
         <a:font script="Jpan" typeface="游ゴシック Light"/>
@@ -5846,26 +8734,9 @@
         <a:font script="Viet" typeface="Times New Roman"/>
         <a:font script="Uigh" typeface="Microsoft Uighur"/>
         <a:font script="Geor" typeface="Sylfaen"/>
-        <a:font script="Armn" typeface="Arial"/>
-        <a:font script="Bugi" typeface="Leelawadee UI"/>
-        <a:font script="Bopo" typeface="Microsoft JhengHei"/>
-        <a:font script="Java" typeface="Javanese Text"/>
-        <a:font script="Lisu" typeface="Segoe UI"/>
-        <a:font script="Mymr" typeface="Myanmar Text"/>
-        <a:font script="Nkoo" typeface="Ebrima"/>
-        <a:font script="Olck" typeface="Nirmala UI"/>
-        <a:font script="Osma" typeface="Ebrima"/>
-        <a:font script="Phag" typeface="Phagspa"/>
-        <a:font script="Syrn" typeface="Estrangelo Edessa"/>
-        <a:font script="Syrj" typeface="Estrangelo Edessa"/>
-        <a:font script="Syre" typeface="Estrangelo Edessa"/>
-        <a:font script="Sora" typeface="Nirmala UI"/>
-        <a:font script="Tale" typeface="Microsoft Tai Le"/>
-        <a:font script="Talu" typeface="Microsoft New Tai Lue"/>
-        <a:font script="Tfng" typeface="Ebrima"/>
       </a:majorFont>
       <a:minorFont>
-        <a:latin typeface="等线" panose="020F0502020204030204"/>
+        <a:latin typeface="等线"/>
         <a:ea typeface=""/>
         <a:cs typeface=""/>
         <a:font script="Jpan" typeface="游ゴシック"/>
@@ -5898,23 +8769,6 @@
         <a:font script="Viet" typeface="Arial"/>
         <a:font script="Uigh" typeface="Microsoft Uighur"/>
         <a:font script="Geor" typeface="Sylfaen"/>
-        <a:font script="Armn" typeface="Arial"/>
-        <a:font script="Bugi" typeface="Leelawadee UI"/>
-        <a:font script="Bopo" typeface="Microsoft JhengHei"/>
-        <a:font script="Java" typeface="Javanese Text"/>
-        <a:font script="Lisu" typeface="Segoe UI"/>
-        <a:font script="Mymr" typeface="Myanmar Text"/>
-        <a:font script="Nkoo" typeface="Ebrima"/>
-        <a:font script="Olck" typeface="Nirmala UI"/>
-        <a:font script="Osma" typeface="Ebrima"/>
-        <a:font script="Phag" typeface="Phagspa"/>
-        <a:font script="Syrn" typeface="Estrangelo Edessa"/>
-        <a:font script="Syrj" typeface="Estrangelo Edessa"/>
-        <a:font script="Syre" typeface="Estrangelo Edessa"/>
-        <a:font script="Sora" typeface="Nirmala UI"/>
-        <a:font script="Tale" typeface="Microsoft Tai Le"/>
-        <a:font script="Talu" typeface="Microsoft New Tai Lue"/>
-        <a:font script="Tfng" typeface="Ebrima"/>
       </a:minorFont>
     </a:fontScheme>
     <a:fmtScheme name="Office">
@@ -6055,8 +8909,6 @@
       </a:bgFillStyleLst>
     </a:fmtScheme>
   </a:themeElements>
-  <a:objectDefaults/>
-  <a:extraClrSchemeLst/>
   <a:extLst>
     <a:ext uri="{05A4C25C-085E-4340-85A3-A5531E510DB2}">
       <thm15:themeFamily xmlns:thm15="http://schemas.microsoft.com/office/thememl/2012/main" name="Office Theme" id="{62F939B6-93AF-4DB8-9C6B-D6C7DFDC589F}" vid="{4A3C46E8-61CC-4603-A589-7422A47A8E4A}"/>
@@ -6066,7 +8918,7 @@
 </file>
 
 <file path=ppt/theme/theme2.xml><?xml version="1.0" encoding="utf-8"?>
-<a:theme xmlns:a="http://schemas.openxmlformats.org/drawingml/2006/main" name="Office 主题​​">
+<a:theme xmlns:a="http://schemas.openxmlformats.org/drawingml/2006/main" name="1_Office 主题​​">
   <a:themeElements>
     <a:clrScheme name="Office">
       <a:dk1>
@@ -6108,7 +8960,7 @@
     </a:clrScheme>
     <a:fontScheme name="Office">
       <a:majorFont>
-        <a:latin typeface="等线 Light" panose="020F0302020204030204"/>
+        <a:latin typeface="等线 Light"/>
         <a:ea typeface=""/>
         <a:cs typeface=""/>
         <a:font script="Jpan" typeface="游ゴシック Light"/>
@@ -6141,26 +8993,9 @@
         <a:font script="Viet" typeface="Times New Roman"/>
         <a:font script="Uigh" typeface="Microsoft Uighur"/>
         <a:font script="Geor" typeface="Sylfaen"/>
-        <a:font script="Armn" typeface="Arial"/>
-        <a:font script="Bugi" typeface="Leelawadee UI"/>
-        <a:font script="Bopo" typeface="Microsoft JhengHei"/>
-        <a:font script="Java" typeface="Javanese Text"/>
-        <a:font script="Lisu" typeface="Segoe UI"/>
-        <a:font script="Mymr" typeface="Myanmar Text"/>
-        <a:font script="Nkoo" typeface="Ebrima"/>
-        <a:font script="Olck" typeface="Nirmala UI"/>
-        <a:font script="Osma" typeface="Ebrima"/>
-        <a:font script="Phag" typeface="Phagspa"/>
-        <a:font script="Syrn" typeface="Estrangelo Edessa"/>
-        <a:font script="Syrj" typeface="Estrangelo Edessa"/>
-        <a:font script="Syre" typeface="Estrangelo Edessa"/>
-        <a:font script="Sora" typeface="Nirmala UI"/>
-        <a:font script="Tale" typeface="Microsoft Tai Le"/>
-        <a:font script="Talu" typeface="Microsoft New Tai Lue"/>
-        <a:font script="Tfng" typeface="Ebrima"/>
       </a:majorFont>
       <a:minorFont>
-        <a:latin typeface="等线" panose="020F0502020204030204"/>
+        <a:latin typeface="等线"/>
         <a:ea typeface=""/>
         <a:cs typeface=""/>
         <a:font script="Jpan" typeface="游ゴシック"/>
@@ -6193,23 +9028,6 @@
         <a:font script="Viet" typeface="Arial"/>
         <a:font script="Uigh" typeface="Microsoft Uighur"/>
         <a:font script="Geor" typeface="Sylfaen"/>
-        <a:font script="Armn" typeface="Arial"/>
-        <a:font script="Bugi" typeface="Leelawadee UI"/>
-        <a:font script="Bopo" typeface="Microsoft JhengHei"/>
-        <a:font script="Java" typeface="Javanese Text"/>
-        <a:font script="Lisu" typeface="Segoe UI"/>
-        <a:font script="Mymr" typeface="Myanmar Text"/>
-        <a:font script="Nkoo" typeface="Ebrima"/>
-        <a:font script="Olck" typeface="Nirmala UI"/>
-        <a:font script="Osma" typeface="Ebrima"/>
-        <a:font script="Phag" typeface="Phagspa"/>
-        <a:font script="Syrn" typeface="Estrangelo Edessa"/>
-        <a:font script="Syrj" typeface="Estrangelo Edessa"/>
-        <a:font script="Syre" typeface="Estrangelo Edessa"/>
-        <a:font script="Sora" typeface="Nirmala UI"/>
-        <a:font script="Tale" typeface="Microsoft Tai Le"/>
-        <a:font script="Talu" typeface="Microsoft New Tai Lue"/>
-        <a:font script="Tfng" typeface="Ebrima"/>
       </a:minorFont>
     </a:fontScheme>
     <a:fmtScheme name="Office">
@@ -6350,8 +9168,265 @@
       </a:bgFillStyleLst>
     </a:fmtScheme>
   </a:themeElements>
-  <a:objectDefaults/>
-  <a:extraClrSchemeLst/>
+  <a:extLst>
+    <a:ext uri="{05A4C25C-085E-4340-85A3-A5531E510DB2}">
+      <thm15:themeFamily xmlns:thm15="http://schemas.microsoft.com/office/thememl/2012/main" name="Office Theme" id="{62F939B6-93AF-4DB8-9C6B-D6C7DFDC589F}" vid="{4A3C46E8-61CC-4603-A589-7422A47A8E4A}"/>
+    </a:ext>
+  </a:extLst>
+</a:theme>
+</file>
+
+<file path=ppt/theme/theme3.xml><?xml version="1.0" encoding="utf-8"?>
+<a:theme xmlns:a="http://schemas.openxmlformats.org/drawingml/2006/main" name="Office 主题​​">
+  <a:themeElements>
+    <a:clrScheme name="Office">
+      <a:dk1>
+        <a:sysClr val="windowText" lastClr="000000"/>
+      </a:dk1>
+      <a:lt1>
+        <a:sysClr val="window" lastClr="FFFFFF"/>
+      </a:lt1>
+      <a:dk2>
+        <a:srgbClr val="44546A"/>
+      </a:dk2>
+      <a:lt2>
+        <a:srgbClr val="E7E6E6"/>
+      </a:lt2>
+      <a:accent1>
+        <a:srgbClr val="4472C4"/>
+      </a:accent1>
+      <a:accent2>
+        <a:srgbClr val="ED7D31"/>
+      </a:accent2>
+      <a:accent3>
+        <a:srgbClr val="A5A5A5"/>
+      </a:accent3>
+      <a:accent4>
+        <a:srgbClr val="FFC000"/>
+      </a:accent4>
+      <a:accent5>
+        <a:srgbClr val="5B9BD5"/>
+      </a:accent5>
+      <a:accent6>
+        <a:srgbClr val="70AD47"/>
+      </a:accent6>
+      <a:hlink>
+        <a:srgbClr val="0563C1"/>
+      </a:hlink>
+      <a:folHlink>
+        <a:srgbClr val="954F72"/>
+      </a:folHlink>
+    </a:clrScheme>
+    <a:fontScheme name="Office">
+      <a:majorFont>
+        <a:latin typeface="等线 Light"/>
+        <a:ea typeface=""/>
+        <a:cs typeface=""/>
+        <a:font script="Jpan" typeface="游ゴシック Light"/>
+        <a:font script="Hang" typeface="맑은 고딕"/>
+        <a:font script="Hans" typeface="等线 Light"/>
+        <a:font script="Hant" typeface="新細明體"/>
+        <a:font script="Arab" typeface="Times New Roman"/>
+        <a:font script="Hebr" typeface="Times New Roman"/>
+        <a:font script="Thai" typeface="Angsana New"/>
+        <a:font script="Ethi" typeface="Nyala"/>
+        <a:font script="Beng" typeface="Vrinda"/>
+        <a:font script="Gujr" typeface="Shruti"/>
+        <a:font script="Khmr" typeface="MoolBoran"/>
+        <a:font script="Knda" typeface="Tunga"/>
+        <a:font script="Guru" typeface="Raavi"/>
+        <a:font script="Cans" typeface="Euphemia"/>
+        <a:font script="Cher" typeface="Plantagenet Cherokee"/>
+        <a:font script="Yiii" typeface="Microsoft Yi Baiti"/>
+        <a:font script="Tibt" typeface="Microsoft Himalaya"/>
+        <a:font script="Thaa" typeface="MV Boli"/>
+        <a:font script="Deva" typeface="Mangal"/>
+        <a:font script="Telu" typeface="Gautami"/>
+        <a:font script="Taml" typeface="Latha"/>
+        <a:font script="Syrc" typeface="Estrangelo Edessa"/>
+        <a:font script="Orya" typeface="Kalinga"/>
+        <a:font script="Mlym" typeface="Kartika"/>
+        <a:font script="Laoo" typeface="DokChampa"/>
+        <a:font script="Sinh" typeface="Iskoola Pota"/>
+        <a:font script="Mong" typeface="Mongolian Baiti"/>
+        <a:font script="Viet" typeface="Times New Roman"/>
+        <a:font script="Uigh" typeface="Microsoft Uighur"/>
+        <a:font script="Geor" typeface="Sylfaen"/>
+      </a:majorFont>
+      <a:minorFont>
+        <a:latin typeface="等线"/>
+        <a:ea typeface=""/>
+        <a:cs typeface=""/>
+        <a:font script="Jpan" typeface="游ゴシック"/>
+        <a:font script="Hang" typeface="맑은 고딕"/>
+        <a:font script="Hans" typeface="等线"/>
+        <a:font script="Hant" typeface="新細明體"/>
+        <a:font script="Arab" typeface="Arial"/>
+        <a:font script="Hebr" typeface="Arial"/>
+        <a:font script="Thai" typeface="Cordia New"/>
+        <a:font script="Ethi" typeface="Nyala"/>
+        <a:font script="Beng" typeface="Vrinda"/>
+        <a:font script="Gujr" typeface="Shruti"/>
+        <a:font script="Khmr" typeface="DaunPenh"/>
+        <a:font script="Knda" typeface="Tunga"/>
+        <a:font script="Guru" typeface="Raavi"/>
+        <a:font script="Cans" typeface="Euphemia"/>
+        <a:font script="Cher" typeface="Plantagenet Cherokee"/>
+        <a:font script="Yiii" typeface="Microsoft Yi Baiti"/>
+        <a:font script="Tibt" typeface="Microsoft Himalaya"/>
+        <a:font script="Thaa" typeface="MV Boli"/>
+        <a:font script="Deva" typeface="Mangal"/>
+        <a:font script="Telu" typeface="Gautami"/>
+        <a:font script="Taml" typeface="Latha"/>
+        <a:font script="Syrc" typeface="Estrangelo Edessa"/>
+        <a:font script="Orya" typeface="Kalinga"/>
+        <a:font script="Mlym" typeface="Kartika"/>
+        <a:font script="Laoo" typeface="DokChampa"/>
+        <a:font script="Sinh" typeface="Iskoola Pota"/>
+        <a:font script="Mong" typeface="Mongolian Baiti"/>
+        <a:font script="Viet" typeface="Arial"/>
+        <a:font script="Uigh" typeface="Microsoft Uighur"/>
+        <a:font script="Geor" typeface="Sylfaen"/>
+      </a:minorFont>
+    </a:fontScheme>
+    <a:fmtScheme name="Office">
+      <a:fillStyleLst>
+        <a:solidFill>
+          <a:schemeClr val="phClr"/>
+        </a:solidFill>
+        <a:gradFill rotWithShape="1">
+          <a:gsLst>
+            <a:gs pos="0">
+              <a:schemeClr val="phClr">
+                <a:lumMod val="110000"/>
+                <a:satMod val="105000"/>
+                <a:tint val="67000"/>
+              </a:schemeClr>
+            </a:gs>
+            <a:gs pos="50000">
+              <a:schemeClr val="phClr">
+                <a:lumMod val="105000"/>
+                <a:satMod val="103000"/>
+                <a:tint val="73000"/>
+              </a:schemeClr>
+            </a:gs>
+            <a:gs pos="100000">
+              <a:schemeClr val="phClr">
+                <a:lumMod val="105000"/>
+                <a:satMod val="109000"/>
+                <a:tint val="81000"/>
+              </a:schemeClr>
+            </a:gs>
+          </a:gsLst>
+          <a:lin ang="5400000" scaled="0"/>
+        </a:gradFill>
+        <a:gradFill rotWithShape="1">
+          <a:gsLst>
+            <a:gs pos="0">
+              <a:schemeClr val="phClr">
+                <a:satMod val="103000"/>
+                <a:lumMod val="102000"/>
+                <a:tint val="94000"/>
+              </a:schemeClr>
+            </a:gs>
+            <a:gs pos="50000">
+              <a:schemeClr val="phClr">
+                <a:satMod val="110000"/>
+                <a:lumMod val="100000"/>
+                <a:shade val="100000"/>
+              </a:schemeClr>
+            </a:gs>
+            <a:gs pos="100000">
+              <a:schemeClr val="phClr">
+                <a:lumMod val="99000"/>
+                <a:satMod val="120000"/>
+                <a:shade val="78000"/>
+              </a:schemeClr>
+            </a:gs>
+          </a:gsLst>
+          <a:lin ang="5400000" scaled="0"/>
+        </a:gradFill>
+      </a:fillStyleLst>
+      <a:lnStyleLst>
+        <a:ln w="6350" cap="flat" cmpd="sng" algn="ctr">
+          <a:solidFill>
+            <a:schemeClr val="phClr"/>
+          </a:solidFill>
+          <a:prstDash val="solid"/>
+          <a:miter lim="800000"/>
+        </a:ln>
+        <a:ln w="12700" cap="flat" cmpd="sng" algn="ctr">
+          <a:solidFill>
+            <a:schemeClr val="phClr"/>
+          </a:solidFill>
+          <a:prstDash val="solid"/>
+          <a:miter lim="800000"/>
+        </a:ln>
+        <a:ln w="19050" cap="flat" cmpd="sng" algn="ctr">
+          <a:solidFill>
+            <a:schemeClr val="phClr"/>
+          </a:solidFill>
+          <a:prstDash val="solid"/>
+          <a:miter lim="800000"/>
+        </a:ln>
+      </a:lnStyleLst>
+      <a:effectStyleLst>
+        <a:effectStyle>
+          <a:effectLst/>
+        </a:effectStyle>
+        <a:effectStyle>
+          <a:effectLst/>
+        </a:effectStyle>
+        <a:effectStyle>
+          <a:effectLst>
+            <a:outerShdw blurRad="57150" dist="19050" dir="5400000" algn="ctr" rotWithShape="0">
+              <a:srgbClr val="000000">
+                <a:alpha val="63000"/>
+              </a:srgbClr>
+            </a:outerShdw>
+          </a:effectLst>
+        </a:effectStyle>
+      </a:effectStyleLst>
+      <a:bgFillStyleLst>
+        <a:solidFill>
+          <a:schemeClr val="phClr"/>
+        </a:solidFill>
+        <a:solidFill>
+          <a:schemeClr val="phClr">
+            <a:tint val="95000"/>
+            <a:satMod val="170000"/>
+          </a:schemeClr>
+        </a:solidFill>
+        <a:gradFill rotWithShape="1">
+          <a:gsLst>
+            <a:gs pos="0">
+              <a:schemeClr val="phClr">
+                <a:tint val="93000"/>
+                <a:satMod val="150000"/>
+                <a:shade val="98000"/>
+                <a:lumMod val="102000"/>
+              </a:schemeClr>
+            </a:gs>
+            <a:gs pos="50000">
+              <a:schemeClr val="phClr">
+                <a:tint val="98000"/>
+                <a:satMod val="130000"/>
+                <a:shade val="90000"/>
+                <a:lumMod val="103000"/>
+              </a:schemeClr>
+            </a:gs>
+            <a:gs pos="100000">
+              <a:schemeClr val="phClr">
+                <a:shade val="63000"/>
+                <a:satMod val="120000"/>
+              </a:schemeClr>
+            </a:gs>
+          </a:gsLst>
+          <a:lin ang="5400000" scaled="0"/>
+        </a:gradFill>
+      </a:bgFillStyleLst>
+    </a:fmtScheme>
+  </a:themeElements>
   <a:extLst>
     <a:ext uri="{05A4C25C-085E-4340-85A3-A5531E510DB2}">
       <thm15:themeFamily xmlns:thm15="http://schemas.microsoft.com/office/thememl/2012/main" name="Office Theme" id="{62F939B6-93AF-4DB8-9C6B-D6C7DFDC589F}" vid="{4A3C46E8-61CC-4603-A589-7422A47A8E4A}"/>
